--- a/ALFDevOps.pptx
+++ b/ALFDevOps.pptx
@@ -5,7 +5,7 @@
     <p:sldMasterId id="2147483648" r:id="rId1"/>
   </p:sldMasterIdLst>
   <p:notesMasterIdLst>
-    <p:notesMasterId r:id="rId41"/>
+    <p:notesMasterId r:id="rId52"/>
   </p:notesMasterIdLst>
   <p:sldIdLst>
     <p:sldId id="256" r:id="rId2"/>
@@ -47,6 +47,17 @@
     <p:sldId id="296" r:id="rId38"/>
     <p:sldId id="299" r:id="rId39"/>
     <p:sldId id="301" r:id="rId40"/>
+    <p:sldId id="304" r:id="rId41"/>
+    <p:sldId id="305" r:id="rId42"/>
+    <p:sldId id="306" r:id="rId43"/>
+    <p:sldId id="307" r:id="rId44"/>
+    <p:sldId id="308" r:id="rId45"/>
+    <p:sldId id="314" r:id="rId46"/>
+    <p:sldId id="313" r:id="rId47"/>
+    <p:sldId id="312" r:id="rId48"/>
+    <p:sldId id="310" r:id="rId49"/>
+    <p:sldId id="311" r:id="rId50"/>
+    <p:sldId id="303" r:id="rId51"/>
   </p:sldIdLst>
   <p:sldSz cx="9144000" cy="6858000" type="screen4x3"/>
   <p:notesSz cx="6858000" cy="9144000"/>
@@ -2645,6 +2656,881 @@
 </dgm:colorsDef>
 </file>
 
+<file path=ppt/diagrams/colors4.xml><?xml version="1.0" encoding="utf-8"?>
+<dgm:colorsDef xmlns:dgm="http://schemas.openxmlformats.org/drawingml/2006/diagram" xmlns:a="http://schemas.openxmlformats.org/drawingml/2006/main" uniqueId="urn:microsoft.com/office/officeart/2005/8/colors/accent6_3">
+  <dgm:title val=""/>
+  <dgm:desc val=""/>
+  <dgm:catLst>
+    <dgm:cat type="accent6" pri="11300"/>
+  </dgm:catLst>
+  <dgm:styleLbl name="node0">
+    <dgm:fillClrLst meth="repeat">
+      <a:schemeClr val="accent6">
+        <a:shade val="80000"/>
+      </a:schemeClr>
+    </dgm:fillClrLst>
+    <dgm:linClrLst meth="repeat">
+      <a:schemeClr val="lt1"/>
+    </dgm:linClrLst>
+    <dgm:effectClrLst/>
+    <dgm:txLinClrLst/>
+    <dgm:txFillClrLst/>
+    <dgm:txEffectClrLst/>
+  </dgm:styleLbl>
+  <dgm:styleLbl name="node1">
+    <dgm:fillClrLst>
+      <a:schemeClr val="accent6">
+        <a:shade val="80000"/>
+      </a:schemeClr>
+      <a:schemeClr val="accent6">
+        <a:tint val="70000"/>
+      </a:schemeClr>
+    </dgm:fillClrLst>
+    <dgm:linClrLst meth="repeat">
+      <a:schemeClr val="lt1"/>
+    </dgm:linClrLst>
+    <dgm:effectClrLst/>
+    <dgm:txLinClrLst/>
+    <dgm:txFillClrLst/>
+    <dgm:txEffectClrLst/>
+  </dgm:styleLbl>
+  <dgm:styleLbl name="alignNode1">
+    <dgm:fillClrLst>
+      <a:schemeClr val="accent6">
+        <a:shade val="80000"/>
+      </a:schemeClr>
+      <a:schemeClr val="accent6">
+        <a:tint val="70000"/>
+      </a:schemeClr>
+    </dgm:fillClrLst>
+    <dgm:linClrLst>
+      <a:schemeClr val="accent6">
+        <a:shade val="80000"/>
+      </a:schemeClr>
+      <a:schemeClr val="accent6">
+        <a:tint val="70000"/>
+      </a:schemeClr>
+    </dgm:linClrLst>
+    <dgm:effectClrLst/>
+    <dgm:txLinClrLst/>
+    <dgm:txFillClrLst/>
+    <dgm:txEffectClrLst/>
+  </dgm:styleLbl>
+  <dgm:styleLbl name="lnNode1">
+    <dgm:fillClrLst>
+      <a:schemeClr val="accent6">
+        <a:shade val="80000"/>
+      </a:schemeClr>
+      <a:schemeClr val="accent6">
+        <a:tint val="70000"/>
+      </a:schemeClr>
+    </dgm:fillClrLst>
+    <dgm:linClrLst meth="repeat">
+      <a:schemeClr val="lt1"/>
+    </dgm:linClrLst>
+    <dgm:effectClrLst/>
+    <dgm:txLinClrLst/>
+    <dgm:txFillClrLst/>
+    <dgm:txEffectClrLst/>
+  </dgm:styleLbl>
+  <dgm:styleLbl name="vennNode1">
+    <dgm:fillClrLst>
+      <a:schemeClr val="accent6">
+        <a:shade val="80000"/>
+        <a:alpha val="50000"/>
+      </a:schemeClr>
+      <a:schemeClr val="accent6">
+        <a:tint val="70000"/>
+        <a:alpha val="50000"/>
+      </a:schemeClr>
+    </dgm:fillClrLst>
+    <dgm:linClrLst meth="repeat">
+      <a:schemeClr val="lt1"/>
+    </dgm:linClrLst>
+    <dgm:effectClrLst/>
+    <dgm:txLinClrLst/>
+    <dgm:txFillClrLst/>
+    <dgm:txEffectClrLst/>
+  </dgm:styleLbl>
+  <dgm:styleLbl name="node2">
+    <dgm:fillClrLst>
+      <a:schemeClr val="accent6">
+        <a:tint val="99000"/>
+      </a:schemeClr>
+    </dgm:fillClrLst>
+    <dgm:linClrLst meth="repeat">
+      <a:schemeClr val="lt1"/>
+    </dgm:linClrLst>
+    <dgm:effectClrLst/>
+    <dgm:txLinClrLst/>
+    <dgm:txFillClrLst/>
+    <dgm:txEffectClrLst/>
+  </dgm:styleLbl>
+  <dgm:styleLbl name="node3">
+    <dgm:fillClrLst>
+      <a:schemeClr val="accent6">
+        <a:tint val="80000"/>
+      </a:schemeClr>
+    </dgm:fillClrLst>
+    <dgm:linClrLst meth="repeat">
+      <a:schemeClr val="lt1"/>
+    </dgm:linClrLst>
+    <dgm:effectClrLst/>
+    <dgm:txLinClrLst/>
+    <dgm:txFillClrLst/>
+    <dgm:txEffectClrLst/>
+  </dgm:styleLbl>
+  <dgm:styleLbl name="node4">
+    <dgm:fillClrLst>
+      <a:schemeClr val="accent6">
+        <a:tint val="70000"/>
+      </a:schemeClr>
+    </dgm:fillClrLst>
+    <dgm:linClrLst meth="repeat">
+      <a:schemeClr val="lt1"/>
+    </dgm:linClrLst>
+    <dgm:effectClrLst/>
+    <dgm:txLinClrLst/>
+    <dgm:txFillClrLst/>
+    <dgm:txEffectClrLst/>
+  </dgm:styleLbl>
+  <dgm:styleLbl name="fgImgPlace1">
+    <dgm:fillClrLst>
+      <a:schemeClr val="accent6">
+        <a:tint val="50000"/>
+      </a:schemeClr>
+      <a:schemeClr val="accent6">
+        <a:tint val="20000"/>
+      </a:schemeClr>
+    </dgm:fillClrLst>
+    <dgm:linClrLst meth="repeat">
+      <a:schemeClr val="lt1"/>
+    </dgm:linClrLst>
+    <dgm:effectClrLst/>
+    <dgm:txLinClrLst/>
+    <dgm:txFillClrLst meth="repeat">
+      <a:schemeClr val="lt1"/>
+    </dgm:txFillClrLst>
+    <dgm:txEffectClrLst/>
+  </dgm:styleLbl>
+  <dgm:styleLbl name="alignImgPlace1">
+    <dgm:fillClrLst>
+      <a:schemeClr val="accent6">
+        <a:tint val="50000"/>
+      </a:schemeClr>
+      <a:schemeClr val="accent6">
+        <a:tint val="20000"/>
+      </a:schemeClr>
+    </dgm:fillClrLst>
+    <dgm:linClrLst meth="repeat">
+      <a:schemeClr val="lt1"/>
+    </dgm:linClrLst>
+    <dgm:effectClrLst/>
+    <dgm:txLinClrLst/>
+    <dgm:txFillClrLst meth="repeat">
+      <a:schemeClr val="lt1"/>
+    </dgm:txFillClrLst>
+    <dgm:txEffectClrLst/>
+  </dgm:styleLbl>
+  <dgm:styleLbl name="bgImgPlace1">
+    <dgm:fillClrLst>
+      <a:schemeClr val="accent6">
+        <a:tint val="50000"/>
+      </a:schemeClr>
+      <a:schemeClr val="accent6">
+        <a:tint val="20000"/>
+      </a:schemeClr>
+    </dgm:fillClrLst>
+    <dgm:linClrLst meth="repeat">
+      <a:schemeClr val="lt1"/>
+    </dgm:linClrLst>
+    <dgm:effectClrLst/>
+    <dgm:txLinClrLst/>
+    <dgm:txFillClrLst meth="repeat">
+      <a:schemeClr val="lt1"/>
+    </dgm:txFillClrLst>
+    <dgm:txEffectClrLst/>
+  </dgm:styleLbl>
+  <dgm:styleLbl name="sibTrans2D1">
+    <dgm:fillClrLst>
+      <a:schemeClr val="accent6">
+        <a:shade val="90000"/>
+      </a:schemeClr>
+      <a:schemeClr val="accent6">
+        <a:tint val="70000"/>
+      </a:schemeClr>
+    </dgm:fillClrLst>
+    <dgm:linClrLst>
+      <a:schemeClr val="accent6">
+        <a:shade val="90000"/>
+      </a:schemeClr>
+      <a:schemeClr val="accent6">
+        <a:tint val="70000"/>
+      </a:schemeClr>
+    </dgm:linClrLst>
+    <dgm:effectClrLst/>
+    <dgm:txLinClrLst/>
+    <dgm:txFillClrLst/>
+    <dgm:txEffectClrLst/>
+  </dgm:styleLbl>
+  <dgm:styleLbl name="fgSibTrans2D1">
+    <dgm:fillClrLst>
+      <a:schemeClr val="accent6">
+        <a:shade val="90000"/>
+      </a:schemeClr>
+      <a:schemeClr val="accent6">
+        <a:tint val="70000"/>
+      </a:schemeClr>
+    </dgm:fillClrLst>
+    <dgm:linClrLst>
+      <a:schemeClr val="accent6">
+        <a:shade val="90000"/>
+      </a:schemeClr>
+      <a:schemeClr val="accent6">
+        <a:tint val="70000"/>
+      </a:schemeClr>
+    </dgm:linClrLst>
+    <dgm:effectClrLst/>
+    <dgm:txLinClrLst/>
+    <dgm:txFillClrLst meth="repeat">
+      <a:schemeClr val="lt1"/>
+    </dgm:txFillClrLst>
+    <dgm:txEffectClrLst/>
+  </dgm:styleLbl>
+  <dgm:styleLbl name="bgSibTrans2D1">
+    <dgm:fillClrLst>
+      <a:schemeClr val="accent6">
+        <a:shade val="90000"/>
+      </a:schemeClr>
+      <a:schemeClr val="accent6">
+        <a:tint val="70000"/>
+      </a:schemeClr>
+    </dgm:fillClrLst>
+    <dgm:linClrLst>
+      <a:schemeClr val="accent6">
+        <a:shade val="90000"/>
+      </a:schemeClr>
+      <a:schemeClr val="accent6">
+        <a:tint val="70000"/>
+      </a:schemeClr>
+    </dgm:linClrLst>
+    <dgm:effectClrLst/>
+    <dgm:txLinClrLst/>
+    <dgm:txFillClrLst meth="repeat">
+      <a:schemeClr val="lt1"/>
+    </dgm:txFillClrLst>
+    <dgm:txEffectClrLst/>
+  </dgm:styleLbl>
+  <dgm:styleLbl name="sibTrans1D1">
+    <dgm:fillClrLst>
+      <a:schemeClr val="accent6">
+        <a:shade val="90000"/>
+      </a:schemeClr>
+      <a:schemeClr val="accent6">
+        <a:tint val="70000"/>
+      </a:schemeClr>
+    </dgm:fillClrLst>
+    <dgm:linClrLst>
+      <a:schemeClr val="accent6">
+        <a:shade val="90000"/>
+      </a:schemeClr>
+      <a:schemeClr val="accent6">
+        <a:tint val="70000"/>
+      </a:schemeClr>
+    </dgm:linClrLst>
+    <dgm:effectClrLst/>
+    <dgm:txLinClrLst/>
+    <dgm:txFillClrLst meth="repeat">
+      <a:schemeClr val="tx1"/>
+    </dgm:txFillClrLst>
+    <dgm:txEffectClrLst/>
+  </dgm:styleLbl>
+  <dgm:styleLbl name="callout">
+    <dgm:fillClrLst meth="repeat">
+      <a:schemeClr val="accent6"/>
+    </dgm:fillClrLst>
+    <dgm:linClrLst meth="repeat">
+      <a:schemeClr val="accent6"/>
+    </dgm:linClrLst>
+    <dgm:effectClrLst/>
+    <dgm:txLinClrLst/>
+    <dgm:txFillClrLst meth="repeat">
+      <a:schemeClr val="tx1"/>
+    </dgm:txFillClrLst>
+    <dgm:txEffectClrLst/>
+  </dgm:styleLbl>
+  <dgm:styleLbl name="asst0">
+    <dgm:fillClrLst meth="repeat">
+      <a:schemeClr val="accent6">
+        <a:shade val="80000"/>
+      </a:schemeClr>
+    </dgm:fillClrLst>
+    <dgm:linClrLst meth="repeat">
+      <a:schemeClr val="lt1"/>
+    </dgm:linClrLst>
+    <dgm:effectClrLst/>
+    <dgm:txLinClrLst/>
+    <dgm:txFillClrLst/>
+    <dgm:txEffectClrLst/>
+  </dgm:styleLbl>
+  <dgm:styleLbl name="asst1">
+    <dgm:fillClrLst meth="repeat">
+      <a:schemeClr val="accent6">
+        <a:shade val="80000"/>
+      </a:schemeClr>
+    </dgm:fillClrLst>
+    <dgm:linClrLst meth="repeat">
+      <a:schemeClr val="lt1"/>
+    </dgm:linClrLst>
+    <dgm:effectClrLst/>
+    <dgm:txLinClrLst/>
+    <dgm:txFillClrLst/>
+    <dgm:txEffectClrLst/>
+  </dgm:styleLbl>
+  <dgm:styleLbl name="asst2">
+    <dgm:fillClrLst>
+      <a:schemeClr val="accent6">
+        <a:tint val="99000"/>
+      </a:schemeClr>
+    </dgm:fillClrLst>
+    <dgm:linClrLst meth="repeat">
+      <a:schemeClr val="lt1"/>
+    </dgm:linClrLst>
+    <dgm:effectClrLst/>
+    <dgm:txLinClrLst/>
+    <dgm:txFillClrLst/>
+    <dgm:txEffectClrLst/>
+  </dgm:styleLbl>
+  <dgm:styleLbl name="asst3">
+    <dgm:fillClrLst>
+      <a:schemeClr val="accent6">
+        <a:tint val="80000"/>
+      </a:schemeClr>
+    </dgm:fillClrLst>
+    <dgm:linClrLst meth="repeat">
+      <a:schemeClr val="lt1"/>
+    </dgm:linClrLst>
+    <dgm:effectClrLst/>
+    <dgm:txLinClrLst/>
+    <dgm:txFillClrLst/>
+    <dgm:txEffectClrLst/>
+  </dgm:styleLbl>
+  <dgm:styleLbl name="asst4">
+    <dgm:fillClrLst>
+      <a:schemeClr val="accent6">
+        <a:tint val="70000"/>
+      </a:schemeClr>
+    </dgm:fillClrLst>
+    <dgm:linClrLst meth="repeat">
+      <a:schemeClr val="lt1"/>
+    </dgm:linClrLst>
+    <dgm:effectClrLst/>
+    <dgm:txLinClrLst/>
+    <dgm:txFillClrLst/>
+    <dgm:txEffectClrLst/>
+  </dgm:styleLbl>
+  <dgm:styleLbl name="parChTrans2D1">
+    <dgm:fillClrLst meth="repeat">
+      <a:schemeClr val="accent6">
+        <a:tint val="60000"/>
+      </a:schemeClr>
+    </dgm:fillClrLst>
+    <dgm:linClrLst meth="repeat">
+      <a:schemeClr val="accent6">
+        <a:tint val="60000"/>
+      </a:schemeClr>
+    </dgm:linClrLst>
+    <dgm:effectClrLst/>
+    <dgm:txLinClrLst/>
+    <dgm:txFillClrLst meth="repeat">
+      <a:schemeClr val="lt1"/>
+    </dgm:txFillClrLst>
+    <dgm:txEffectClrLst/>
+  </dgm:styleLbl>
+  <dgm:styleLbl name="parChTrans2D2">
+    <dgm:fillClrLst meth="repeat">
+      <a:schemeClr val="accent6">
+        <a:tint val="90000"/>
+      </a:schemeClr>
+    </dgm:fillClrLst>
+    <dgm:linClrLst meth="repeat">
+      <a:schemeClr val="accent6">
+        <a:tint val="90000"/>
+      </a:schemeClr>
+    </dgm:linClrLst>
+    <dgm:effectClrLst/>
+    <dgm:txLinClrLst/>
+    <dgm:txFillClrLst/>
+    <dgm:txEffectClrLst/>
+  </dgm:styleLbl>
+  <dgm:styleLbl name="parChTrans2D3">
+    <dgm:fillClrLst meth="repeat">
+      <a:schemeClr val="accent6">
+        <a:tint val="70000"/>
+      </a:schemeClr>
+    </dgm:fillClrLst>
+    <dgm:linClrLst meth="repeat">
+      <a:schemeClr val="accent6">
+        <a:tint val="70000"/>
+      </a:schemeClr>
+    </dgm:linClrLst>
+    <dgm:effectClrLst/>
+    <dgm:txLinClrLst/>
+    <dgm:txFillClrLst/>
+    <dgm:txEffectClrLst/>
+  </dgm:styleLbl>
+  <dgm:styleLbl name="parChTrans2D4">
+    <dgm:fillClrLst meth="repeat">
+      <a:schemeClr val="accent6">
+        <a:tint val="50000"/>
+      </a:schemeClr>
+    </dgm:fillClrLst>
+    <dgm:linClrLst meth="repeat">
+      <a:schemeClr val="accent6">
+        <a:tint val="50000"/>
+      </a:schemeClr>
+    </dgm:linClrLst>
+    <dgm:effectClrLst/>
+    <dgm:txLinClrLst/>
+    <dgm:txFillClrLst meth="repeat">
+      <a:schemeClr val="lt1"/>
+    </dgm:txFillClrLst>
+    <dgm:txEffectClrLst/>
+  </dgm:styleLbl>
+  <dgm:styleLbl name="parChTrans1D1">
+    <dgm:fillClrLst meth="repeat">
+      <a:schemeClr val="accent6">
+        <a:shade val="80000"/>
+      </a:schemeClr>
+    </dgm:fillClrLst>
+    <dgm:linClrLst meth="repeat">
+      <a:schemeClr val="accent6">
+        <a:shade val="80000"/>
+      </a:schemeClr>
+    </dgm:linClrLst>
+    <dgm:effectClrLst/>
+    <dgm:txLinClrLst/>
+    <dgm:txFillClrLst meth="repeat">
+      <a:schemeClr val="tx1"/>
+    </dgm:txFillClrLst>
+    <dgm:txEffectClrLst/>
+  </dgm:styleLbl>
+  <dgm:styleLbl name="parChTrans1D2">
+    <dgm:fillClrLst meth="repeat">
+      <a:schemeClr val="accent6">
+        <a:tint val="99000"/>
+      </a:schemeClr>
+    </dgm:fillClrLst>
+    <dgm:linClrLst meth="repeat">
+      <a:schemeClr val="accent6">
+        <a:tint val="99000"/>
+      </a:schemeClr>
+    </dgm:linClrLst>
+    <dgm:effectClrLst/>
+    <dgm:txLinClrLst/>
+    <dgm:txFillClrLst meth="repeat">
+      <a:schemeClr val="tx1"/>
+    </dgm:txFillClrLst>
+    <dgm:txEffectClrLst/>
+  </dgm:styleLbl>
+  <dgm:styleLbl name="parChTrans1D3">
+    <dgm:fillClrLst meth="repeat">
+      <a:schemeClr val="accent6">
+        <a:tint val="80000"/>
+      </a:schemeClr>
+    </dgm:fillClrLst>
+    <dgm:linClrLst meth="repeat">
+      <a:schemeClr val="accent6">
+        <a:tint val="80000"/>
+      </a:schemeClr>
+    </dgm:linClrLst>
+    <dgm:effectClrLst/>
+    <dgm:txLinClrLst/>
+    <dgm:txFillClrLst meth="repeat">
+      <a:schemeClr val="tx1"/>
+    </dgm:txFillClrLst>
+    <dgm:txEffectClrLst/>
+  </dgm:styleLbl>
+  <dgm:styleLbl name="parChTrans1D4">
+    <dgm:fillClrLst meth="repeat">
+      <a:schemeClr val="accent6">
+        <a:tint val="70000"/>
+      </a:schemeClr>
+    </dgm:fillClrLst>
+    <dgm:linClrLst meth="repeat">
+      <a:schemeClr val="accent6">
+        <a:tint val="70000"/>
+      </a:schemeClr>
+    </dgm:linClrLst>
+    <dgm:effectClrLst/>
+    <dgm:txLinClrLst/>
+    <dgm:txFillClrLst meth="repeat">
+      <a:schemeClr val="tx1"/>
+    </dgm:txFillClrLst>
+    <dgm:txEffectClrLst/>
+  </dgm:styleLbl>
+  <dgm:styleLbl name="fgAcc1">
+    <dgm:fillClrLst meth="repeat">
+      <a:schemeClr val="lt1">
+        <a:alpha val="90000"/>
+      </a:schemeClr>
+    </dgm:fillClrLst>
+    <dgm:linClrLst>
+      <a:schemeClr val="accent6">
+        <a:shade val="80000"/>
+      </a:schemeClr>
+      <a:schemeClr val="accent6">
+        <a:tint val="70000"/>
+      </a:schemeClr>
+    </dgm:linClrLst>
+    <dgm:effectClrLst/>
+    <dgm:txLinClrLst/>
+    <dgm:txFillClrLst meth="repeat">
+      <a:schemeClr val="dk1"/>
+    </dgm:txFillClrLst>
+    <dgm:txEffectClrLst/>
+  </dgm:styleLbl>
+  <dgm:styleLbl name="conFgAcc1">
+    <dgm:fillClrLst meth="repeat">
+      <a:schemeClr val="lt1">
+        <a:alpha val="90000"/>
+      </a:schemeClr>
+    </dgm:fillClrLst>
+    <dgm:linClrLst>
+      <a:schemeClr val="accent6">
+        <a:shade val="80000"/>
+      </a:schemeClr>
+      <a:schemeClr val="accent6">
+        <a:tint val="70000"/>
+      </a:schemeClr>
+    </dgm:linClrLst>
+    <dgm:effectClrLst/>
+    <dgm:txLinClrLst/>
+    <dgm:txFillClrLst meth="repeat">
+      <a:schemeClr val="dk1"/>
+    </dgm:txFillClrLst>
+    <dgm:txEffectClrLst/>
+  </dgm:styleLbl>
+  <dgm:styleLbl name="alignAcc1">
+    <dgm:fillClrLst meth="repeat">
+      <a:schemeClr val="lt1">
+        <a:alpha val="90000"/>
+      </a:schemeClr>
+    </dgm:fillClrLst>
+    <dgm:linClrLst>
+      <a:schemeClr val="accent6">
+        <a:shade val="80000"/>
+      </a:schemeClr>
+      <a:schemeClr val="accent6">
+        <a:tint val="70000"/>
+      </a:schemeClr>
+    </dgm:linClrLst>
+    <dgm:effectClrLst/>
+    <dgm:txLinClrLst/>
+    <dgm:txFillClrLst meth="repeat">
+      <a:schemeClr val="dk1"/>
+    </dgm:txFillClrLst>
+    <dgm:txEffectClrLst/>
+  </dgm:styleLbl>
+  <dgm:styleLbl name="trAlignAcc1">
+    <dgm:fillClrLst meth="repeat">
+      <a:schemeClr val="lt1">
+        <a:alpha val="40000"/>
+      </a:schemeClr>
+    </dgm:fillClrLst>
+    <dgm:linClrLst meth="repeat">
+      <a:schemeClr val="accent6"/>
+    </dgm:linClrLst>
+    <dgm:effectClrLst/>
+    <dgm:txLinClrLst/>
+    <dgm:txFillClrLst meth="repeat">
+      <a:schemeClr val="dk1"/>
+    </dgm:txFillClrLst>
+    <dgm:txEffectClrLst/>
+  </dgm:styleLbl>
+  <dgm:styleLbl name="bgAcc1">
+    <dgm:fillClrLst meth="repeat">
+      <a:schemeClr val="lt1">
+        <a:alpha val="90000"/>
+      </a:schemeClr>
+    </dgm:fillClrLst>
+    <dgm:linClrLst>
+      <a:schemeClr val="accent6">
+        <a:shade val="80000"/>
+      </a:schemeClr>
+      <a:schemeClr val="accent6">
+        <a:tint val="70000"/>
+      </a:schemeClr>
+    </dgm:linClrLst>
+    <dgm:effectClrLst/>
+    <dgm:txLinClrLst/>
+    <dgm:txFillClrLst meth="repeat">
+      <a:schemeClr val="dk1"/>
+    </dgm:txFillClrLst>
+    <dgm:txEffectClrLst/>
+  </dgm:styleLbl>
+  <dgm:styleLbl name="solidFgAcc1">
+    <dgm:fillClrLst meth="repeat">
+      <a:schemeClr val="lt1"/>
+    </dgm:fillClrLst>
+    <dgm:linClrLst>
+      <a:schemeClr val="accent6">
+        <a:shade val="80000"/>
+      </a:schemeClr>
+      <a:schemeClr val="accent6">
+        <a:tint val="70000"/>
+      </a:schemeClr>
+    </dgm:linClrLst>
+    <dgm:effectClrLst/>
+    <dgm:txLinClrLst/>
+    <dgm:txFillClrLst meth="repeat">
+      <a:schemeClr val="dk1"/>
+    </dgm:txFillClrLst>
+    <dgm:txEffectClrLst/>
+  </dgm:styleLbl>
+  <dgm:styleLbl name="solidAlignAcc1">
+    <dgm:fillClrLst meth="repeat">
+      <a:schemeClr val="lt1"/>
+    </dgm:fillClrLst>
+    <dgm:linClrLst meth="repeat">
+      <a:schemeClr val="accent6"/>
+    </dgm:linClrLst>
+    <dgm:effectClrLst/>
+    <dgm:txLinClrLst/>
+    <dgm:txFillClrLst meth="repeat">
+      <a:schemeClr val="dk1"/>
+    </dgm:txFillClrLst>
+    <dgm:txEffectClrLst/>
+  </dgm:styleLbl>
+  <dgm:styleLbl name="solidBgAcc1">
+    <dgm:fillClrLst meth="repeat">
+      <a:schemeClr val="lt1"/>
+    </dgm:fillClrLst>
+    <dgm:linClrLst meth="repeat">
+      <a:schemeClr val="accent6"/>
+    </dgm:linClrLst>
+    <dgm:effectClrLst/>
+    <dgm:txLinClrLst/>
+    <dgm:txFillClrLst meth="repeat">
+      <a:schemeClr val="dk1"/>
+    </dgm:txFillClrLst>
+    <dgm:txEffectClrLst/>
+  </dgm:styleLbl>
+  <dgm:styleLbl name="fgAccFollowNode1">
+    <dgm:fillClrLst meth="repeat">
+      <a:schemeClr val="accent6">
+        <a:alpha val="90000"/>
+        <a:tint val="40000"/>
+      </a:schemeClr>
+    </dgm:fillClrLst>
+    <dgm:linClrLst meth="repeat">
+      <a:schemeClr val="accent6">
+        <a:alpha val="90000"/>
+        <a:tint val="40000"/>
+      </a:schemeClr>
+    </dgm:linClrLst>
+    <dgm:effectClrLst/>
+    <dgm:txLinClrLst/>
+    <dgm:txFillClrLst meth="repeat">
+      <a:schemeClr val="dk1"/>
+    </dgm:txFillClrLst>
+    <dgm:txEffectClrLst/>
+  </dgm:styleLbl>
+  <dgm:styleLbl name="alignAccFollowNode1">
+    <dgm:fillClrLst meth="repeat">
+      <a:schemeClr val="accent6">
+        <a:alpha val="90000"/>
+        <a:tint val="40000"/>
+      </a:schemeClr>
+    </dgm:fillClrLst>
+    <dgm:linClrLst meth="repeat">
+      <a:schemeClr val="accent6">
+        <a:alpha val="90000"/>
+        <a:tint val="40000"/>
+      </a:schemeClr>
+    </dgm:linClrLst>
+    <dgm:effectClrLst/>
+    <dgm:txLinClrLst/>
+    <dgm:txFillClrLst meth="repeat">
+      <a:schemeClr val="dk1"/>
+    </dgm:txFillClrLst>
+    <dgm:txEffectClrLst/>
+  </dgm:styleLbl>
+  <dgm:styleLbl name="bgAccFollowNode1">
+    <dgm:fillClrLst meth="repeat">
+      <a:schemeClr val="accent6">
+        <a:alpha val="90000"/>
+        <a:tint val="40000"/>
+      </a:schemeClr>
+    </dgm:fillClrLst>
+    <dgm:linClrLst meth="repeat">
+      <a:schemeClr val="lt1"/>
+    </dgm:linClrLst>
+    <dgm:effectClrLst/>
+    <dgm:txLinClrLst/>
+    <dgm:txFillClrLst meth="repeat">
+      <a:schemeClr val="dk1"/>
+    </dgm:txFillClrLst>
+    <dgm:txEffectClrLst/>
+  </dgm:styleLbl>
+  <dgm:styleLbl name="fgAcc0">
+    <dgm:fillClrLst meth="repeat">
+      <a:schemeClr val="lt1">
+        <a:alpha val="90000"/>
+      </a:schemeClr>
+    </dgm:fillClrLst>
+    <dgm:linClrLst meth="repeat">
+      <a:schemeClr val="accent6">
+        <a:shade val="80000"/>
+      </a:schemeClr>
+    </dgm:linClrLst>
+    <dgm:effectClrLst/>
+    <dgm:txLinClrLst/>
+    <dgm:txFillClrLst meth="repeat">
+      <a:schemeClr val="dk1"/>
+    </dgm:txFillClrLst>
+    <dgm:txEffectClrLst/>
+  </dgm:styleLbl>
+  <dgm:styleLbl name="fgAcc2">
+    <dgm:fillClrLst meth="repeat">
+      <a:schemeClr val="lt1">
+        <a:alpha val="90000"/>
+      </a:schemeClr>
+    </dgm:fillClrLst>
+    <dgm:linClrLst meth="repeat">
+      <a:schemeClr val="accent6">
+        <a:tint val="99000"/>
+      </a:schemeClr>
+    </dgm:linClrLst>
+    <dgm:effectClrLst/>
+    <dgm:txLinClrLst/>
+    <dgm:txFillClrLst meth="repeat">
+      <a:schemeClr val="dk1"/>
+    </dgm:txFillClrLst>
+    <dgm:txEffectClrLst/>
+  </dgm:styleLbl>
+  <dgm:styleLbl name="fgAcc3">
+    <dgm:fillClrLst meth="repeat">
+      <a:schemeClr val="lt1">
+        <a:alpha val="90000"/>
+      </a:schemeClr>
+    </dgm:fillClrLst>
+    <dgm:linClrLst meth="repeat">
+      <a:schemeClr val="accent6">
+        <a:tint val="80000"/>
+      </a:schemeClr>
+    </dgm:linClrLst>
+    <dgm:effectClrLst/>
+    <dgm:txLinClrLst/>
+    <dgm:txFillClrLst meth="repeat">
+      <a:schemeClr val="dk1"/>
+    </dgm:txFillClrLst>
+    <dgm:txEffectClrLst/>
+  </dgm:styleLbl>
+  <dgm:styleLbl name="fgAcc4">
+    <dgm:fillClrLst meth="repeat">
+      <a:schemeClr val="lt1">
+        <a:alpha val="90000"/>
+      </a:schemeClr>
+    </dgm:fillClrLst>
+    <dgm:linClrLst meth="repeat">
+      <a:schemeClr val="accent6">
+        <a:tint val="70000"/>
+      </a:schemeClr>
+    </dgm:linClrLst>
+    <dgm:effectClrLst/>
+    <dgm:txLinClrLst/>
+    <dgm:txFillClrLst meth="repeat">
+      <a:schemeClr val="dk1"/>
+    </dgm:txFillClrLst>
+    <dgm:txEffectClrLst/>
+  </dgm:styleLbl>
+  <dgm:styleLbl name="bgShp">
+    <dgm:fillClrLst meth="repeat">
+      <a:schemeClr val="accent6">
+        <a:tint val="40000"/>
+      </a:schemeClr>
+    </dgm:fillClrLst>
+    <dgm:linClrLst meth="repeat">
+      <a:schemeClr val="dk1"/>
+    </dgm:linClrLst>
+    <dgm:effectClrLst/>
+    <dgm:txLinClrLst/>
+    <dgm:txFillClrLst meth="repeat">
+      <a:schemeClr val="dk1"/>
+    </dgm:txFillClrLst>
+    <dgm:txEffectClrLst/>
+  </dgm:styleLbl>
+  <dgm:styleLbl name="dkBgShp">
+    <dgm:fillClrLst meth="repeat">
+      <a:schemeClr val="accent6">
+        <a:shade val="90000"/>
+      </a:schemeClr>
+    </dgm:fillClrLst>
+    <dgm:linClrLst meth="repeat">
+      <a:schemeClr val="dk1"/>
+    </dgm:linClrLst>
+    <dgm:effectClrLst/>
+    <dgm:txLinClrLst/>
+    <dgm:txFillClrLst meth="repeat">
+      <a:schemeClr val="lt1"/>
+    </dgm:txFillClrLst>
+    <dgm:txEffectClrLst/>
+  </dgm:styleLbl>
+  <dgm:styleLbl name="trBgShp">
+    <dgm:fillClrLst meth="repeat">
+      <a:schemeClr val="accent6">
+        <a:tint val="50000"/>
+        <a:alpha val="40000"/>
+      </a:schemeClr>
+    </dgm:fillClrLst>
+    <dgm:linClrLst meth="repeat">
+      <a:schemeClr val="accent6"/>
+    </dgm:linClrLst>
+    <dgm:effectClrLst/>
+    <dgm:txLinClrLst/>
+    <dgm:txFillClrLst meth="repeat">
+      <a:schemeClr val="lt1"/>
+    </dgm:txFillClrLst>
+    <dgm:txEffectClrLst/>
+  </dgm:styleLbl>
+  <dgm:styleLbl name="fgShp">
+    <dgm:fillClrLst meth="repeat">
+      <a:schemeClr val="accent6">
+        <a:tint val="40000"/>
+      </a:schemeClr>
+    </dgm:fillClrLst>
+    <dgm:linClrLst meth="repeat">
+      <a:schemeClr val="lt1"/>
+    </dgm:linClrLst>
+    <dgm:effectClrLst/>
+    <dgm:txLinClrLst/>
+    <dgm:txFillClrLst meth="repeat">
+      <a:schemeClr val="dk1"/>
+    </dgm:txFillClrLst>
+    <dgm:txEffectClrLst/>
+  </dgm:styleLbl>
+  <dgm:styleLbl name="revTx">
+    <dgm:fillClrLst meth="repeat">
+      <a:schemeClr val="lt1">
+        <a:alpha val="0"/>
+      </a:schemeClr>
+    </dgm:fillClrLst>
+    <dgm:linClrLst meth="repeat">
+      <a:schemeClr val="dk1">
+        <a:alpha val="0"/>
+      </a:schemeClr>
+    </dgm:linClrLst>
+    <dgm:effectClrLst/>
+    <dgm:txLinClrLst/>
+    <dgm:txFillClrLst meth="repeat">
+      <a:schemeClr val="tx1"/>
+    </dgm:txFillClrLst>
+    <dgm:txEffectClrLst/>
+  </dgm:styleLbl>
+</dgm:colorsDef>
+</file>
+
 <file path=ppt/diagrams/data1.xml><?xml version="1.0" encoding="utf-8"?>
 <dgm:dataModel xmlns:dgm="http://schemas.openxmlformats.org/drawingml/2006/diagram" xmlns:a="http://schemas.openxmlformats.org/drawingml/2006/main">
   <dgm:ptLst>
@@ -3950,6 +4836,466 @@
     <dgm:cxn modelId="{49597549-D8E6-604B-A9D7-7E40A3945E69}" type="presParOf" srcId="{B2E3C051-446E-F244-A003-CEF0E58500AE}" destId="{98BE74A6-DDEE-334A-A5C8-964C6A0E1103}" srcOrd="6" destOrd="0" presId="urn:microsoft.com/office/officeart/2005/8/layout/hProcess9"/>
     <dgm:cxn modelId="{30792BBC-67AB-9640-B625-2D979C67B23A}" type="presParOf" srcId="{B2E3C051-446E-F244-A003-CEF0E58500AE}" destId="{6704E2FA-B108-0447-A6FA-972A2CF2BAC0}" srcOrd="7" destOrd="0" presId="urn:microsoft.com/office/officeart/2005/8/layout/hProcess9"/>
     <dgm:cxn modelId="{50B4F7E4-E797-7B45-B01C-16CE67EAF376}" type="presParOf" srcId="{B2E3C051-446E-F244-A003-CEF0E58500AE}" destId="{08A2C940-879D-F049-A0C4-0D84ED24ED94}" srcOrd="8" destOrd="0" presId="urn:microsoft.com/office/officeart/2005/8/layout/hProcess9"/>
+  </dgm:cxnLst>
+  <dgm:bg/>
+  <dgm:whole/>
+  <dgm:extLst>
+    <a:ext uri="http://schemas.microsoft.com/office/drawing/2008/diagram">
+      <dsp:dataModelExt xmlns:dsp="http://schemas.microsoft.com/office/drawing/2008/diagram" relId="rId7" minVer="http://schemas.openxmlformats.org/drawingml/2006/diagram"/>
+    </a:ext>
+  </dgm:extLst>
+</dgm:dataModel>
+</file>
+
+<file path=ppt/diagrams/data4.xml><?xml version="1.0" encoding="utf-8"?>
+<dgm:dataModel xmlns:dgm="http://schemas.openxmlformats.org/drawingml/2006/diagram" xmlns:a="http://schemas.openxmlformats.org/drawingml/2006/main">
+  <dgm:ptLst>
+    <dgm:pt modelId="{7FCBCAD3-0648-EF4B-BF3F-9721FBA294B5}" type="doc">
+      <dgm:prSet loTypeId="urn:microsoft.com/office/officeart/2005/8/layout/chevron1" loCatId="" qsTypeId="urn:microsoft.com/office/officeart/2005/8/quickstyle/3D2" qsCatId="3D" csTypeId="urn:microsoft.com/office/officeart/2005/8/colors/accent6_3" csCatId="accent6" phldr="1"/>
+      <dgm:spPr/>
+    </dgm:pt>
+    <dgm:pt modelId="{CB0C90F6-C99A-8F4B-A664-E2F0F8EF47C6}">
+      <dgm:prSet phldrT="[Text]"/>
+      <dgm:spPr/>
+      <dgm:t>
+        <a:bodyPr/>
+        <a:lstStyle/>
+        <a:p>
+          <a:r>
+            <a:rPr lang="en-US" dirty="0" smtClean="0"/>
+            <a:t>Design</a:t>
+          </a:r>
+          <a:endParaRPr lang="en-US" dirty="0"/>
+        </a:p>
+      </dgm:t>
+    </dgm:pt>
+    <dgm:pt modelId="{98787DBD-6459-BC42-BAC6-19DBE8DBCB36}" type="parTrans" cxnId="{119FC26A-170E-5148-8A61-A5112D6F792C}">
+      <dgm:prSet/>
+      <dgm:spPr/>
+      <dgm:t>
+        <a:bodyPr/>
+        <a:lstStyle/>
+        <a:p>
+          <a:endParaRPr lang="en-US"/>
+        </a:p>
+      </dgm:t>
+    </dgm:pt>
+    <dgm:pt modelId="{846F1A26-17D5-2246-83D0-BF23A634AD89}" type="sibTrans" cxnId="{119FC26A-170E-5148-8A61-A5112D6F792C}">
+      <dgm:prSet/>
+      <dgm:spPr/>
+      <dgm:t>
+        <a:bodyPr/>
+        <a:lstStyle/>
+        <a:p>
+          <a:endParaRPr lang="en-US"/>
+        </a:p>
+      </dgm:t>
+    </dgm:pt>
+    <dgm:pt modelId="{9366CABB-454A-DF45-A42A-B462D6AB2344}">
+      <dgm:prSet phldrT="[Text]"/>
+      <dgm:spPr/>
+      <dgm:t>
+        <a:bodyPr/>
+        <a:lstStyle/>
+        <a:p>
+          <a:r>
+            <a:rPr lang="en-US" dirty="0" smtClean="0"/>
+            <a:t>Code</a:t>
+          </a:r>
+          <a:endParaRPr lang="en-US" dirty="0"/>
+        </a:p>
+      </dgm:t>
+    </dgm:pt>
+    <dgm:pt modelId="{289F5784-60B0-FA43-B7E4-CE078C722B19}" type="parTrans" cxnId="{CC5C3685-5FD4-9042-81EE-7B4580060E96}">
+      <dgm:prSet/>
+      <dgm:spPr/>
+      <dgm:t>
+        <a:bodyPr/>
+        <a:lstStyle/>
+        <a:p>
+          <a:endParaRPr lang="en-US"/>
+        </a:p>
+      </dgm:t>
+    </dgm:pt>
+    <dgm:pt modelId="{32268D21-DB24-6340-8BCB-4A3A339CECBF}" type="sibTrans" cxnId="{CC5C3685-5FD4-9042-81EE-7B4580060E96}">
+      <dgm:prSet/>
+      <dgm:spPr/>
+      <dgm:t>
+        <a:bodyPr/>
+        <a:lstStyle/>
+        <a:p>
+          <a:endParaRPr lang="en-US"/>
+        </a:p>
+      </dgm:t>
+    </dgm:pt>
+    <dgm:pt modelId="{70E0FF63-93E9-3C43-8450-348A0603E5BC}">
+      <dgm:prSet phldrT="[Text]"/>
+      <dgm:spPr/>
+      <dgm:t>
+        <a:bodyPr/>
+        <a:lstStyle/>
+        <a:p>
+          <a:r>
+            <a:rPr lang="en-US" dirty="0" smtClean="0"/>
+            <a:t>Build</a:t>
+          </a:r>
+          <a:endParaRPr lang="en-US" dirty="0"/>
+        </a:p>
+      </dgm:t>
+    </dgm:pt>
+    <dgm:pt modelId="{96393AA3-FD0E-7540-B03C-9CB5C57DC3B2}" type="parTrans" cxnId="{9BC12147-C8E6-2A47-975E-DC45D2BA4AE6}">
+      <dgm:prSet/>
+      <dgm:spPr/>
+      <dgm:t>
+        <a:bodyPr/>
+        <a:lstStyle/>
+        <a:p>
+          <a:endParaRPr lang="en-US"/>
+        </a:p>
+      </dgm:t>
+    </dgm:pt>
+    <dgm:pt modelId="{CC82092E-03D7-2C42-BAA1-7497CB97780F}" type="sibTrans" cxnId="{9BC12147-C8E6-2A47-975E-DC45D2BA4AE6}">
+      <dgm:prSet/>
+      <dgm:spPr/>
+      <dgm:t>
+        <a:bodyPr/>
+        <a:lstStyle/>
+        <a:p>
+          <a:endParaRPr lang="en-US"/>
+        </a:p>
+      </dgm:t>
+    </dgm:pt>
+    <dgm:pt modelId="{D5379158-3327-1E41-AE17-56C52AD92682}">
+      <dgm:prSet phldrT="[Text]"/>
+      <dgm:spPr/>
+      <dgm:t>
+        <a:bodyPr/>
+        <a:lstStyle/>
+        <a:p>
+          <a:r>
+            <a:rPr lang="en-US" dirty="0" smtClean="0"/>
+            <a:t>Test</a:t>
+          </a:r>
+          <a:endParaRPr lang="en-US" dirty="0"/>
+        </a:p>
+      </dgm:t>
+    </dgm:pt>
+    <dgm:pt modelId="{F8EEDC39-AA5E-7E4E-A9E1-B822C75DD465}" type="parTrans" cxnId="{B55EE3DF-8036-0A43-AA45-C79A6A7BE008}">
+      <dgm:prSet/>
+      <dgm:spPr/>
+      <dgm:t>
+        <a:bodyPr/>
+        <a:lstStyle/>
+        <a:p>
+          <a:endParaRPr lang="en-US"/>
+        </a:p>
+      </dgm:t>
+    </dgm:pt>
+    <dgm:pt modelId="{0744B852-7C2A-2F49-9F9A-DC8E94BE9F80}" type="sibTrans" cxnId="{B55EE3DF-8036-0A43-AA45-C79A6A7BE008}">
+      <dgm:prSet/>
+      <dgm:spPr/>
+      <dgm:t>
+        <a:bodyPr/>
+        <a:lstStyle/>
+        <a:p>
+          <a:endParaRPr lang="en-US"/>
+        </a:p>
+      </dgm:t>
+    </dgm:pt>
+    <dgm:pt modelId="{7E5007F2-E33B-B441-8D56-83A44D7504DA}">
+      <dgm:prSet phldrT="[Text]"/>
+      <dgm:spPr/>
+      <dgm:t>
+        <a:bodyPr/>
+        <a:lstStyle/>
+        <a:p>
+          <a:r>
+            <a:rPr lang="en-US" dirty="0" smtClean="0"/>
+            <a:t>Release</a:t>
+          </a:r>
+          <a:endParaRPr lang="en-US" dirty="0"/>
+        </a:p>
+      </dgm:t>
+    </dgm:pt>
+    <dgm:pt modelId="{D11728E1-8CEA-EE44-9AEF-EEB741214F04}" type="parTrans" cxnId="{527D8DAC-04D8-264C-8DC4-3FB3C500D423}">
+      <dgm:prSet/>
+      <dgm:spPr/>
+      <dgm:t>
+        <a:bodyPr/>
+        <a:lstStyle/>
+        <a:p>
+          <a:endParaRPr lang="en-US"/>
+        </a:p>
+      </dgm:t>
+    </dgm:pt>
+    <dgm:pt modelId="{703BA654-A81A-334B-BBAE-7ECB7D24C93F}" type="sibTrans" cxnId="{527D8DAC-04D8-264C-8DC4-3FB3C500D423}">
+      <dgm:prSet/>
+      <dgm:spPr/>
+      <dgm:t>
+        <a:bodyPr/>
+        <a:lstStyle/>
+        <a:p>
+          <a:endParaRPr lang="en-US"/>
+        </a:p>
+      </dgm:t>
+    </dgm:pt>
+    <dgm:pt modelId="{33ED1F80-984B-A345-ADC0-9630C5C95148}">
+      <dgm:prSet phldrT="[Text]"/>
+      <dgm:spPr/>
+      <dgm:t>
+        <a:bodyPr/>
+        <a:lstStyle/>
+        <a:p>
+          <a:r>
+            <a:rPr lang="en-US" dirty="0" smtClean="0"/>
+            <a:t>Deploy</a:t>
+          </a:r>
+          <a:endParaRPr lang="en-US" dirty="0"/>
+        </a:p>
+      </dgm:t>
+    </dgm:pt>
+    <dgm:pt modelId="{6F085EE2-3BCF-3948-B9F2-1AB96896B802}" type="parTrans" cxnId="{29694163-1CFD-1248-A792-54E26FDD6A37}">
+      <dgm:prSet/>
+      <dgm:spPr/>
+      <dgm:t>
+        <a:bodyPr/>
+        <a:lstStyle/>
+        <a:p>
+          <a:endParaRPr lang="en-US"/>
+        </a:p>
+      </dgm:t>
+    </dgm:pt>
+    <dgm:pt modelId="{60FA0114-AF5C-034D-8D28-C289C572DD58}" type="sibTrans" cxnId="{29694163-1CFD-1248-A792-54E26FDD6A37}">
+      <dgm:prSet/>
+      <dgm:spPr/>
+      <dgm:t>
+        <a:bodyPr/>
+        <a:lstStyle/>
+        <a:p>
+          <a:endParaRPr lang="en-US"/>
+        </a:p>
+      </dgm:t>
+    </dgm:pt>
+    <dgm:pt modelId="{93CBD2CF-5C31-8A44-BEC5-0168B48A3A6F}">
+      <dgm:prSet phldrT="[Text]"/>
+      <dgm:spPr/>
+      <dgm:t>
+        <a:bodyPr/>
+        <a:lstStyle/>
+        <a:p>
+          <a:r>
+            <a:rPr lang="en-US" dirty="0" smtClean="0"/>
+            <a:t>Operate</a:t>
+          </a:r>
+          <a:endParaRPr lang="en-US" dirty="0"/>
+        </a:p>
+      </dgm:t>
+    </dgm:pt>
+    <dgm:pt modelId="{AAC37F82-81CA-D74F-9AE6-B14C63F3D037}" type="parTrans" cxnId="{C4D5687B-20C8-AA4B-9604-7E2874018E89}">
+      <dgm:prSet/>
+      <dgm:spPr/>
+      <dgm:t>
+        <a:bodyPr/>
+        <a:lstStyle/>
+        <a:p>
+          <a:endParaRPr lang="en-US"/>
+        </a:p>
+      </dgm:t>
+    </dgm:pt>
+    <dgm:pt modelId="{ED7349C9-D185-104C-821B-86C1142A7D0D}" type="sibTrans" cxnId="{C4D5687B-20C8-AA4B-9604-7E2874018E89}">
+      <dgm:prSet/>
+      <dgm:spPr/>
+      <dgm:t>
+        <a:bodyPr/>
+        <a:lstStyle/>
+        <a:p>
+          <a:endParaRPr lang="en-US"/>
+        </a:p>
+      </dgm:t>
+    </dgm:pt>
+    <dgm:pt modelId="{8A45AC82-EEC1-C240-BFED-02DCE67F0A95}" type="pres">
+      <dgm:prSet presAssocID="{7FCBCAD3-0648-EF4B-BF3F-9721FBA294B5}" presName="Name0" presStyleCnt="0">
+        <dgm:presLayoutVars>
+          <dgm:dir/>
+          <dgm:animLvl val="lvl"/>
+          <dgm:resizeHandles val="exact"/>
+        </dgm:presLayoutVars>
+      </dgm:prSet>
+      <dgm:spPr/>
+    </dgm:pt>
+    <dgm:pt modelId="{A76C78DF-6720-4A43-8342-C4D7C307CB79}" type="pres">
+      <dgm:prSet presAssocID="{CB0C90F6-C99A-8F4B-A664-E2F0F8EF47C6}" presName="parTxOnly" presStyleLbl="node1" presStyleIdx="0" presStyleCnt="7">
+        <dgm:presLayoutVars>
+          <dgm:chMax val="0"/>
+          <dgm:chPref val="0"/>
+          <dgm:bulletEnabled val="1"/>
+        </dgm:presLayoutVars>
+      </dgm:prSet>
+      <dgm:spPr/>
+      <dgm:t>
+        <a:bodyPr/>
+        <a:lstStyle/>
+        <a:p>
+          <a:endParaRPr lang="en-US"/>
+        </a:p>
+      </dgm:t>
+    </dgm:pt>
+    <dgm:pt modelId="{D0E12253-2B00-714C-A88A-9A4458E31DC2}" type="pres">
+      <dgm:prSet presAssocID="{846F1A26-17D5-2246-83D0-BF23A634AD89}" presName="parTxOnlySpace" presStyleCnt="0"/>
+      <dgm:spPr/>
+    </dgm:pt>
+    <dgm:pt modelId="{BC2F2DEB-BC5A-5B4F-9F23-B8FF3607950D}" type="pres">
+      <dgm:prSet presAssocID="{9366CABB-454A-DF45-A42A-B462D6AB2344}" presName="parTxOnly" presStyleLbl="node1" presStyleIdx="1" presStyleCnt="7">
+        <dgm:presLayoutVars>
+          <dgm:chMax val="0"/>
+          <dgm:chPref val="0"/>
+          <dgm:bulletEnabled val="1"/>
+        </dgm:presLayoutVars>
+      </dgm:prSet>
+      <dgm:spPr/>
+      <dgm:t>
+        <a:bodyPr/>
+        <a:lstStyle/>
+        <a:p>
+          <a:endParaRPr lang="en-US"/>
+        </a:p>
+      </dgm:t>
+    </dgm:pt>
+    <dgm:pt modelId="{9450F035-7A65-5E48-86AA-A49C7F5AF71A}" type="pres">
+      <dgm:prSet presAssocID="{32268D21-DB24-6340-8BCB-4A3A339CECBF}" presName="parTxOnlySpace" presStyleCnt="0"/>
+      <dgm:spPr/>
+    </dgm:pt>
+    <dgm:pt modelId="{28BD943A-56F3-2E40-AAA9-C50EBB08F6D4}" type="pres">
+      <dgm:prSet presAssocID="{70E0FF63-93E9-3C43-8450-348A0603E5BC}" presName="parTxOnly" presStyleLbl="node1" presStyleIdx="2" presStyleCnt="7">
+        <dgm:presLayoutVars>
+          <dgm:chMax val="0"/>
+          <dgm:chPref val="0"/>
+          <dgm:bulletEnabled val="1"/>
+        </dgm:presLayoutVars>
+      </dgm:prSet>
+      <dgm:spPr/>
+      <dgm:t>
+        <a:bodyPr/>
+        <a:lstStyle/>
+        <a:p>
+          <a:endParaRPr lang="en-US"/>
+        </a:p>
+      </dgm:t>
+    </dgm:pt>
+    <dgm:pt modelId="{0B0DE6CF-625C-5F40-865F-0E7051DED8CE}" type="pres">
+      <dgm:prSet presAssocID="{CC82092E-03D7-2C42-BAA1-7497CB97780F}" presName="parTxOnlySpace" presStyleCnt="0"/>
+      <dgm:spPr/>
+    </dgm:pt>
+    <dgm:pt modelId="{6C0301AB-BB41-9E45-A0A9-E988787F98E9}" type="pres">
+      <dgm:prSet presAssocID="{D5379158-3327-1E41-AE17-56C52AD92682}" presName="parTxOnly" presStyleLbl="node1" presStyleIdx="3" presStyleCnt="7">
+        <dgm:presLayoutVars>
+          <dgm:chMax val="0"/>
+          <dgm:chPref val="0"/>
+          <dgm:bulletEnabled val="1"/>
+        </dgm:presLayoutVars>
+      </dgm:prSet>
+      <dgm:spPr/>
+      <dgm:t>
+        <a:bodyPr/>
+        <a:lstStyle/>
+        <a:p>
+          <a:endParaRPr lang="en-US"/>
+        </a:p>
+      </dgm:t>
+    </dgm:pt>
+    <dgm:pt modelId="{50CE606A-53D6-374A-B851-BFF4A4262343}" type="pres">
+      <dgm:prSet presAssocID="{0744B852-7C2A-2F49-9F9A-DC8E94BE9F80}" presName="parTxOnlySpace" presStyleCnt="0"/>
+      <dgm:spPr/>
+    </dgm:pt>
+    <dgm:pt modelId="{9E7D9B46-CE06-384A-A848-0AD8A3C68BCA}" type="pres">
+      <dgm:prSet presAssocID="{7E5007F2-E33B-B441-8D56-83A44D7504DA}" presName="parTxOnly" presStyleLbl="node1" presStyleIdx="4" presStyleCnt="7">
+        <dgm:presLayoutVars>
+          <dgm:chMax val="0"/>
+          <dgm:chPref val="0"/>
+          <dgm:bulletEnabled val="1"/>
+        </dgm:presLayoutVars>
+      </dgm:prSet>
+      <dgm:spPr/>
+      <dgm:t>
+        <a:bodyPr/>
+        <a:lstStyle/>
+        <a:p>
+          <a:endParaRPr lang="en-US"/>
+        </a:p>
+      </dgm:t>
+    </dgm:pt>
+    <dgm:pt modelId="{FD804444-1D89-6645-AACA-FF6EE53B822B}" type="pres">
+      <dgm:prSet presAssocID="{703BA654-A81A-334B-BBAE-7ECB7D24C93F}" presName="parTxOnlySpace" presStyleCnt="0"/>
+      <dgm:spPr/>
+    </dgm:pt>
+    <dgm:pt modelId="{71B081E3-B866-C940-9539-EDA829B14E20}" type="pres">
+      <dgm:prSet presAssocID="{33ED1F80-984B-A345-ADC0-9630C5C95148}" presName="parTxOnly" presStyleLbl="node1" presStyleIdx="5" presStyleCnt="7">
+        <dgm:presLayoutVars>
+          <dgm:chMax val="0"/>
+          <dgm:chPref val="0"/>
+          <dgm:bulletEnabled val="1"/>
+        </dgm:presLayoutVars>
+      </dgm:prSet>
+      <dgm:spPr/>
+      <dgm:t>
+        <a:bodyPr/>
+        <a:lstStyle/>
+        <a:p>
+          <a:endParaRPr lang="en-US"/>
+        </a:p>
+      </dgm:t>
+    </dgm:pt>
+    <dgm:pt modelId="{CE842FF6-A422-224E-9965-D0C60EBD6EAC}" type="pres">
+      <dgm:prSet presAssocID="{60FA0114-AF5C-034D-8D28-C289C572DD58}" presName="parTxOnlySpace" presStyleCnt="0"/>
+      <dgm:spPr/>
+    </dgm:pt>
+    <dgm:pt modelId="{5F932FCC-4439-4744-9BE5-98304E29846B}" type="pres">
+      <dgm:prSet presAssocID="{93CBD2CF-5C31-8A44-BEC5-0168B48A3A6F}" presName="parTxOnly" presStyleLbl="node1" presStyleIdx="6" presStyleCnt="7">
+        <dgm:presLayoutVars>
+          <dgm:chMax val="0"/>
+          <dgm:chPref val="0"/>
+          <dgm:bulletEnabled val="1"/>
+        </dgm:presLayoutVars>
+      </dgm:prSet>
+      <dgm:spPr/>
+      <dgm:t>
+        <a:bodyPr/>
+        <a:lstStyle/>
+        <a:p>
+          <a:endParaRPr lang="en-US"/>
+        </a:p>
+      </dgm:t>
+    </dgm:pt>
+  </dgm:ptLst>
+  <dgm:cxnLst>
+    <dgm:cxn modelId="{119FC26A-170E-5148-8A61-A5112D6F792C}" srcId="{7FCBCAD3-0648-EF4B-BF3F-9721FBA294B5}" destId="{CB0C90F6-C99A-8F4B-A664-E2F0F8EF47C6}" srcOrd="0" destOrd="0" parTransId="{98787DBD-6459-BC42-BAC6-19DBE8DBCB36}" sibTransId="{846F1A26-17D5-2246-83D0-BF23A634AD89}"/>
+    <dgm:cxn modelId="{CC5C3685-5FD4-9042-81EE-7B4580060E96}" srcId="{7FCBCAD3-0648-EF4B-BF3F-9721FBA294B5}" destId="{9366CABB-454A-DF45-A42A-B462D6AB2344}" srcOrd="1" destOrd="0" parTransId="{289F5784-60B0-FA43-B7E4-CE078C722B19}" sibTransId="{32268D21-DB24-6340-8BCB-4A3A339CECBF}"/>
+    <dgm:cxn modelId="{9BC12147-C8E6-2A47-975E-DC45D2BA4AE6}" srcId="{7FCBCAD3-0648-EF4B-BF3F-9721FBA294B5}" destId="{70E0FF63-93E9-3C43-8450-348A0603E5BC}" srcOrd="2" destOrd="0" parTransId="{96393AA3-FD0E-7540-B03C-9CB5C57DC3B2}" sibTransId="{CC82092E-03D7-2C42-BAA1-7497CB97780F}"/>
+    <dgm:cxn modelId="{57267768-374A-324A-A68F-9DB134F9349F}" type="presOf" srcId="{9366CABB-454A-DF45-A42A-B462D6AB2344}" destId="{BC2F2DEB-BC5A-5B4F-9F23-B8FF3607950D}" srcOrd="0" destOrd="0" presId="urn:microsoft.com/office/officeart/2005/8/layout/chevron1"/>
+    <dgm:cxn modelId="{90528B7B-0E5D-0940-AFBA-6A5CAE4DD1A4}" type="presOf" srcId="{70E0FF63-93E9-3C43-8450-348A0603E5BC}" destId="{28BD943A-56F3-2E40-AAA9-C50EBB08F6D4}" srcOrd="0" destOrd="0" presId="urn:microsoft.com/office/officeart/2005/8/layout/chevron1"/>
+    <dgm:cxn modelId="{4A916811-D73E-4C49-B75B-F1DAFE22EA14}" type="presOf" srcId="{7FCBCAD3-0648-EF4B-BF3F-9721FBA294B5}" destId="{8A45AC82-EEC1-C240-BFED-02DCE67F0A95}" srcOrd="0" destOrd="0" presId="urn:microsoft.com/office/officeart/2005/8/layout/chevron1"/>
+    <dgm:cxn modelId="{1D0FAEBD-4379-0A44-930E-E313B23ACBB7}" type="presOf" srcId="{33ED1F80-984B-A345-ADC0-9630C5C95148}" destId="{71B081E3-B866-C940-9539-EDA829B14E20}" srcOrd="0" destOrd="0" presId="urn:microsoft.com/office/officeart/2005/8/layout/chevron1"/>
+    <dgm:cxn modelId="{C4D5687B-20C8-AA4B-9604-7E2874018E89}" srcId="{7FCBCAD3-0648-EF4B-BF3F-9721FBA294B5}" destId="{93CBD2CF-5C31-8A44-BEC5-0168B48A3A6F}" srcOrd="6" destOrd="0" parTransId="{AAC37F82-81CA-D74F-9AE6-B14C63F3D037}" sibTransId="{ED7349C9-D185-104C-821B-86C1142A7D0D}"/>
+    <dgm:cxn modelId="{4C6C6736-A485-9B43-8D27-CA4DD46E220C}" type="presOf" srcId="{CB0C90F6-C99A-8F4B-A664-E2F0F8EF47C6}" destId="{A76C78DF-6720-4A43-8342-C4D7C307CB79}" srcOrd="0" destOrd="0" presId="urn:microsoft.com/office/officeart/2005/8/layout/chevron1"/>
+    <dgm:cxn modelId="{29694163-1CFD-1248-A792-54E26FDD6A37}" srcId="{7FCBCAD3-0648-EF4B-BF3F-9721FBA294B5}" destId="{33ED1F80-984B-A345-ADC0-9630C5C95148}" srcOrd="5" destOrd="0" parTransId="{6F085EE2-3BCF-3948-B9F2-1AB96896B802}" sibTransId="{60FA0114-AF5C-034D-8D28-C289C572DD58}"/>
+    <dgm:cxn modelId="{45E1B9A9-931B-9A4C-B1EE-24DEE5B8C6F8}" type="presOf" srcId="{93CBD2CF-5C31-8A44-BEC5-0168B48A3A6F}" destId="{5F932FCC-4439-4744-9BE5-98304E29846B}" srcOrd="0" destOrd="0" presId="urn:microsoft.com/office/officeart/2005/8/layout/chevron1"/>
+    <dgm:cxn modelId="{FD3598C8-3AF2-4145-9F6D-1EE0A7FFA348}" type="presOf" srcId="{D5379158-3327-1E41-AE17-56C52AD92682}" destId="{6C0301AB-BB41-9E45-A0A9-E988787F98E9}" srcOrd="0" destOrd="0" presId="urn:microsoft.com/office/officeart/2005/8/layout/chevron1"/>
+    <dgm:cxn modelId="{2F7BF108-7915-4B40-85EF-89CE0D29EF3D}" type="presOf" srcId="{7E5007F2-E33B-B441-8D56-83A44D7504DA}" destId="{9E7D9B46-CE06-384A-A848-0AD8A3C68BCA}" srcOrd="0" destOrd="0" presId="urn:microsoft.com/office/officeart/2005/8/layout/chevron1"/>
+    <dgm:cxn modelId="{B55EE3DF-8036-0A43-AA45-C79A6A7BE008}" srcId="{7FCBCAD3-0648-EF4B-BF3F-9721FBA294B5}" destId="{D5379158-3327-1E41-AE17-56C52AD92682}" srcOrd="3" destOrd="0" parTransId="{F8EEDC39-AA5E-7E4E-A9E1-B822C75DD465}" sibTransId="{0744B852-7C2A-2F49-9F9A-DC8E94BE9F80}"/>
+    <dgm:cxn modelId="{527D8DAC-04D8-264C-8DC4-3FB3C500D423}" srcId="{7FCBCAD3-0648-EF4B-BF3F-9721FBA294B5}" destId="{7E5007F2-E33B-B441-8D56-83A44D7504DA}" srcOrd="4" destOrd="0" parTransId="{D11728E1-8CEA-EE44-9AEF-EEB741214F04}" sibTransId="{703BA654-A81A-334B-BBAE-7ECB7D24C93F}"/>
+    <dgm:cxn modelId="{22EFF1C0-6EA6-5A49-A569-CDDF94178788}" type="presParOf" srcId="{8A45AC82-EEC1-C240-BFED-02DCE67F0A95}" destId="{A76C78DF-6720-4A43-8342-C4D7C307CB79}" srcOrd="0" destOrd="0" presId="urn:microsoft.com/office/officeart/2005/8/layout/chevron1"/>
+    <dgm:cxn modelId="{250F1169-946F-7248-94E9-5B7E25EF0755}" type="presParOf" srcId="{8A45AC82-EEC1-C240-BFED-02DCE67F0A95}" destId="{D0E12253-2B00-714C-A88A-9A4458E31DC2}" srcOrd="1" destOrd="0" presId="urn:microsoft.com/office/officeart/2005/8/layout/chevron1"/>
+    <dgm:cxn modelId="{7E7C6228-AEE0-FD4E-BE7A-967A1A4713EB}" type="presParOf" srcId="{8A45AC82-EEC1-C240-BFED-02DCE67F0A95}" destId="{BC2F2DEB-BC5A-5B4F-9F23-B8FF3607950D}" srcOrd="2" destOrd="0" presId="urn:microsoft.com/office/officeart/2005/8/layout/chevron1"/>
+    <dgm:cxn modelId="{EE00F0A3-C256-E04B-9815-527E14A96475}" type="presParOf" srcId="{8A45AC82-EEC1-C240-BFED-02DCE67F0A95}" destId="{9450F035-7A65-5E48-86AA-A49C7F5AF71A}" srcOrd="3" destOrd="0" presId="urn:microsoft.com/office/officeart/2005/8/layout/chevron1"/>
+    <dgm:cxn modelId="{AD47522B-6F7C-4E44-B6D5-7553D1AD9F89}" type="presParOf" srcId="{8A45AC82-EEC1-C240-BFED-02DCE67F0A95}" destId="{28BD943A-56F3-2E40-AAA9-C50EBB08F6D4}" srcOrd="4" destOrd="0" presId="urn:microsoft.com/office/officeart/2005/8/layout/chevron1"/>
+    <dgm:cxn modelId="{D8836A58-7E84-BA48-A315-58459C0AA954}" type="presParOf" srcId="{8A45AC82-EEC1-C240-BFED-02DCE67F0A95}" destId="{0B0DE6CF-625C-5F40-865F-0E7051DED8CE}" srcOrd="5" destOrd="0" presId="urn:microsoft.com/office/officeart/2005/8/layout/chevron1"/>
+    <dgm:cxn modelId="{563400FE-D008-AC48-BB85-3C4F53ECFDDF}" type="presParOf" srcId="{8A45AC82-EEC1-C240-BFED-02DCE67F0A95}" destId="{6C0301AB-BB41-9E45-A0A9-E988787F98E9}" srcOrd="6" destOrd="0" presId="urn:microsoft.com/office/officeart/2005/8/layout/chevron1"/>
+    <dgm:cxn modelId="{889C9590-CF26-0647-8995-368A78427EC6}" type="presParOf" srcId="{8A45AC82-EEC1-C240-BFED-02DCE67F0A95}" destId="{50CE606A-53D6-374A-B851-BFF4A4262343}" srcOrd="7" destOrd="0" presId="urn:microsoft.com/office/officeart/2005/8/layout/chevron1"/>
+    <dgm:cxn modelId="{223A6E3F-C611-6345-8535-A0CAFC5559E0}" type="presParOf" srcId="{8A45AC82-EEC1-C240-BFED-02DCE67F0A95}" destId="{9E7D9B46-CE06-384A-A848-0AD8A3C68BCA}" srcOrd="8" destOrd="0" presId="urn:microsoft.com/office/officeart/2005/8/layout/chevron1"/>
+    <dgm:cxn modelId="{3E6ECDE4-293B-3544-9827-FD033C4D8B8B}" type="presParOf" srcId="{8A45AC82-EEC1-C240-BFED-02DCE67F0A95}" destId="{FD804444-1D89-6645-AACA-FF6EE53B822B}" srcOrd="9" destOrd="0" presId="urn:microsoft.com/office/officeart/2005/8/layout/chevron1"/>
+    <dgm:cxn modelId="{5CC465A9-E52B-4748-A1BF-3B37B462F4E7}" type="presParOf" srcId="{8A45AC82-EEC1-C240-BFED-02DCE67F0A95}" destId="{71B081E3-B866-C940-9539-EDA829B14E20}" srcOrd="10" destOrd="0" presId="urn:microsoft.com/office/officeart/2005/8/layout/chevron1"/>
+    <dgm:cxn modelId="{2E685123-49F5-4246-965C-DF1DEACB52C1}" type="presParOf" srcId="{8A45AC82-EEC1-C240-BFED-02DCE67F0A95}" destId="{CE842FF6-A422-224E-9965-D0C60EBD6EAC}" srcOrd="11" destOrd="0" presId="urn:microsoft.com/office/officeart/2005/8/layout/chevron1"/>
+    <dgm:cxn modelId="{29537F54-DBEC-6C4C-911C-9F3363038798}" type="presParOf" srcId="{8A45AC82-EEC1-C240-BFED-02DCE67F0A95}" destId="{5F932FCC-4439-4744-9BE5-98304E29846B}" srcOrd="12" destOrd="0" presId="urn:microsoft.com/office/officeart/2005/8/layout/chevron1"/>
   </dgm:cxnLst>
   <dgm:bg/>
   <dgm:whole/>
@@ -6023,6 +7369,753 @@
 </dsp:drawing>
 </file>
 
+<file path=ppt/diagrams/drawing4.xml><?xml version="1.0" encoding="utf-8"?>
+<dsp:drawing xmlns:dgm="http://schemas.openxmlformats.org/drawingml/2006/diagram" xmlns:dsp="http://schemas.microsoft.com/office/drawing/2008/diagram" xmlns:a="http://schemas.openxmlformats.org/drawingml/2006/main">
+  <dsp:spTree>
+    <dsp:nvGrpSpPr>
+      <dsp:cNvPr id="0" name=""/>
+      <dsp:cNvGrpSpPr/>
+    </dsp:nvGrpSpPr>
+    <dsp:grpSpPr/>
+    <dsp:sp modelId="{A76C78DF-6720-4A43-8342-C4D7C307CB79}">
+      <dsp:nvSpPr>
+        <dsp:cNvPr id="0" name=""/>
+        <dsp:cNvSpPr/>
+      </dsp:nvSpPr>
+      <dsp:spPr>
+        <a:xfrm>
+          <a:off x="0" y="1874132"/>
+          <a:ext cx="1283229" cy="513291"/>
+        </a:xfrm>
+        <a:prstGeom prst="chevron">
+          <a:avLst/>
+        </a:prstGeom>
+        <a:gradFill rotWithShape="0">
+          <a:gsLst>
+            <a:gs pos="0">
+              <a:schemeClr val="accent6">
+                <a:shade val="80000"/>
+                <a:hueOff val="0"/>
+                <a:satOff val="0"/>
+                <a:lumOff val="0"/>
+                <a:alphaOff val="0"/>
+                <a:tint val="100000"/>
+                <a:shade val="100000"/>
+                <a:satMod val="130000"/>
+              </a:schemeClr>
+            </a:gs>
+            <a:gs pos="100000">
+              <a:schemeClr val="accent6">
+                <a:shade val="80000"/>
+                <a:hueOff val="0"/>
+                <a:satOff val="0"/>
+                <a:lumOff val="0"/>
+                <a:alphaOff val="0"/>
+                <a:tint val="50000"/>
+                <a:shade val="100000"/>
+                <a:satMod val="350000"/>
+              </a:schemeClr>
+            </a:gs>
+          </a:gsLst>
+          <a:lin ang="16200000" scaled="0"/>
+        </a:gradFill>
+        <a:ln>
+          <a:noFill/>
+        </a:ln>
+        <a:effectLst>
+          <a:outerShdw blurRad="40000" dist="23000" dir="5400000" rotWithShape="0">
+            <a:srgbClr val="000000">
+              <a:alpha val="35000"/>
+            </a:srgbClr>
+          </a:outerShdw>
+        </a:effectLst>
+        <a:scene3d>
+          <a:camera prst="orthographicFront"/>
+          <a:lightRig rig="threePt" dir="t">
+            <a:rot lat="0" lon="0" rev="7500000"/>
+          </a:lightRig>
+        </a:scene3d>
+        <a:sp3d prstMaterial="plastic">
+          <a:bevelT w="127000" h="25400" prst="relaxedInset"/>
+        </a:sp3d>
+      </dsp:spPr>
+      <dsp:style>
+        <a:lnRef idx="0">
+          <a:scrgbClr r="0" g="0" b="0"/>
+        </a:lnRef>
+        <a:fillRef idx="3">
+          <a:scrgbClr r="0" g="0" b="0"/>
+        </a:fillRef>
+        <a:effectRef idx="2">
+          <a:scrgbClr r="0" g="0" b="0"/>
+        </a:effectRef>
+        <a:fontRef idx="minor">
+          <a:schemeClr val="lt1"/>
+        </a:fontRef>
+      </dsp:style>
+      <dsp:txBody>
+        <a:bodyPr spcFirstLastPara="0" vert="horz" wrap="square" lIns="64008" tIns="21336" rIns="21336" bIns="21336" numCol="1" spcCol="1270" anchor="ctr" anchorCtr="0">
+          <a:noAutofit/>
+        </a:bodyPr>
+        <a:lstStyle/>
+        <a:p>
+          <a:pPr lvl="0" algn="ctr" defTabSz="711200">
+            <a:lnSpc>
+              <a:spcPct val="90000"/>
+            </a:lnSpc>
+            <a:spcBef>
+              <a:spcPct val="0"/>
+            </a:spcBef>
+            <a:spcAft>
+              <a:spcPct val="35000"/>
+            </a:spcAft>
+          </a:pPr>
+          <a:r>
+            <a:rPr lang="en-US" sz="1600" kern="1200" dirty="0" smtClean="0"/>
+            <a:t>Design</a:t>
+          </a:r>
+          <a:endParaRPr lang="en-US" sz="1600" kern="1200" dirty="0"/>
+        </a:p>
+      </dsp:txBody>
+      <dsp:txXfrm>
+        <a:off x="256646" y="1874132"/>
+        <a:ext cx="769938" cy="513291"/>
+      </dsp:txXfrm>
+    </dsp:sp>
+    <dsp:sp modelId="{BC2F2DEB-BC5A-5B4F-9F23-B8FF3607950D}">
+      <dsp:nvSpPr>
+        <dsp:cNvPr id="0" name=""/>
+        <dsp:cNvSpPr/>
+      </dsp:nvSpPr>
+      <dsp:spPr>
+        <a:xfrm>
+          <a:off x="1154906" y="1874132"/>
+          <a:ext cx="1283229" cy="513291"/>
+        </a:xfrm>
+        <a:prstGeom prst="chevron">
+          <a:avLst/>
+        </a:prstGeom>
+        <a:gradFill rotWithShape="0">
+          <a:gsLst>
+            <a:gs pos="0">
+              <a:schemeClr val="accent6">
+                <a:shade val="80000"/>
+                <a:hueOff val="-63615"/>
+                <a:satOff val="2835"/>
+                <a:lumOff val="3963"/>
+                <a:alphaOff val="0"/>
+                <a:tint val="100000"/>
+                <a:shade val="100000"/>
+                <a:satMod val="130000"/>
+              </a:schemeClr>
+            </a:gs>
+            <a:gs pos="100000">
+              <a:schemeClr val="accent6">
+                <a:shade val="80000"/>
+                <a:hueOff val="-63615"/>
+                <a:satOff val="2835"/>
+                <a:lumOff val="3963"/>
+                <a:alphaOff val="0"/>
+                <a:tint val="50000"/>
+                <a:shade val="100000"/>
+                <a:satMod val="350000"/>
+              </a:schemeClr>
+            </a:gs>
+          </a:gsLst>
+          <a:lin ang="16200000" scaled="0"/>
+        </a:gradFill>
+        <a:ln>
+          <a:noFill/>
+        </a:ln>
+        <a:effectLst>
+          <a:outerShdw blurRad="40000" dist="23000" dir="5400000" rotWithShape="0">
+            <a:srgbClr val="000000">
+              <a:alpha val="35000"/>
+            </a:srgbClr>
+          </a:outerShdw>
+        </a:effectLst>
+        <a:scene3d>
+          <a:camera prst="orthographicFront"/>
+          <a:lightRig rig="threePt" dir="t">
+            <a:rot lat="0" lon="0" rev="7500000"/>
+          </a:lightRig>
+        </a:scene3d>
+        <a:sp3d prstMaterial="plastic">
+          <a:bevelT w="127000" h="25400" prst="relaxedInset"/>
+        </a:sp3d>
+      </dsp:spPr>
+      <dsp:style>
+        <a:lnRef idx="0">
+          <a:scrgbClr r="0" g="0" b="0"/>
+        </a:lnRef>
+        <a:fillRef idx="3">
+          <a:scrgbClr r="0" g="0" b="0"/>
+        </a:fillRef>
+        <a:effectRef idx="2">
+          <a:scrgbClr r="0" g="0" b="0"/>
+        </a:effectRef>
+        <a:fontRef idx="minor">
+          <a:schemeClr val="lt1"/>
+        </a:fontRef>
+      </dsp:style>
+      <dsp:txBody>
+        <a:bodyPr spcFirstLastPara="0" vert="horz" wrap="square" lIns="64008" tIns="21336" rIns="21336" bIns="21336" numCol="1" spcCol="1270" anchor="ctr" anchorCtr="0">
+          <a:noAutofit/>
+        </a:bodyPr>
+        <a:lstStyle/>
+        <a:p>
+          <a:pPr lvl="0" algn="ctr" defTabSz="711200">
+            <a:lnSpc>
+              <a:spcPct val="90000"/>
+            </a:lnSpc>
+            <a:spcBef>
+              <a:spcPct val="0"/>
+            </a:spcBef>
+            <a:spcAft>
+              <a:spcPct val="35000"/>
+            </a:spcAft>
+          </a:pPr>
+          <a:r>
+            <a:rPr lang="en-US" sz="1600" kern="1200" dirty="0" smtClean="0"/>
+            <a:t>Code</a:t>
+          </a:r>
+          <a:endParaRPr lang="en-US" sz="1600" kern="1200" dirty="0"/>
+        </a:p>
+      </dsp:txBody>
+      <dsp:txXfrm>
+        <a:off x="1411552" y="1874132"/>
+        <a:ext cx="769938" cy="513291"/>
+      </dsp:txXfrm>
+    </dsp:sp>
+    <dsp:sp modelId="{28BD943A-56F3-2E40-AAA9-C50EBB08F6D4}">
+      <dsp:nvSpPr>
+        <dsp:cNvPr id="0" name=""/>
+        <dsp:cNvSpPr/>
+      </dsp:nvSpPr>
+      <dsp:spPr>
+        <a:xfrm>
+          <a:off x="2309812" y="1874132"/>
+          <a:ext cx="1283229" cy="513291"/>
+        </a:xfrm>
+        <a:prstGeom prst="chevron">
+          <a:avLst/>
+        </a:prstGeom>
+        <a:gradFill rotWithShape="0">
+          <a:gsLst>
+            <a:gs pos="0">
+              <a:schemeClr val="accent6">
+                <a:shade val="80000"/>
+                <a:hueOff val="-127230"/>
+                <a:satOff val="5670"/>
+                <a:lumOff val="7926"/>
+                <a:alphaOff val="0"/>
+                <a:tint val="100000"/>
+                <a:shade val="100000"/>
+                <a:satMod val="130000"/>
+              </a:schemeClr>
+            </a:gs>
+            <a:gs pos="100000">
+              <a:schemeClr val="accent6">
+                <a:shade val="80000"/>
+                <a:hueOff val="-127230"/>
+                <a:satOff val="5670"/>
+                <a:lumOff val="7926"/>
+                <a:alphaOff val="0"/>
+                <a:tint val="50000"/>
+                <a:shade val="100000"/>
+                <a:satMod val="350000"/>
+              </a:schemeClr>
+            </a:gs>
+          </a:gsLst>
+          <a:lin ang="16200000" scaled="0"/>
+        </a:gradFill>
+        <a:ln>
+          <a:noFill/>
+        </a:ln>
+        <a:effectLst>
+          <a:outerShdw blurRad="40000" dist="23000" dir="5400000" rotWithShape="0">
+            <a:srgbClr val="000000">
+              <a:alpha val="35000"/>
+            </a:srgbClr>
+          </a:outerShdw>
+        </a:effectLst>
+        <a:scene3d>
+          <a:camera prst="orthographicFront"/>
+          <a:lightRig rig="threePt" dir="t">
+            <a:rot lat="0" lon="0" rev="7500000"/>
+          </a:lightRig>
+        </a:scene3d>
+        <a:sp3d prstMaterial="plastic">
+          <a:bevelT w="127000" h="25400" prst="relaxedInset"/>
+        </a:sp3d>
+      </dsp:spPr>
+      <dsp:style>
+        <a:lnRef idx="0">
+          <a:scrgbClr r="0" g="0" b="0"/>
+        </a:lnRef>
+        <a:fillRef idx="3">
+          <a:scrgbClr r="0" g="0" b="0"/>
+        </a:fillRef>
+        <a:effectRef idx="2">
+          <a:scrgbClr r="0" g="0" b="0"/>
+        </a:effectRef>
+        <a:fontRef idx="minor">
+          <a:schemeClr val="lt1"/>
+        </a:fontRef>
+      </dsp:style>
+      <dsp:txBody>
+        <a:bodyPr spcFirstLastPara="0" vert="horz" wrap="square" lIns="64008" tIns="21336" rIns="21336" bIns="21336" numCol="1" spcCol="1270" anchor="ctr" anchorCtr="0">
+          <a:noAutofit/>
+        </a:bodyPr>
+        <a:lstStyle/>
+        <a:p>
+          <a:pPr lvl="0" algn="ctr" defTabSz="711200">
+            <a:lnSpc>
+              <a:spcPct val="90000"/>
+            </a:lnSpc>
+            <a:spcBef>
+              <a:spcPct val="0"/>
+            </a:spcBef>
+            <a:spcAft>
+              <a:spcPct val="35000"/>
+            </a:spcAft>
+          </a:pPr>
+          <a:r>
+            <a:rPr lang="en-US" sz="1600" kern="1200" dirty="0" smtClean="0"/>
+            <a:t>Build</a:t>
+          </a:r>
+          <a:endParaRPr lang="en-US" sz="1600" kern="1200" dirty="0"/>
+        </a:p>
+      </dsp:txBody>
+      <dsp:txXfrm>
+        <a:off x="2566458" y="1874132"/>
+        <a:ext cx="769938" cy="513291"/>
+      </dsp:txXfrm>
+    </dsp:sp>
+    <dsp:sp modelId="{6C0301AB-BB41-9E45-A0A9-E988787F98E9}">
+      <dsp:nvSpPr>
+        <dsp:cNvPr id="0" name=""/>
+        <dsp:cNvSpPr/>
+      </dsp:nvSpPr>
+      <dsp:spPr>
+        <a:xfrm>
+          <a:off x="3464718" y="1874132"/>
+          <a:ext cx="1283229" cy="513291"/>
+        </a:xfrm>
+        <a:prstGeom prst="chevron">
+          <a:avLst/>
+        </a:prstGeom>
+        <a:gradFill rotWithShape="0">
+          <a:gsLst>
+            <a:gs pos="0">
+              <a:schemeClr val="accent6">
+                <a:shade val="80000"/>
+                <a:hueOff val="-190846"/>
+                <a:satOff val="8505"/>
+                <a:lumOff val="11889"/>
+                <a:alphaOff val="0"/>
+                <a:tint val="100000"/>
+                <a:shade val="100000"/>
+                <a:satMod val="130000"/>
+              </a:schemeClr>
+            </a:gs>
+            <a:gs pos="100000">
+              <a:schemeClr val="accent6">
+                <a:shade val="80000"/>
+                <a:hueOff val="-190846"/>
+                <a:satOff val="8505"/>
+                <a:lumOff val="11889"/>
+                <a:alphaOff val="0"/>
+                <a:tint val="50000"/>
+                <a:shade val="100000"/>
+                <a:satMod val="350000"/>
+              </a:schemeClr>
+            </a:gs>
+          </a:gsLst>
+          <a:lin ang="16200000" scaled="0"/>
+        </a:gradFill>
+        <a:ln>
+          <a:noFill/>
+        </a:ln>
+        <a:effectLst>
+          <a:outerShdw blurRad="40000" dist="23000" dir="5400000" rotWithShape="0">
+            <a:srgbClr val="000000">
+              <a:alpha val="35000"/>
+            </a:srgbClr>
+          </a:outerShdw>
+        </a:effectLst>
+        <a:scene3d>
+          <a:camera prst="orthographicFront"/>
+          <a:lightRig rig="threePt" dir="t">
+            <a:rot lat="0" lon="0" rev="7500000"/>
+          </a:lightRig>
+        </a:scene3d>
+        <a:sp3d prstMaterial="plastic">
+          <a:bevelT w="127000" h="25400" prst="relaxedInset"/>
+        </a:sp3d>
+      </dsp:spPr>
+      <dsp:style>
+        <a:lnRef idx="0">
+          <a:scrgbClr r="0" g="0" b="0"/>
+        </a:lnRef>
+        <a:fillRef idx="3">
+          <a:scrgbClr r="0" g="0" b="0"/>
+        </a:fillRef>
+        <a:effectRef idx="2">
+          <a:scrgbClr r="0" g="0" b="0"/>
+        </a:effectRef>
+        <a:fontRef idx="minor">
+          <a:schemeClr val="lt1"/>
+        </a:fontRef>
+      </dsp:style>
+      <dsp:txBody>
+        <a:bodyPr spcFirstLastPara="0" vert="horz" wrap="square" lIns="64008" tIns="21336" rIns="21336" bIns="21336" numCol="1" spcCol="1270" anchor="ctr" anchorCtr="0">
+          <a:noAutofit/>
+        </a:bodyPr>
+        <a:lstStyle/>
+        <a:p>
+          <a:pPr lvl="0" algn="ctr" defTabSz="711200">
+            <a:lnSpc>
+              <a:spcPct val="90000"/>
+            </a:lnSpc>
+            <a:spcBef>
+              <a:spcPct val="0"/>
+            </a:spcBef>
+            <a:spcAft>
+              <a:spcPct val="35000"/>
+            </a:spcAft>
+          </a:pPr>
+          <a:r>
+            <a:rPr lang="en-US" sz="1600" kern="1200" dirty="0" smtClean="0"/>
+            <a:t>Test</a:t>
+          </a:r>
+          <a:endParaRPr lang="en-US" sz="1600" kern="1200" dirty="0"/>
+        </a:p>
+      </dsp:txBody>
+      <dsp:txXfrm>
+        <a:off x="3721364" y="1874132"/>
+        <a:ext cx="769938" cy="513291"/>
+      </dsp:txXfrm>
+    </dsp:sp>
+    <dsp:sp modelId="{9E7D9B46-CE06-384A-A848-0AD8A3C68BCA}">
+      <dsp:nvSpPr>
+        <dsp:cNvPr id="0" name=""/>
+        <dsp:cNvSpPr/>
+      </dsp:nvSpPr>
+      <dsp:spPr>
+        <a:xfrm>
+          <a:off x="4619625" y="1874132"/>
+          <a:ext cx="1283229" cy="513291"/>
+        </a:xfrm>
+        <a:prstGeom prst="chevron">
+          <a:avLst/>
+        </a:prstGeom>
+        <a:gradFill rotWithShape="0">
+          <a:gsLst>
+            <a:gs pos="0">
+              <a:schemeClr val="accent6">
+                <a:shade val="80000"/>
+                <a:hueOff val="-254461"/>
+                <a:satOff val="11339"/>
+                <a:lumOff val="15853"/>
+                <a:alphaOff val="0"/>
+                <a:tint val="100000"/>
+                <a:shade val="100000"/>
+                <a:satMod val="130000"/>
+              </a:schemeClr>
+            </a:gs>
+            <a:gs pos="100000">
+              <a:schemeClr val="accent6">
+                <a:shade val="80000"/>
+                <a:hueOff val="-254461"/>
+                <a:satOff val="11339"/>
+                <a:lumOff val="15853"/>
+                <a:alphaOff val="0"/>
+                <a:tint val="50000"/>
+                <a:shade val="100000"/>
+                <a:satMod val="350000"/>
+              </a:schemeClr>
+            </a:gs>
+          </a:gsLst>
+          <a:lin ang="16200000" scaled="0"/>
+        </a:gradFill>
+        <a:ln>
+          <a:noFill/>
+        </a:ln>
+        <a:effectLst>
+          <a:outerShdw blurRad="40000" dist="23000" dir="5400000" rotWithShape="0">
+            <a:srgbClr val="000000">
+              <a:alpha val="35000"/>
+            </a:srgbClr>
+          </a:outerShdw>
+        </a:effectLst>
+        <a:scene3d>
+          <a:camera prst="orthographicFront"/>
+          <a:lightRig rig="threePt" dir="t">
+            <a:rot lat="0" lon="0" rev="7500000"/>
+          </a:lightRig>
+        </a:scene3d>
+        <a:sp3d prstMaterial="plastic">
+          <a:bevelT w="127000" h="25400" prst="relaxedInset"/>
+        </a:sp3d>
+      </dsp:spPr>
+      <dsp:style>
+        <a:lnRef idx="0">
+          <a:scrgbClr r="0" g="0" b="0"/>
+        </a:lnRef>
+        <a:fillRef idx="3">
+          <a:scrgbClr r="0" g="0" b="0"/>
+        </a:fillRef>
+        <a:effectRef idx="2">
+          <a:scrgbClr r="0" g="0" b="0"/>
+        </a:effectRef>
+        <a:fontRef idx="minor">
+          <a:schemeClr val="lt1"/>
+        </a:fontRef>
+      </dsp:style>
+      <dsp:txBody>
+        <a:bodyPr spcFirstLastPara="0" vert="horz" wrap="square" lIns="64008" tIns="21336" rIns="21336" bIns="21336" numCol="1" spcCol="1270" anchor="ctr" anchorCtr="0">
+          <a:noAutofit/>
+        </a:bodyPr>
+        <a:lstStyle/>
+        <a:p>
+          <a:pPr lvl="0" algn="ctr" defTabSz="711200">
+            <a:lnSpc>
+              <a:spcPct val="90000"/>
+            </a:lnSpc>
+            <a:spcBef>
+              <a:spcPct val="0"/>
+            </a:spcBef>
+            <a:spcAft>
+              <a:spcPct val="35000"/>
+            </a:spcAft>
+          </a:pPr>
+          <a:r>
+            <a:rPr lang="en-US" sz="1600" kern="1200" dirty="0" smtClean="0"/>
+            <a:t>Release</a:t>
+          </a:r>
+          <a:endParaRPr lang="en-US" sz="1600" kern="1200" dirty="0"/>
+        </a:p>
+      </dsp:txBody>
+      <dsp:txXfrm>
+        <a:off x="4876271" y="1874132"/>
+        <a:ext cx="769938" cy="513291"/>
+      </dsp:txXfrm>
+    </dsp:sp>
+    <dsp:sp modelId="{71B081E3-B866-C940-9539-EDA829B14E20}">
+      <dsp:nvSpPr>
+        <dsp:cNvPr id="0" name=""/>
+        <dsp:cNvSpPr/>
+      </dsp:nvSpPr>
+      <dsp:spPr>
+        <a:xfrm>
+          <a:off x="5774531" y="1874132"/>
+          <a:ext cx="1283229" cy="513291"/>
+        </a:xfrm>
+        <a:prstGeom prst="chevron">
+          <a:avLst/>
+        </a:prstGeom>
+        <a:gradFill rotWithShape="0">
+          <a:gsLst>
+            <a:gs pos="0">
+              <a:schemeClr val="accent6">
+                <a:shade val="80000"/>
+                <a:hueOff val="-318076"/>
+                <a:satOff val="14174"/>
+                <a:lumOff val="19816"/>
+                <a:alphaOff val="0"/>
+                <a:tint val="100000"/>
+                <a:shade val="100000"/>
+                <a:satMod val="130000"/>
+              </a:schemeClr>
+            </a:gs>
+            <a:gs pos="100000">
+              <a:schemeClr val="accent6">
+                <a:shade val="80000"/>
+                <a:hueOff val="-318076"/>
+                <a:satOff val="14174"/>
+                <a:lumOff val="19816"/>
+                <a:alphaOff val="0"/>
+                <a:tint val="50000"/>
+                <a:shade val="100000"/>
+                <a:satMod val="350000"/>
+              </a:schemeClr>
+            </a:gs>
+          </a:gsLst>
+          <a:lin ang="16200000" scaled="0"/>
+        </a:gradFill>
+        <a:ln>
+          <a:noFill/>
+        </a:ln>
+        <a:effectLst>
+          <a:outerShdw blurRad="40000" dist="23000" dir="5400000" rotWithShape="0">
+            <a:srgbClr val="000000">
+              <a:alpha val="35000"/>
+            </a:srgbClr>
+          </a:outerShdw>
+        </a:effectLst>
+        <a:scene3d>
+          <a:camera prst="orthographicFront"/>
+          <a:lightRig rig="threePt" dir="t">
+            <a:rot lat="0" lon="0" rev="7500000"/>
+          </a:lightRig>
+        </a:scene3d>
+        <a:sp3d prstMaterial="plastic">
+          <a:bevelT w="127000" h="25400" prst="relaxedInset"/>
+        </a:sp3d>
+      </dsp:spPr>
+      <dsp:style>
+        <a:lnRef idx="0">
+          <a:scrgbClr r="0" g="0" b="0"/>
+        </a:lnRef>
+        <a:fillRef idx="3">
+          <a:scrgbClr r="0" g="0" b="0"/>
+        </a:fillRef>
+        <a:effectRef idx="2">
+          <a:scrgbClr r="0" g="0" b="0"/>
+        </a:effectRef>
+        <a:fontRef idx="minor">
+          <a:schemeClr val="lt1"/>
+        </a:fontRef>
+      </dsp:style>
+      <dsp:txBody>
+        <a:bodyPr spcFirstLastPara="0" vert="horz" wrap="square" lIns="64008" tIns="21336" rIns="21336" bIns="21336" numCol="1" spcCol="1270" anchor="ctr" anchorCtr="0">
+          <a:noAutofit/>
+        </a:bodyPr>
+        <a:lstStyle/>
+        <a:p>
+          <a:pPr lvl="0" algn="ctr" defTabSz="711200">
+            <a:lnSpc>
+              <a:spcPct val="90000"/>
+            </a:lnSpc>
+            <a:spcBef>
+              <a:spcPct val="0"/>
+            </a:spcBef>
+            <a:spcAft>
+              <a:spcPct val="35000"/>
+            </a:spcAft>
+          </a:pPr>
+          <a:r>
+            <a:rPr lang="en-US" sz="1600" kern="1200" dirty="0" smtClean="0"/>
+            <a:t>Deploy</a:t>
+          </a:r>
+          <a:endParaRPr lang="en-US" sz="1600" kern="1200" dirty="0"/>
+        </a:p>
+      </dsp:txBody>
+      <dsp:txXfrm>
+        <a:off x="6031177" y="1874132"/>
+        <a:ext cx="769938" cy="513291"/>
+      </dsp:txXfrm>
+    </dsp:sp>
+    <dsp:sp modelId="{5F932FCC-4439-4744-9BE5-98304E29846B}">
+      <dsp:nvSpPr>
+        <dsp:cNvPr id="0" name=""/>
+        <dsp:cNvSpPr/>
+      </dsp:nvSpPr>
+      <dsp:spPr>
+        <a:xfrm>
+          <a:off x="6929437" y="1874132"/>
+          <a:ext cx="1283229" cy="513291"/>
+        </a:xfrm>
+        <a:prstGeom prst="chevron">
+          <a:avLst/>
+        </a:prstGeom>
+        <a:gradFill rotWithShape="0">
+          <a:gsLst>
+            <a:gs pos="0">
+              <a:schemeClr val="accent6">
+                <a:shade val="80000"/>
+                <a:hueOff val="-381691"/>
+                <a:satOff val="17009"/>
+                <a:lumOff val="23779"/>
+                <a:alphaOff val="0"/>
+                <a:tint val="100000"/>
+                <a:shade val="100000"/>
+                <a:satMod val="130000"/>
+              </a:schemeClr>
+            </a:gs>
+            <a:gs pos="100000">
+              <a:schemeClr val="accent6">
+                <a:shade val="80000"/>
+                <a:hueOff val="-381691"/>
+                <a:satOff val="17009"/>
+                <a:lumOff val="23779"/>
+                <a:alphaOff val="0"/>
+                <a:tint val="50000"/>
+                <a:shade val="100000"/>
+                <a:satMod val="350000"/>
+              </a:schemeClr>
+            </a:gs>
+          </a:gsLst>
+          <a:lin ang="16200000" scaled="0"/>
+        </a:gradFill>
+        <a:ln>
+          <a:noFill/>
+        </a:ln>
+        <a:effectLst>
+          <a:outerShdw blurRad="40000" dist="23000" dir="5400000" rotWithShape="0">
+            <a:srgbClr val="000000">
+              <a:alpha val="35000"/>
+            </a:srgbClr>
+          </a:outerShdw>
+        </a:effectLst>
+        <a:scene3d>
+          <a:camera prst="orthographicFront"/>
+          <a:lightRig rig="threePt" dir="t">
+            <a:rot lat="0" lon="0" rev="7500000"/>
+          </a:lightRig>
+        </a:scene3d>
+        <a:sp3d prstMaterial="plastic">
+          <a:bevelT w="127000" h="25400" prst="relaxedInset"/>
+        </a:sp3d>
+      </dsp:spPr>
+      <dsp:style>
+        <a:lnRef idx="0">
+          <a:scrgbClr r="0" g="0" b="0"/>
+        </a:lnRef>
+        <a:fillRef idx="3">
+          <a:scrgbClr r="0" g="0" b="0"/>
+        </a:fillRef>
+        <a:effectRef idx="2">
+          <a:scrgbClr r="0" g="0" b="0"/>
+        </a:effectRef>
+        <a:fontRef idx="minor">
+          <a:schemeClr val="lt1"/>
+        </a:fontRef>
+      </dsp:style>
+      <dsp:txBody>
+        <a:bodyPr spcFirstLastPara="0" vert="horz" wrap="square" lIns="64008" tIns="21336" rIns="21336" bIns="21336" numCol="1" spcCol="1270" anchor="ctr" anchorCtr="0">
+          <a:noAutofit/>
+        </a:bodyPr>
+        <a:lstStyle/>
+        <a:p>
+          <a:pPr lvl="0" algn="ctr" defTabSz="711200">
+            <a:lnSpc>
+              <a:spcPct val="90000"/>
+            </a:lnSpc>
+            <a:spcBef>
+              <a:spcPct val="0"/>
+            </a:spcBef>
+            <a:spcAft>
+              <a:spcPct val="35000"/>
+            </a:spcAft>
+          </a:pPr>
+          <a:r>
+            <a:rPr lang="en-US" sz="1600" kern="1200" dirty="0" smtClean="0"/>
+            <a:t>Operate</a:t>
+          </a:r>
+          <a:endParaRPr lang="en-US" sz="1600" kern="1200" dirty="0"/>
+        </a:p>
+      </dsp:txBody>
+      <dsp:txXfrm>
+        <a:off x="7186083" y="1874132"/>
+        <a:ext cx="769938" cy="513291"/>
+      </dsp:txXfrm>
+    </dsp:sp>
+  </dsp:spTree>
+</dsp:drawing>
+</file>
+
 <file path=ppt/diagrams/layout1.xml><?xml version="1.0" encoding="utf-8"?>
 <dgm:layoutDef xmlns:dgm="http://schemas.openxmlformats.org/drawingml/2006/diagram" xmlns:a="http://schemas.openxmlformats.org/drawingml/2006/main" uniqueId="urn:microsoft.com/office/officeart/2005/8/layout/chevron1">
   <dgm:title val=""/>
@@ -6743,6 +8836,289 @@
 </dgm:layoutDef>
 </file>
 
+<file path=ppt/diagrams/layout4.xml><?xml version="1.0" encoding="utf-8"?>
+<dgm:layoutDef xmlns:dgm="http://schemas.openxmlformats.org/drawingml/2006/diagram" xmlns:a="http://schemas.openxmlformats.org/drawingml/2006/main" uniqueId="urn:microsoft.com/office/officeart/2005/8/layout/chevron1">
+  <dgm:title val=""/>
+  <dgm:desc val=""/>
+  <dgm:catLst>
+    <dgm:cat type="process" pri="9000"/>
+  </dgm:catLst>
+  <dgm:sampData useDef="1">
+    <dgm:dataModel>
+      <dgm:ptLst/>
+      <dgm:bg/>
+      <dgm:whole/>
+    </dgm:dataModel>
+  </dgm:sampData>
+  <dgm:styleData>
+    <dgm:dataModel>
+      <dgm:ptLst>
+        <dgm:pt modelId="0" type="doc"/>
+        <dgm:pt modelId="1"/>
+        <dgm:pt modelId="2"/>
+      </dgm:ptLst>
+      <dgm:cxnLst>
+        <dgm:cxn modelId="3" srcId="0" destId="1" srcOrd="0" destOrd="0"/>
+        <dgm:cxn modelId="4" srcId="0" destId="2" srcOrd="1" destOrd="0"/>
+      </dgm:cxnLst>
+      <dgm:bg/>
+      <dgm:whole/>
+    </dgm:dataModel>
+  </dgm:styleData>
+  <dgm:clrData>
+    <dgm:dataModel>
+      <dgm:ptLst>
+        <dgm:pt modelId="0" type="doc"/>
+        <dgm:pt modelId="1"/>
+        <dgm:pt modelId="2"/>
+        <dgm:pt modelId="3"/>
+        <dgm:pt modelId="4"/>
+      </dgm:ptLst>
+      <dgm:cxnLst>
+        <dgm:cxn modelId="5" srcId="0" destId="1" srcOrd="0" destOrd="0"/>
+        <dgm:cxn modelId="6" srcId="0" destId="2" srcOrd="1" destOrd="0"/>
+        <dgm:cxn modelId="7" srcId="0" destId="3" srcOrd="2" destOrd="0"/>
+        <dgm:cxn modelId="8" srcId="0" destId="4" srcOrd="3" destOrd="0"/>
+      </dgm:cxnLst>
+      <dgm:bg/>
+      <dgm:whole/>
+    </dgm:dataModel>
+  </dgm:clrData>
+  <dgm:layoutNode name="Name0">
+    <dgm:varLst>
+      <dgm:dir/>
+      <dgm:animLvl val="lvl"/>
+      <dgm:resizeHandles val="exact"/>
+    </dgm:varLst>
+    <dgm:choose name="Name1">
+      <dgm:if name="Name2" func="var" arg="dir" op="equ" val="norm">
+        <dgm:alg type="lin"/>
+      </dgm:if>
+      <dgm:else name="Name3">
+        <dgm:alg type="lin">
+          <dgm:param type="linDir" val="fromR"/>
+        </dgm:alg>
+      </dgm:else>
+    </dgm:choose>
+    <dgm:shape xmlns:r="http://schemas.openxmlformats.org/officeDocument/2006/relationships" r:blip="">
+      <dgm:adjLst/>
+    </dgm:shape>
+    <dgm:presOf/>
+    <dgm:choose name="Name4">
+      <dgm:if name="Name5" axis="des" func="maxDepth" op="gte" val="2">
+        <dgm:constrLst>
+          <dgm:constr type="h" for="ch" forName="composite" refType="h"/>
+          <dgm:constr type="w" for="ch" forName="composite" refType="w"/>
+          <dgm:constr type="w" for="des" forName="parTx"/>
+          <dgm:constr type="h" for="des" forName="parTx" op="equ"/>
+          <dgm:constr type="w" for="des" forName="desTx"/>
+          <dgm:constr type="h" for="des" forName="desTx" op="equ"/>
+          <dgm:constr type="primFontSz" for="des" forName="parTx" val="65"/>
+          <dgm:constr type="secFontSz" for="des" forName="desTx" refType="primFontSz" refFor="des" refForName="parTx" op="equ"/>
+          <dgm:constr type="h" for="des" forName="parTx" refType="primFontSz" refFor="des" refForName="parTx" fact="1.5"/>
+          <dgm:constr type="h" for="des" forName="desTx" refType="primFontSz" refFor="des" refForName="parTx" fact="0.5"/>
+          <dgm:constr type="w" for="ch" forName="space" op="equ" val="-6"/>
+        </dgm:constrLst>
+        <dgm:ruleLst>
+          <dgm:rule type="w" for="ch" forName="composite" val="0" fact="NaN" max="NaN"/>
+          <dgm:rule type="primFontSz" for="des" forName="parTx" val="5" fact="NaN" max="NaN"/>
+        </dgm:ruleLst>
+        <dgm:forEach name="Name6" axis="ch" ptType="node">
+          <dgm:layoutNode name="composite">
+            <dgm:alg type="composite"/>
+            <dgm:shape xmlns:r="http://schemas.openxmlformats.org/officeDocument/2006/relationships" r:blip="">
+              <dgm:adjLst/>
+            </dgm:shape>
+            <dgm:presOf/>
+            <dgm:choose name="Name7">
+              <dgm:if name="Name8" func="var" arg="dir" op="equ" val="norm">
+                <dgm:constrLst>
+                  <dgm:constr type="l" for="ch" forName="parTx"/>
+                  <dgm:constr type="w" for="ch" forName="parTx" refType="w"/>
+                  <dgm:constr type="t" for="ch" forName="parTx"/>
+                  <dgm:constr type="l" for="ch" forName="desTx"/>
+                  <dgm:constr type="w" for="ch" forName="desTx" refType="w" refFor="ch" refForName="parTx" fact="0.8"/>
+                  <dgm:constr type="t" for="ch" forName="desTx" refType="h" refFor="ch" refForName="parTx" fact="1.125"/>
+                </dgm:constrLst>
+              </dgm:if>
+              <dgm:else name="Name9">
+                <dgm:constrLst>
+                  <dgm:constr type="l" for="ch" forName="parTx"/>
+                  <dgm:constr type="w" for="ch" forName="parTx" refType="w"/>
+                  <dgm:constr type="t" for="ch" forName="parTx"/>
+                  <dgm:constr type="l" for="ch" forName="desTx" refType="w" fact="0.2"/>
+                  <dgm:constr type="w" for="ch" forName="desTx" refType="w" refFor="ch" refForName="parTx" fact="0.8"/>
+                  <dgm:constr type="t" for="ch" forName="desTx" refType="h" refFor="ch" refForName="parTx" fact="1.125"/>
+                </dgm:constrLst>
+              </dgm:else>
+            </dgm:choose>
+            <dgm:ruleLst>
+              <dgm:rule type="h" val="INF" fact="NaN" max="NaN"/>
+            </dgm:ruleLst>
+            <dgm:layoutNode name="parTx">
+              <dgm:varLst>
+                <dgm:chMax val="0"/>
+                <dgm:chPref val="0"/>
+                <dgm:bulletEnabled val="1"/>
+              </dgm:varLst>
+              <dgm:alg type="tx"/>
+              <dgm:choose name="Name10">
+                <dgm:if name="Name11" func="var" arg="dir" op="equ" val="norm">
+                  <dgm:shape xmlns:r="http://schemas.openxmlformats.org/officeDocument/2006/relationships" type="chevron" r:blip="">
+                    <dgm:adjLst/>
+                  </dgm:shape>
+                </dgm:if>
+                <dgm:else name="Name12">
+                  <dgm:shape xmlns:r="http://schemas.openxmlformats.org/officeDocument/2006/relationships" rot="180" type="chevron" r:blip="">
+                    <dgm:adjLst/>
+                  </dgm:shape>
+                </dgm:else>
+              </dgm:choose>
+              <dgm:presOf axis="self" ptType="node"/>
+              <dgm:choose name="Name13">
+                <dgm:if name="Name14" func="var" arg="dir" op="equ" val="norm">
+                  <dgm:constrLst>
+                    <dgm:constr type="h" refType="w" op="lte" fact="0.4"/>
+                    <dgm:constr type="h"/>
+                    <dgm:constr type="tMarg" refType="primFontSz" fact="0.105"/>
+                    <dgm:constr type="bMarg" refType="primFontSz" fact="0.105"/>
+                    <dgm:constr type="lMarg" refType="primFontSz" fact="0.315"/>
+                    <dgm:constr type="rMarg" refType="primFontSz" fact="0.105"/>
+                  </dgm:constrLst>
+                </dgm:if>
+                <dgm:else name="Name15">
+                  <dgm:constrLst>
+                    <dgm:constr type="h" refType="w" op="lte" fact="0.4"/>
+                    <dgm:constr type="h"/>
+                    <dgm:constr type="tMarg" refType="primFontSz" fact="0.105"/>
+                    <dgm:constr type="bMarg" refType="primFontSz" fact="0.105"/>
+                    <dgm:constr type="lMarg" refType="primFontSz" fact="0.105"/>
+                    <dgm:constr type="rMarg" refType="primFontSz" fact="0.315"/>
+                  </dgm:constrLst>
+                </dgm:else>
+              </dgm:choose>
+              <dgm:ruleLst>
+                <dgm:rule type="h" val="INF" fact="NaN" max="NaN"/>
+              </dgm:ruleLst>
+            </dgm:layoutNode>
+            <dgm:layoutNode name="desTx" styleLbl="revTx">
+              <dgm:varLst>
+                <dgm:bulletEnabled val="1"/>
+              </dgm:varLst>
+              <dgm:alg type="tx">
+                <dgm:param type="stBulletLvl" val="1"/>
+              </dgm:alg>
+              <dgm:choose name="Name16">
+                <dgm:if name="Name17" axis="ch" ptType="node" func="cnt" op="gte" val="1">
+                  <dgm:shape xmlns:r="http://schemas.openxmlformats.org/officeDocument/2006/relationships" type="rect" r:blip="">
+                    <dgm:adjLst/>
+                  </dgm:shape>
+                </dgm:if>
+                <dgm:else name="Name18">
+                  <dgm:shape xmlns:r="http://schemas.openxmlformats.org/officeDocument/2006/relationships" type="rect" r:blip="" hideGeom="1">
+                    <dgm:adjLst/>
+                  </dgm:shape>
+                </dgm:else>
+              </dgm:choose>
+              <dgm:presOf axis="des" ptType="node"/>
+              <dgm:constrLst>
+                <dgm:constr type="secFontSz" val="65"/>
+                <dgm:constr type="primFontSz" refType="secFontSz"/>
+                <dgm:constr type="h"/>
+                <dgm:constr type="tMarg"/>
+                <dgm:constr type="bMarg"/>
+                <dgm:constr type="rMarg"/>
+                <dgm:constr type="lMarg"/>
+              </dgm:constrLst>
+              <dgm:ruleLst>
+                <dgm:rule type="h" val="INF" fact="NaN" max="NaN"/>
+              </dgm:ruleLst>
+            </dgm:layoutNode>
+          </dgm:layoutNode>
+          <dgm:forEach name="Name19" axis="followSib" ptType="sibTrans" cnt="1">
+            <dgm:layoutNode name="space">
+              <dgm:alg type="sp"/>
+              <dgm:shape xmlns:r="http://schemas.openxmlformats.org/officeDocument/2006/relationships" r:blip="">
+                <dgm:adjLst/>
+              </dgm:shape>
+              <dgm:presOf/>
+              <dgm:constrLst/>
+              <dgm:ruleLst/>
+            </dgm:layoutNode>
+          </dgm:forEach>
+        </dgm:forEach>
+      </dgm:if>
+      <dgm:else name="Name20">
+        <dgm:constrLst>
+          <dgm:constr type="w" for="ch" forName="parTxOnly" refType="w"/>
+          <dgm:constr type="h" for="des" forName="parTxOnly" op="equ"/>
+          <dgm:constr type="primFontSz" for="des" forName="parTxOnly" op="equ" val="65"/>
+          <dgm:constr type="w" for="ch" forName="parTxOnlySpace" refType="w" refFor="ch" refForName="parTxOnly" fact="-0.1"/>
+        </dgm:constrLst>
+        <dgm:ruleLst/>
+        <dgm:forEach name="Name21" axis="ch" ptType="node">
+          <dgm:layoutNode name="parTxOnly">
+            <dgm:varLst>
+              <dgm:chMax val="0"/>
+              <dgm:chPref val="0"/>
+              <dgm:bulletEnabled val="1"/>
+            </dgm:varLst>
+            <dgm:alg type="tx"/>
+            <dgm:choose name="Name22">
+              <dgm:if name="Name23" func="var" arg="dir" op="equ" val="norm">
+                <dgm:shape xmlns:r="http://schemas.openxmlformats.org/officeDocument/2006/relationships" type="chevron" r:blip="">
+                  <dgm:adjLst/>
+                </dgm:shape>
+              </dgm:if>
+              <dgm:else name="Name24">
+                <dgm:shape xmlns:r="http://schemas.openxmlformats.org/officeDocument/2006/relationships" rot="180" type="chevron" r:blip="">
+                  <dgm:adjLst/>
+                </dgm:shape>
+              </dgm:else>
+            </dgm:choose>
+            <dgm:presOf axis="self" ptType="node"/>
+            <dgm:choose name="Name25">
+              <dgm:if name="Name26" func="var" arg="dir" op="equ" val="norm">
+                <dgm:constrLst>
+                  <dgm:constr type="h" refType="w" op="equ" fact="0.4"/>
+                  <dgm:constr type="tMarg" refType="primFontSz" fact="0.105"/>
+                  <dgm:constr type="bMarg" refType="primFontSz" fact="0.105"/>
+                  <dgm:constr type="lMarg" refType="primFontSz" fact="0.315"/>
+                  <dgm:constr type="rMarg" refType="primFontSz" fact="0.105"/>
+                </dgm:constrLst>
+              </dgm:if>
+              <dgm:else name="Name27">
+                <dgm:constrLst>
+                  <dgm:constr type="h" refType="w" op="equ" fact="0.4"/>
+                  <dgm:constr type="tMarg" refType="primFontSz" fact="0.105"/>
+                  <dgm:constr type="bMarg" refType="primFontSz" fact="0.105"/>
+                  <dgm:constr type="lMarg" refType="primFontSz" fact="0.105"/>
+                  <dgm:constr type="rMarg" refType="primFontSz" fact="0.315"/>
+                </dgm:constrLst>
+              </dgm:else>
+            </dgm:choose>
+            <dgm:ruleLst>
+              <dgm:rule type="primFontSz" val="5" fact="NaN" max="NaN"/>
+            </dgm:ruleLst>
+          </dgm:layoutNode>
+          <dgm:forEach name="Name28" axis="followSib" ptType="sibTrans" cnt="1">
+            <dgm:layoutNode name="parTxOnlySpace">
+              <dgm:alg type="sp"/>
+              <dgm:shape xmlns:r="http://schemas.openxmlformats.org/officeDocument/2006/relationships" r:blip="">
+                <dgm:adjLst/>
+              </dgm:shape>
+              <dgm:presOf/>
+              <dgm:constrLst/>
+              <dgm:ruleLst/>
+            </dgm:layoutNode>
+          </dgm:forEach>
+        </dgm:forEach>
+      </dgm:else>
+    </dgm:choose>
+  </dgm:layoutNode>
+</dgm:layoutDef>
+</file>
+
 <file path=ppt/diagrams/quickStyle1.xml><?xml version="1.0" encoding="utf-8"?>
 <dgm:styleDef xmlns:dgm="http://schemas.openxmlformats.org/drawingml/2006/diagram" xmlns:a="http://schemas.openxmlformats.org/drawingml/2006/main" uniqueId="urn:microsoft.com/office/officeart/2005/8/quickstyle/3D2">
   <dgm:title val=""/>
@@ -10583,6 +12959,1268 @@
     <dgm:txPr/>
     <dgm:style>
       <a:lnRef idx="1">
+        <a:scrgbClr r="0" g="0" b="0"/>
+      </a:lnRef>
+      <a:fillRef idx="0">
+        <a:scrgbClr r="0" g="0" b="0"/>
+      </a:fillRef>
+      <a:effectRef idx="0">
+        <a:scrgbClr r="0" g="0" b="0"/>
+      </a:effectRef>
+      <a:fontRef idx="minor"/>
+    </dgm:style>
+  </dgm:styleLbl>
+</dgm:styleDef>
+</file>
+
+<file path=ppt/diagrams/quickStyle4.xml><?xml version="1.0" encoding="utf-8"?>
+<dgm:styleDef xmlns:dgm="http://schemas.openxmlformats.org/drawingml/2006/diagram" xmlns:a="http://schemas.openxmlformats.org/drawingml/2006/main" uniqueId="urn:microsoft.com/office/officeart/2005/8/quickstyle/3D2">
+  <dgm:title val=""/>
+  <dgm:desc val=""/>
+  <dgm:catLst>
+    <dgm:cat type="3D" pri="11200"/>
+  </dgm:catLst>
+  <dgm:scene3d>
+    <a:camera prst="orthographicFront"/>
+    <a:lightRig rig="threePt" dir="t"/>
+  </dgm:scene3d>
+  <dgm:styleLbl name="node0">
+    <dgm:scene3d>
+      <a:camera prst="orthographicFront"/>
+      <a:lightRig rig="threePt" dir="t">
+        <a:rot lat="0" lon="0" rev="7500000"/>
+      </a:lightRig>
+    </dgm:scene3d>
+    <dgm:sp3d prstMaterial="plastic">
+      <a:bevelT w="127000" h="25400" prst="relaxedInset"/>
+    </dgm:sp3d>
+    <dgm:txPr/>
+    <dgm:style>
+      <a:lnRef idx="0">
+        <a:scrgbClr r="0" g="0" b="0"/>
+      </a:lnRef>
+      <a:fillRef idx="3">
+        <a:scrgbClr r="0" g="0" b="0"/>
+      </a:fillRef>
+      <a:effectRef idx="2">
+        <a:scrgbClr r="0" g="0" b="0"/>
+      </a:effectRef>
+      <a:fontRef idx="minor">
+        <a:schemeClr val="lt1"/>
+      </a:fontRef>
+    </dgm:style>
+  </dgm:styleLbl>
+  <dgm:styleLbl name="lnNode1">
+    <dgm:scene3d>
+      <a:camera prst="orthographicFront"/>
+      <a:lightRig rig="threePt" dir="t">
+        <a:rot lat="0" lon="0" rev="7500000"/>
+      </a:lightRig>
+    </dgm:scene3d>
+    <dgm:sp3d prstMaterial="plastic">
+      <a:bevelT w="127000" h="25400" prst="relaxedInset"/>
+    </dgm:sp3d>
+    <dgm:txPr/>
+    <dgm:style>
+      <a:lnRef idx="1">
+        <a:scrgbClr r="0" g="0" b="0"/>
+      </a:lnRef>
+      <a:fillRef idx="3">
+        <a:scrgbClr r="0" g="0" b="0"/>
+      </a:fillRef>
+      <a:effectRef idx="2">
+        <a:scrgbClr r="0" g="0" b="0"/>
+      </a:effectRef>
+      <a:fontRef idx="minor">
+        <a:schemeClr val="lt1"/>
+      </a:fontRef>
+    </dgm:style>
+  </dgm:styleLbl>
+  <dgm:styleLbl name="vennNode1">
+    <dgm:scene3d>
+      <a:camera prst="orthographicFront"/>
+      <a:lightRig rig="threePt" dir="t">
+        <a:rot lat="0" lon="0" rev="7500000"/>
+      </a:lightRig>
+    </dgm:scene3d>
+    <dgm:sp3d prstMaterial="plastic">
+      <a:bevelT w="127000" h="25400" prst="relaxedInset"/>
+    </dgm:sp3d>
+    <dgm:txPr/>
+    <dgm:style>
+      <a:lnRef idx="0">
+        <a:scrgbClr r="0" g="0" b="0"/>
+      </a:lnRef>
+      <a:fillRef idx="3">
+        <a:scrgbClr r="0" g="0" b="0"/>
+      </a:fillRef>
+      <a:effectRef idx="2">
+        <a:scrgbClr r="0" g="0" b="0"/>
+      </a:effectRef>
+      <a:fontRef idx="minor">
+        <a:schemeClr val="tx1"/>
+      </a:fontRef>
+    </dgm:style>
+  </dgm:styleLbl>
+  <dgm:styleLbl name="alingNode1">
+    <dgm:scene3d>
+      <a:camera prst="orthographicFront"/>
+      <a:lightRig rig="threePt" dir="t">
+        <a:rot lat="0" lon="0" rev="7500000"/>
+      </a:lightRig>
+    </dgm:scene3d>
+    <dgm:sp3d prstMaterial="plastic">
+      <a:bevelT w="127000" h="25400" prst="relaxedInset"/>
+    </dgm:sp3d>
+    <dgm:txPr/>
+    <dgm:style>
+      <a:lnRef idx="0">
+        <a:scrgbClr r="0" g="0" b="0"/>
+      </a:lnRef>
+      <a:fillRef idx="3">
+        <a:scrgbClr r="0" g="0" b="0"/>
+      </a:fillRef>
+      <a:effectRef idx="2">
+        <a:scrgbClr r="0" g="0" b="0"/>
+      </a:effectRef>
+      <a:fontRef idx="minor">
+        <a:schemeClr val="lt1"/>
+      </a:fontRef>
+    </dgm:style>
+  </dgm:styleLbl>
+  <dgm:styleLbl name="node1">
+    <dgm:scene3d>
+      <a:camera prst="orthographicFront"/>
+      <a:lightRig rig="threePt" dir="t">
+        <a:rot lat="0" lon="0" rev="7500000"/>
+      </a:lightRig>
+    </dgm:scene3d>
+    <dgm:sp3d prstMaterial="plastic">
+      <a:bevelT w="127000" h="25400" prst="relaxedInset"/>
+    </dgm:sp3d>
+    <dgm:txPr/>
+    <dgm:style>
+      <a:lnRef idx="0">
+        <a:scrgbClr r="0" g="0" b="0"/>
+      </a:lnRef>
+      <a:fillRef idx="3">
+        <a:scrgbClr r="0" g="0" b="0"/>
+      </a:fillRef>
+      <a:effectRef idx="2">
+        <a:scrgbClr r="0" g="0" b="0"/>
+      </a:effectRef>
+      <a:fontRef idx="minor">
+        <a:schemeClr val="lt1"/>
+      </a:fontRef>
+    </dgm:style>
+  </dgm:styleLbl>
+  <dgm:styleLbl name="node2">
+    <dgm:scene3d>
+      <a:camera prst="orthographicFront"/>
+      <a:lightRig rig="threePt" dir="t">
+        <a:rot lat="0" lon="0" rev="7500000"/>
+      </a:lightRig>
+    </dgm:scene3d>
+    <dgm:sp3d prstMaterial="plastic">
+      <a:bevelT w="127000" h="25400" prst="relaxedInset"/>
+    </dgm:sp3d>
+    <dgm:txPr/>
+    <dgm:style>
+      <a:lnRef idx="0">
+        <a:scrgbClr r="0" g="0" b="0"/>
+      </a:lnRef>
+      <a:fillRef idx="3">
+        <a:scrgbClr r="0" g="0" b="0"/>
+      </a:fillRef>
+      <a:effectRef idx="2">
+        <a:scrgbClr r="0" g="0" b="0"/>
+      </a:effectRef>
+      <a:fontRef idx="minor">
+        <a:schemeClr val="lt1"/>
+      </a:fontRef>
+    </dgm:style>
+  </dgm:styleLbl>
+  <dgm:styleLbl name="node3">
+    <dgm:scene3d>
+      <a:camera prst="orthographicFront"/>
+      <a:lightRig rig="threePt" dir="t">
+        <a:rot lat="0" lon="0" rev="7500000"/>
+      </a:lightRig>
+    </dgm:scene3d>
+    <dgm:sp3d prstMaterial="plastic">
+      <a:bevelT w="127000" h="25400" prst="relaxedInset"/>
+    </dgm:sp3d>
+    <dgm:txPr/>
+    <dgm:style>
+      <a:lnRef idx="0">
+        <a:scrgbClr r="0" g="0" b="0"/>
+      </a:lnRef>
+      <a:fillRef idx="3">
+        <a:scrgbClr r="0" g="0" b="0"/>
+      </a:fillRef>
+      <a:effectRef idx="2">
+        <a:scrgbClr r="0" g="0" b="0"/>
+      </a:effectRef>
+      <a:fontRef idx="minor">
+        <a:schemeClr val="lt1"/>
+      </a:fontRef>
+    </dgm:style>
+  </dgm:styleLbl>
+  <dgm:styleLbl name="node4">
+    <dgm:scene3d>
+      <a:camera prst="orthographicFront"/>
+      <a:lightRig rig="threePt" dir="t">
+        <a:rot lat="0" lon="0" rev="7500000"/>
+      </a:lightRig>
+    </dgm:scene3d>
+    <dgm:sp3d prstMaterial="plastic">
+      <a:bevelT w="127000" h="25400" prst="relaxedInset"/>
+    </dgm:sp3d>
+    <dgm:txPr/>
+    <dgm:style>
+      <a:lnRef idx="0">
+        <a:scrgbClr r="0" g="0" b="0"/>
+      </a:lnRef>
+      <a:fillRef idx="3">
+        <a:scrgbClr r="0" g="0" b="0"/>
+      </a:fillRef>
+      <a:effectRef idx="2">
+        <a:scrgbClr r="0" g="0" b="0"/>
+      </a:effectRef>
+      <a:fontRef idx="minor">
+        <a:schemeClr val="lt1"/>
+      </a:fontRef>
+    </dgm:style>
+  </dgm:styleLbl>
+  <dgm:styleLbl name="fgImgPlace1">
+    <dgm:scene3d>
+      <a:camera prst="orthographicFront"/>
+      <a:lightRig rig="threePt" dir="t">
+        <a:rot lat="0" lon="0" rev="7500000"/>
+      </a:lightRig>
+    </dgm:scene3d>
+    <dgm:sp3d z="152400" extrusionH="63500" prstMaterial="matte">
+      <a:bevelT w="50800" h="19050" prst="relaxedInset"/>
+      <a:contourClr>
+        <a:schemeClr val="bg1"/>
+      </a:contourClr>
+    </dgm:sp3d>
+    <dgm:txPr/>
+    <dgm:style>
+      <a:lnRef idx="0">
+        <a:scrgbClr r="0" g="0" b="0"/>
+      </a:lnRef>
+      <a:fillRef idx="1">
+        <a:scrgbClr r="0" g="0" b="0"/>
+      </a:fillRef>
+      <a:effectRef idx="0">
+        <a:scrgbClr r="0" g="0" b="0"/>
+      </a:effectRef>
+      <a:fontRef idx="minor"/>
+    </dgm:style>
+  </dgm:styleLbl>
+  <dgm:styleLbl name="alignImgPlace1">
+    <dgm:scene3d>
+      <a:camera prst="orthographicFront"/>
+      <a:lightRig rig="threePt" dir="t">
+        <a:rot lat="0" lon="0" rev="7500000"/>
+      </a:lightRig>
+    </dgm:scene3d>
+    <dgm:sp3d z="254000" extrusionH="63500" contourW="12700" prstMaterial="matte">
+      <a:contourClr>
+        <a:schemeClr val="lt1"/>
+      </a:contourClr>
+    </dgm:sp3d>
+    <dgm:txPr/>
+    <dgm:style>
+      <a:lnRef idx="0">
+        <a:scrgbClr r="0" g="0" b="0"/>
+      </a:lnRef>
+      <a:fillRef idx="1">
+        <a:scrgbClr r="0" g="0" b="0"/>
+      </a:fillRef>
+      <a:effectRef idx="0">
+        <a:scrgbClr r="0" g="0" b="0"/>
+      </a:effectRef>
+      <a:fontRef idx="minor"/>
+    </dgm:style>
+  </dgm:styleLbl>
+  <dgm:styleLbl name="bgImgPlace1">
+    <dgm:scene3d>
+      <a:camera prst="orthographicFront"/>
+      <a:lightRig rig="threePt" dir="t">
+        <a:rot lat="0" lon="0" rev="7500000"/>
+      </a:lightRig>
+    </dgm:scene3d>
+    <dgm:sp3d z="-152400" extrusionH="63500" contourW="12700" prstMaterial="matte">
+      <a:contourClr>
+        <a:schemeClr val="lt1"/>
+      </a:contourClr>
+    </dgm:sp3d>
+    <dgm:txPr/>
+    <dgm:style>
+      <a:lnRef idx="0">
+        <a:scrgbClr r="0" g="0" b="0"/>
+      </a:lnRef>
+      <a:fillRef idx="1">
+        <a:scrgbClr r="0" g="0" b="0"/>
+      </a:fillRef>
+      <a:effectRef idx="0">
+        <a:scrgbClr r="0" g="0" b="0"/>
+      </a:effectRef>
+      <a:fontRef idx="minor"/>
+    </dgm:style>
+  </dgm:styleLbl>
+  <dgm:styleLbl name="sibTrans2D1">
+    <dgm:scene3d>
+      <a:camera prst="orthographicFront"/>
+      <a:lightRig rig="threePt" dir="t">
+        <a:rot lat="0" lon="0" rev="7500000"/>
+      </a:lightRig>
+    </dgm:scene3d>
+    <dgm:sp3d z="-70000" extrusionH="63500" prstMaterial="matte">
+      <a:bevelT w="25400" h="6350" prst="relaxedInset"/>
+      <a:contourClr>
+        <a:schemeClr val="bg1"/>
+      </a:contourClr>
+    </dgm:sp3d>
+    <dgm:txPr/>
+    <dgm:style>
+      <a:lnRef idx="0">
+        <a:scrgbClr r="0" g="0" b="0"/>
+      </a:lnRef>
+      <a:fillRef idx="1">
+        <a:scrgbClr r="0" g="0" b="0"/>
+      </a:fillRef>
+      <a:effectRef idx="2">
+        <a:scrgbClr r="0" g="0" b="0"/>
+      </a:effectRef>
+      <a:fontRef idx="minor">
+        <a:schemeClr val="lt1"/>
+      </a:fontRef>
+    </dgm:style>
+  </dgm:styleLbl>
+  <dgm:styleLbl name="fgSibTrans2D1">
+    <dgm:scene3d>
+      <a:camera prst="orthographicFront"/>
+      <a:lightRig rig="threePt" dir="t">
+        <a:rot lat="0" lon="0" rev="7500000"/>
+      </a:lightRig>
+    </dgm:scene3d>
+    <dgm:sp3d z="152400" extrusionH="63500" prstMaterial="matte">
+      <a:bevelT w="25400" h="6350" prst="relaxedInset"/>
+      <a:contourClr>
+        <a:schemeClr val="bg1"/>
+      </a:contourClr>
+    </dgm:sp3d>
+    <dgm:txPr/>
+    <dgm:style>
+      <a:lnRef idx="0">
+        <a:scrgbClr r="0" g="0" b="0"/>
+      </a:lnRef>
+      <a:fillRef idx="1">
+        <a:scrgbClr r="0" g="0" b="0"/>
+      </a:fillRef>
+      <a:effectRef idx="2">
+        <a:scrgbClr r="0" g="0" b="0"/>
+      </a:effectRef>
+      <a:fontRef idx="minor">
+        <a:schemeClr val="lt1"/>
+      </a:fontRef>
+    </dgm:style>
+  </dgm:styleLbl>
+  <dgm:styleLbl name="bgSibTrans2D1">
+    <dgm:scene3d>
+      <a:camera prst="orthographicFront"/>
+      <a:lightRig rig="threePt" dir="t">
+        <a:rot lat="0" lon="0" rev="7500000"/>
+      </a:lightRig>
+    </dgm:scene3d>
+    <dgm:sp3d z="-152400" extrusionH="63500" prstMaterial="matte">
+      <a:bevelT w="25400" h="6350" prst="relaxedInset"/>
+      <a:contourClr>
+        <a:schemeClr val="bg1"/>
+      </a:contourClr>
+    </dgm:sp3d>
+    <dgm:txPr/>
+    <dgm:style>
+      <a:lnRef idx="0">
+        <a:scrgbClr r="0" g="0" b="0"/>
+      </a:lnRef>
+      <a:fillRef idx="1">
+        <a:scrgbClr r="0" g="0" b="0"/>
+      </a:fillRef>
+      <a:effectRef idx="2">
+        <a:scrgbClr r="0" g="0" b="0"/>
+      </a:effectRef>
+      <a:fontRef idx="minor">
+        <a:schemeClr val="lt1"/>
+      </a:fontRef>
+    </dgm:style>
+  </dgm:styleLbl>
+  <dgm:styleLbl name="sibTrans1D1">
+    <dgm:scene3d>
+      <a:camera prst="orthographicFront"/>
+      <a:lightRig rig="threePt" dir="t">
+        <a:rot lat="0" lon="0" rev="7500000"/>
+      </a:lightRig>
+    </dgm:scene3d>
+    <dgm:sp3d z="-40000" prstMaterial="matte"/>
+    <dgm:txPr/>
+    <dgm:style>
+      <a:lnRef idx="1">
+        <a:scrgbClr r="0" g="0" b="0"/>
+      </a:lnRef>
+      <a:fillRef idx="0">
+        <a:scrgbClr r="0" g="0" b="0"/>
+      </a:fillRef>
+      <a:effectRef idx="0">
+        <a:scrgbClr r="0" g="0" b="0"/>
+      </a:effectRef>
+      <a:fontRef idx="minor"/>
+    </dgm:style>
+  </dgm:styleLbl>
+  <dgm:styleLbl name="callout">
+    <dgm:scene3d>
+      <a:camera prst="orthographicFront"/>
+      <a:lightRig rig="threePt" dir="t">
+        <a:rot lat="0" lon="0" rev="7500000"/>
+      </a:lightRig>
+    </dgm:scene3d>
+    <dgm:sp3d z="127000" prstMaterial="matte"/>
+    <dgm:txPr/>
+    <dgm:style>
+      <a:lnRef idx="2">
+        <a:scrgbClr r="0" g="0" b="0"/>
+      </a:lnRef>
+      <a:fillRef idx="1">
+        <a:scrgbClr r="0" g="0" b="0"/>
+      </a:fillRef>
+      <a:effectRef idx="0">
+        <a:scrgbClr r="0" g="0" b="0"/>
+      </a:effectRef>
+      <a:fontRef idx="minor"/>
+    </dgm:style>
+  </dgm:styleLbl>
+  <dgm:styleLbl name="asst0">
+    <dgm:scene3d>
+      <a:camera prst="orthographicFront"/>
+      <a:lightRig rig="threePt" dir="t">
+        <a:rot lat="0" lon="0" rev="7500000"/>
+      </a:lightRig>
+    </dgm:scene3d>
+    <dgm:sp3d prstMaterial="plastic">
+      <a:bevelT w="127000" h="25400" prst="relaxedInset"/>
+    </dgm:sp3d>
+    <dgm:txPr/>
+    <dgm:style>
+      <a:lnRef idx="0">
+        <a:scrgbClr r="0" g="0" b="0"/>
+      </a:lnRef>
+      <a:fillRef idx="3">
+        <a:scrgbClr r="0" g="0" b="0"/>
+      </a:fillRef>
+      <a:effectRef idx="2">
+        <a:scrgbClr r="0" g="0" b="0"/>
+      </a:effectRef>
+      <a:fontRef idx="minor">
+        <a:schemeClr val="lt1"/>
+      </a:fontRef>
+    </dgm:style>
+  </dgm:styleLbl>
+  <dgm:styleLbl name="asst1">
+    <dgm:scene3d>
+      <a:camera prst="orthographicFront"/>
+      <a:lightRig rig="threePt" dir="t">
+        <a:rot lat="0" lon="0" rev="7500000"/>
+      </a:lightRig>
+    </dgm:scene3d>
+    <dgm:sp3d prstMaterial="plastic">
+      <a:bevelT w="127000" h="25400" prst="relaxedInset"/>
+    </dgm:sp3d>
+    <dgm:txPr/>
+    <dgm:style>
+      <a:lnRef idx="0">
+        <a:scrgbClr r="0" g="0" b="0"/>
+      </a:lnRef>
+      <a:fillRef idx="3">
+        <a:scrgbClr r="0" g="0" b="0"/>
+      </a:fillRef>
+      <a:effectRef idx="2">
+        <a:scrgbClr r="0" g="0" b="0"/>
+      </a:effectRef>
+      <a:fontRef idx="minor">
+        <a:schemeClr val="lt1"/>
+      </a:fontRef>
+    </dgm:style>
+  </dgm:styleLbl>
+  <dgm:styleLbl name="asst2">
+    <dgm:scene3d>
+      <a:camera prst="orthographicFront"/>
+      <a:lightRig rig="threePt" dir="t">
+        <a:rot lat="0" lon="0" rev="7500000"/>
+      </a:lightRig>
+    </dgm:scene3d>
+    <dgm:sp3d prstMaterial="plastic">
+      <a:bevelT w="127000" h="25400" prst="relaxedInset"/>
+    </dgm:sp3d>
+    <dgm:txPr/>
+    <dgm:style>
+      <a:lnRef idx="0">
+        <a:scrgbClr r="0" g="0" b="0"/>
+      </a:lnRef>
+      <a:fillRef idx="3">
+        <a:scrgbClr r="0" g="0" b="0"/>
+      </a:fillRef>
+      <a:effectRef idx="2">
+        <a:scrgbClr r="0" g="0" b="0"/>
+      </a:effectRef>
+      <a:fontRef idx="minor">
+        <a:schemeClr val="lt1"/>
+      </a:fontRef>
+    </dgm:style>
+  </dgm:styleLbl>
+  <dgm:styleLbl name="asst3">
+    <dgm:scene3d>
+      <a:camera prst="orthographicFront"/>
+      <a:lightRig rig="threePt" dir="t">
+        <a:rot lat="0" lon="0" rev="7500000"/>
+      </a:lightRig>
+    </dgm:scene3d>
+    <dgm:sp3d prstMaterial="plastic">
+      <a:bevelT w="127000" h="25400" prst="relaxedInset"/>
+    </dgm:sp3d>
+    <dgm:txPr/>
+    <dgm:style>
+      <a:lnRef idx="0">
+        <a:scrgbClr r="0" g="0" b="0"/>
+      </a:lnRef>
+      <a:fillRef idx="3">
+        <a:scrgbClr r="0" g="0" b="0"/>
+      </a:fillRef>
+      <a:effectRef idx="2">
+        <a:scrgbClr r="0" g="0" b="0"/>
+      </a:effectRef>
+      <a:fontRef idx="minor">
+        <a:schemeClr val="lt1"/>
+      </a:fontRef>
+    </dgm:style>
+  </dgm:styleLbl>
+  <dgm:styleLbl name="parChTrans2D1">
+    <dgm:scene3d>
+      <a:camera prst="orthographicFront"/>
+      <a:lightRig rig="threePt" dir="t">
+        <a:rot lat="0" lon="0" rev="7500000"/>
+      </a:lightRig>
+    </dgm:scene3d>
+    <dgm:sp3d extrusionH="63500" prstMaterial="matte">
+      <a:bevelT w="50800" h="19050" prst="relaxedInset"/>
+      <a:contourClr>
+        <a:schemeClr val="bg1"/>
+      </a:contourClr>
+    </dgm:sp3d>
+    <dgm:txPr/>
+    <dgm:style>
+      <a:lnRef idx="0">
+        <a:scrgbClr r="0" g="0" b="0"/>
+      </a:lnRef>
+      <a:fillRef idx="1">
+        <a:scrgbClr r="0" g="0" b="0"/>
+      </a:fillRef>
+      <a:effectRef idx="2">
+        <a:scrgbClr r="0" g="0" b="0"/>
+      </a:effectRef>
+      <a:fontRef idx="minor">
+        <a:schemeClr val="lt1"/>
+      </a:fontRef>
+    </dgm:style>
+  </dgm:styleLbl>
+  <dgm:styleLbl name="parChTrans2D2">
+    <dgm:scene3d>
+      <a:camera prst="orthographicFront"/>
+      <a:lightRig rig="threePt" dir="t">
+        <a:rot lat="0" lon="0" rev="7500000"/>
+      </a:lightRig>
+    </dgm:scene3d>
+    <dgm:sp3d extrusionH="63500" prstMaterial="matte">
+      <a:bevelT w="50800" h="19050" prst="relaxedInset"/>
+      <a:contourClr>
+        <a:schemeClr val="bg1"/>
+      </a:contourClr>
+    </dgm:sp3d>
+    <dgm:txPr/>
+    <dgm:style>
+      <a:lnRef idx="0">
+        <a:scrgbClr r="0" g="0" b="0"/>
+      </a:lnRef>
+      <a:fillRef idx="1">
+        <a:scrgbClr r="0" g="0" b="0"/>
+      </a:fillRef>
+      <a:effectRef idx="0">
+        <a:scrgbClr r="0" g="0" b="0"/>
+      </a:effectRef>
+      <a:fontRef idx="minor">
+        <a:schemeClr val="lt1"/>
+      </a:fontRef>
+    </dgm:style>
+  </dgm:styleLbl>
+  <dgm:styleLbl name="parChTrans2D3">
+    <dgm:scene3d>
+      <a:camera prst="orthographicFront"/>
+      <a:lightRig rig="threePt" dir="t">
+        <a:rot lat="0" lon="0" rev="7500000"/>
+      </a:lightRig>
+    </dgm:scene3d>
+    <dgm:sp3d z="60000" prstMaterial="flat">
+      <a:bevelT w="120900" h="88900"/>
+    </dgm:sp3d>
+    <dgm:txPr/>
+    <dgm:style>
+      <a:lnRef idx="0">
+        <a:scrgbClr r="0" g="0" b="0"/>
+      </a:lnRef>
+      <a:fillRef idx="3">
+        <a:scrgbClr r="0" g="0" b="0"/>
+      </a:fillRef>
+      <a:effectRef idx="1">
+        <a:scrgbClr r="0" g="0" b="0"/>
+      </a:effectRef>
+      <a:fontRef idx="minor">
+        <a:schemeClr val="lt1"/>
+      </a:fontRef>
+    </dgm:style>
+  </dgm:styleLbl>
+  <dgm:styleLbl name="parChTrans2D4">
+    <dgm:scene3d>
+      <a:camera prst="orthographicFront"/>
+      <a:lightRig rig="threePt" dir="t">
+        <a:rot lat="0" lon="0" rev="7500000"/>
+      </a:lightRig>
+    </dgm:scene3d>
+    <dgm:sp3d z="60000" prstMaterial="flat">
+      <a:bevelT w="120900" h="88900"/>
+    </dgm:sp3d>
+    <dgm:txPr/>
+    <dgm:style>
+      <a:lnRef idx="0">
+        <a:scrgbClr r="0" g="0" b="0"/>
+      </a:lnRef>
+      <a:fillRef idx="3">
+        <a:scrgbClr r="0" g="0" b="0"/>
+      </a:fillRef>
+      <a:effectRef idx="1">
+        <a:scrgbClr r="0" g="0" b="0"/>
+      </a:effectRef>
+      <a:fontRef idx="minor">
+        <a:schemeClr val="lt1"/>
+      </a:fontRef>
+    </dgm:style>
+  </dgm:styleLbl>
+  <dgm:styleLbl name="parChTrans1D1">
+    <dgm:scene3d>
+      <a:camera prst="orthographicFront"/>
+      <a:lightRig rig="threePt" dir="t">
+        <a:rot lat="0" lon="0" rev="7500000"/>
+      </a:lightRig>
+    </dgm:scene3d>
+    <dgm:sp3d z="-40000" prstMaterial="matte"/>
+    <dgm:txPr/>
+    <dgm:style>
+      <a:lnRef idx="2">
+        <a:scrgbClr r="0" g="0" b="0"/>
+      </a:lnRef>
+      <a:fillRef idx="0">
+        <a:scrgbClr r="0" g="0" b="0"/>
+      </a:fillRef>
+      <a:effectRef idx="0">
+        <a:scrgbClr r="0" g="0" b="0"/>
+      </a:effectRef>
+      <a:fontRef idx="minor"/>
+    </dgm:style>
+  </dgm:styleLbl>
+  <dgm:styleLbl name="parChTrans1D2">
+    <dgm:scene3d>
+      <a:camera prst="orthographicFront"/>
+      <a:lightRig rig="threePt" dir="t">
+        <a:rot lat="0" lon="0" rev="7500000"/>
+      </a:lightRig>
+    </dgm:scene3d>
+    <dgm:sp3d z="-40000" prstMaterial="matte"/>
+    <dgm:txPr/>
+    <dgm:style>
+      <a:lnRef idx="2">
+        <a:scrgbClr r="0" g="0" b="0"/>
+      </a:lnRef>
+      <a:fillRef idx="0">
+        <a:scrgbClr r="0" g="0" b="0"/>
+      </a:fillRef>
+      <a:effectRef idx="0">
+        <a:scrgbClr r="0" g="0" b="0"/>
+      </a:effectRef>
+      <a:fontRef idx="minor"/>
+    </dgm:style>
+  </dgm:styleLbl>
+  <dgm:styleLbl name="parChTrans1D3">
+    <dgm:scene3d>
+      <a:camera prst="orthographicFront"/>
+      <a:lightRig rig="threePt" dir="t">
+        <a:rot lat="0" lon="0" rev="7500000"/>
+      </a:lightRig>
+    </dgm:scene3d>
+    <dgm:sp3d z="-40000" prstMaterial="matte"/>
+    <dgm:txPr/>
+    <dgm:style>
+      <a:lnRef idx="2">
+        <a:scrgbClr r="0" g="0" b="0"/>
+      </a:lnRef>
+      <a:fillRef idx="0">
+        <a:scrgbClr r="0" g="0" b="0"/>
+      </a:fillRef>
+      <a:effectRef idx="0">
+        <a:scrgbClr r="0" g="0" b="0"/>
+      </a:effectRef>
+      <a:fontRef idx="minor"/>
+    </dgm:style>
+  </dgm:styleLbl>
+  <dgm:styleLbl name="parChTrans1D4">
+    <dgm:scene3d>
+      <a:camera prst="orthographicFront"/>
+      <a:lightRig rig="threePt" dir="t">
+        <a:rot lat="0" lon="0" rev="7500000"/>
+      </a:lightRig>
+    </dgm:scene3d>
+    <dgm:sp3d z="-40000" prstMaterial="matte"/>
+    <dgm:txPr/>
+    <dgm:style>
+      <a:lnRef idx="2">
+        <a:scrgbClr r="0" g="0" b="0"/>
+      </a:lnRef>
+      <a:fillRef idx="0">
+        <a:scrgbClr r="0" g="0" b="0"/>
+      </a:fillRef>
+      <a:effectRef idx="0">
+        <a:scrgbClr r="0" g="0" b="0"/>
+      </a:effectRef>
+      <a:fontRef idx="minor"/>
+    </dgm:style>
+  </dgm:styleLbl>
+  <dgm:styleLbl name="fgAcc1">
+    <dgm:scene3d>
+      <a:camera prst="orthographicFront"/>
+      <a:lightRig rig="threePt" dir="t">
+        <a:rot lat="0" lon="0" rev="7500000"/>
+      </a:lightRig>
+    </dgm:scene3d>
+    <dgm:sp3d z="152400" extrusionH="63500" prstMaterial="dkEdge">
+      <a:bevelT w="135400" h="16350" prst="relaxedInset"/>
+      <a:contourClr>
+        <a:schemeClr val="bg1"/>
+      </a:contourClr>
+    </dgm:sp3d>
+    <dgm:txPr/>
+    <dgm:style>
+      <a:lnRef idx="1">
+        <a:scrgbClr r="0" g="0" b="0"/>
+      </a:lnRef>
+      <a:fillRef idx="1">
+        <a:scrgbClr r="0" g="0" b="0"/>
+      </a:fillRef>
+      <a:effectRef idx="2">
+        <a:scrgbClr r="0" g="0" b="0"/>
+      </a:effectRef>
+      <a:fontRef idx="minor"/>
+    </dgm:style>
+  </dgm:styleLbl>
+  <dgm:styleLbl name="conFgAcc1">
+    <dgm:scene3d>
+      <a:camera prst="orthographicFront"/>
+      <a:lightRig rig="threePt" dir="t">
+        <a:rot lat="0" lon="0" rev="7500000"/>
+      </a:lightRig>
+    </dgm:scene3d>
+    <dgm:sp3d z="152400" extrusionH="63500" prstMaterial="dkEdge">
+      <a:bevelT w="135400" h="16350" prst="relaxedInset"/>
+      <a:contourClr>
+        <a:schemeClr val="bg1"/>
+      </a:contourClr>
+    </dgm:sp3d>
+    <dgm:txPr/>
+    <dgm:style>
+      <a:lnRef idx="1">
+        <a:scrgbClr r="0" g="0" b="0"/>
+      </a:lnRef>
+      <a:fillRef idx="1">
+        <a:scrgbClr r="0" g="0" b="0"/>
+      </a:fillRef>
+      <a:effectRef idx="2">
+        <a:scrgbClr r="0" g="0" b="0"/>
+      </a:effectRef>
+      <a:fontRef idx="minor"/>
+    </dgm:style>
+  </dgm:styleLbl>
+  <dgm:styleLbl name="alignAcc1">
+    <dgm:scene3d>
+      <a:camera prst="orthographicFront"/>
+      <a:lightRig rig="threePt" dir="t">
+        <a:rot lat="0" lon="0" rev="7500000"/>
+      </a:lightRig>
+    </dgm:scene3d>
+    <dgm:sp3d extrusionH="190500" prstMaterial="dkEdge">
+      <a:bevelT w="135400" h="16350" prst="relaxedInset"/>
+      <a:contourClr>
+        <a:schemeClr val="bg1"/>
+      </a:contourClr>
+    </dgm:sp3d>
+    <dgm:txPr/>
+    <dgm:style>
+      <a:lnRef idx="1">
+        <a:scrgbClr r="0" g="0" b="0"/>
+      </a:lnRef>
+      <a:fillRef idx="1">
+        <a:scrgbClr r="0" g="0" b="0"/>
+      </a:fillRef>
+      <a:effectRef idx="2">
+        <a:scrgbClr r="0" g="0" b="0"/>
+      </a:effectRef>
+      <a:fontRef idx="minor"/>
+    </dgm:style>
+  </dgm:styleLbl>
+  <dgm:styleLbl name="trAlignAcc1">
+    <dgm:scene3d>
+      <a:camera prst="orthographicFront"/>
+      <a:lightRig rig="threePt" dir="t">
+        <a:rot lat="0" lon="0" rev="7500000"/>
+      </a:lightRig>
+    </dgm:scene3d>
+    <dgm:sp3d prstMaterial="plastic">
+      <a:bevelT w="127000" h="35400"/>
+    </dgm:sp3d>
+    <dgm:txPr/>
+    <dgm:style>
+      <a:lnRef idx="1">
+        <a:scrgbClr r="0" g="0" b="0"/>
+      </a:lnRef>
+      <a:fillRef idx="1">
+        <a:scrgbClr r="0" g="0" b="0"/>
+      </a:fillRef>
+      <a:effectRef idx="2">
+        <a:scrgbClr r="0" g="0" b="0"/>
+      </a:effectRef>
+      <a:fontRef idx="minor">
+        <a:schemeClr val="lt1"/>
+      </a:fontRef>
+    </dgm:style>
+  </dgm:styleLbl>
+  <dgm:styleLbl name="bgAcc1">
+    <dgm:scene3d>
+      <a:camera prst="orthographicFront"/>
+      <a:lightRig rig="threePt" dir="t">
+        <a:rot lat="0" lon="0" rev="7500000"/>
+      </a:lightRig>
+    </dgm:scene3d>
+    <dgm:sp3d z="-152400" extrusionH="63500" prstMaterial="dkEdge">
+      <a:bevelT w="124450" h="16350" prst="relaxedInset"/>
+      <a:contourClr>
+        <a:schemeClr val="bg1"/>
+      </a:contourClr>
+    </dgm:sp3d>
+    <dgm:txPr/>
+    <dgm:style>
+      <a:lnRef idx="1">
+        <a:scrgbClr r="0" g="0" b="0"/>
+      </a:lnRef>
+      <a:fillRef idx="1">
+        <a:scrgbClr r="0" g="0" b="0"/>
+      </a:fillRef>
+      <a:effectRef idx="0">
+        <a:scrgbClr r="0" g="0" b="0"/>
+      </a:effectRef>
+      <a:fontRef idx="minor"/>
+    </dgm:style>
+  </dgm:styleLbl>
+  <dgm:styleLbl name="solidFgAcc1">
+    <dgm:scene3d>
+      <a:camera prst="orthographicFront"/>
+      <a:lightRig rig="threePt" dir="t">
+        <a:rot lat="0" lon="0" rev="7500000"/>
+      </a:lightRig>
+    </dgm:scene3d>
+    <dgm:sp3d z="152400" extrusionH="63500" prstMaterial="dkEdge">
+      <a:bevelT w="120800" h="19050" prst="relaxedInset"/>
+      <a:contourClr>
+        <a:schemeClr val="bg1"/>
+      </a:contourClr>
+    </dgm:sp3d>
+    <dgm:txPr/>
+    <dgm:style>
+      <a:lnRef idx="1">
+        <a:scrgbClr r="0" g="0" b="0"/>
+      </a:lnRef>
+      <a:fillRef idx="1">
+        <a:scrgbClr r="0" g="0" b="0"/>
+      </a:fillRef>
+      <a:effectRef idx="2">
+        <a:scrgbClr r="0" g="0" b="0"/>
+      </a:effectRef>
+      <a:fontRef idx="minor"/>
+    </dgm:style>
+  </dgm:styleLbl>
+  <dgm:styleLbl name="solidAlignAcc1">
+    <dgm:scene3d>
+      <a:camera prst="orthographicFront"/>
+      <a:lightRig rig="threePt" dir="t">
+        <a:rot lat="0" lon="0" rev="7500000"/>
+      </a:lightRig>
+    </dgm:scene3d>
+    <dgm:sp3d extrusionH="190500" prstMaterial="dkEdge">
+      <a:bevelT w="120650" h="38100" prst="relaxedInset"/>
+      <a:contourClr>
+        <a:schemeClr val="bg1"/>
+      </a:contourClr>
+    </dgm:sp3d>
+    <dgm:txPr/>
+    <dgm:style>
+      <a:lnRef idx="1">
+        <a:scrgbClr r="0" g="0" b="0"/>
+      </a:lnRef>
+      <a:fillRef idx="1">
+        <a:scrgbClr r="0" g="0" b="0"/>
+      </a:fillRef>
+      <a:effectRef idx="2">
+        <a:scrgbClr r="0" g="0" b="0"/>
+      </a:effectRef>
+      <a:fontRef idx="minor"/>
+    </dgm:style>
+  </dgm:styleLbl>
+  <dgm:styleLbl name="solidBgAcc1">
+    <dgm:scene3d>
+      <a:camera prst="orthographicFront"/>
+      <a:lightRig rig="threePt" dir="t">
+        <a:rot lat="0" lon="0" rev="7500000"/>
+      </a:lightRig>
+    </dgm:scene3d>
+    <dgm:sp3d z="-152400" extrusionH="63500" prstMaterial="dkEdge">
+      <a:bevelT w="144450" h="36350" prst="relaxedInset"/>
+      <a:contourClr>
+        <a:schemeClr val="bg1"/>
+      </a:contourClr>
+    </dgm:sp3d>
+    <dgm:txPr/>
+    <dgm:style>
+      <a:lnRef idx="1">
+        <a:scrgbClr r="0" g="0" b="0"/>
+      </a:lnRef>
+      <a:fillRef idx="1">
+        <a:scrgbClr r="0" g="0" b="0"/>
+      </a:fillRef>
+      <a:effectRef idx="0">
+        <a:scrgbClr r="0" g="0" b="0"/>
+      </a:effectRef>
+      <a:fontRef idx="minor"/>
+    </dgm:style>
+  </dgm:styleLbl>
+  <dgm:styleLbl name="fgAccFollowNode1">
+    <dgm:scene3d>
+      <a:camera prst="orthographicFront"/>
+      <a:lightRig rig="threePt" dir="t">
+        <a:rot lat="0" lon="0" rev="7500000"/>
+      </a:lightRig>
+    </dgm:scene3d>
+    <dgm:sp3d z="152400" extrusionH="63500" prstMaterial="dkEdge">
+      <a:bevelT w="125400" h="36350" prst="relaxedInset"/>
+      <a:contourClr>
+        <a:schemeClr val="bg1"/>
+      </a:contourClr>
+    </dgm:sp3d>
+    <dgm:txPr/>
+    <dgm:style>
+      <a:lnRef idx="1">
+        <a:scrgbClr r="0" g="0" b="0"/>
+      </a:lnRef>
+      <a:fillRef idx="1">
+        <a:scrgbClr r="0" g="0" b="0"/>
+      </a:fillRef>
+      <a:effectRef idx="0">
+        <a:scrgbClr r="0" g="0" b="0"/>
+      </a:effectRef>
+      <a:fontRef idx="minor"/>
+    </dgm:style>
+  </dgm:styleLbl>
+  <dgm:styleLbl name="alignAccFollowNode1">
+    <dgm:scene3d>
+      <a:camera prst="orthographicFront"/>
+      <a:lightRig rig="threePt" dir="t">
+        <a:rot lat="0" lon="0" rev="7500000"/>
+      </a:lightRig>
+    </dgm:scene3d>
+    <dgm:sp3d extrusionH="190500" prstMaterial="dkEdge">
+      <a:bevelT w="120650" h="38100" prst="relaxedInset"/>
+      <a:bevelB w="120650" h="57150" prst="relaxedInset"/>
+      <a:contourClr>
+        <a:schemeClr val="bg1"/>
+      </a:contourClr>
+    </dgm:sp3d>
+    <dgm:txPr/>
+    <dgm:style>
+      <a:lnRef idx="1">
+        <a:scrgbClr r="0" g="0" b="0"/>
+      </a:lnRef>
+      <a:fillRef idx="1">
+        <a:scrgbClr r="0" g="0" b="0"/>
+      </a:fillRef>
+      <a:effectRef idx="2">
+        <a:scrgbClr r="0" g="0" b="0"/>
+      </a:effectRef>
+      <a:fontRef idx="minor"/>
+    </dgm:style>
+  </dgm:styleLbl>
+  <dgm:styleLbl name="bgAccFollowNode1">
+    <dgm:scene3d>
+      <a:camera prst="orthographicFront"/>
+      <a:lightRig rig="threePt" dir="t">
+        <a:rot lat="0" lon="0" rev="7500000"/>
+      </a:lightRig>
+    </dgm:scene3d>
+    <dgm:sp3d z="-152400" extrusionH="63500" prstMaterial="dkEdge">
+      <a:bevelT w="144450" h="36350" prst="relaxedInset"/>
+      <a:contourClr>
+        <a:schemeClr val="bg1"/>
+      </a:contourClr>
+    </dgm:sp3d>
+    <dgm:txPr/>
+    <dgm:style>
+      <a:lnRef idx="1">
+        <a:scrgbClr r="0" g="0" b="0"/>
+      </a:lnRef>
+      <a:fillRef idx="1">
+        <a:scrgbClr r="0" g="0" b="0"/>
+      </a:fillRef>
+      <a:effectRef idx="2">
+        <a:scrgbClr r="0" g="0" b="0"/>
+      </a:effectRef>
+      <a:fontRef idx="minor"/>
+    </dgm:style>
+  </dgm:styleLbl>
+  <dgm:styleLbl name="fgAcc0">
+    <dgm:scene3d>
+      <a:camera prst="orthographicFront"/>
+      <a:lightRig rig="threePt" dir="t">
+        <a:rot lat="0" lon="0" rev="7500000"/>
+      </a:lightRig>
+    </dgm:scene3d>
+    <dgm:sp3d z="152400" extrusionH="63500" prstMaterial="dkEdge">
+      <a:bevelT w="125400" h="36350" prst="relaxedInset"/>
+      <a:contourClr>
+        <a:schemeClr val="bg1"/>
+      </a:contourClr>
+    </dgm:sp3d>
+    <dgm:txPr/>
+    <dgm:style>
+      <a:lnRef idx="1">
+        <a:scrgbClr r="0" g="0" b="0"/>
+      </a:lnRef>
+      <a:fillRef idx="1">
+        <a:scrgbClr r="0" g="0" b="0"/>
+      </a:fillRef>
+      <a:effectRef idx="2">
+        <a:scrgbClr r="0" g="0" b="0"/>
+      </a:effectRef>
+      <a:fontRef idx="minor"/>
+    </dgm:style>
+  </dgm:styleLbl>
+  <dgm:styleLbl name="fgAcc2">
+    <dgm:scene3d>
+      <a:camera prst="orthographicFront"/>
+      <a:lightRig rig="threePt" dir="t">
+        <a:rot lat="0" lon="0" rev="7500000"/>
+      </a:lightRig>
+    </dgm:scene3d>
+    <dgm:sp3d z="152400" extrusionH="63500" prstMaterial="dkEdge">
+      <a:bevelT w="125400" h="36350" prst="relaxedInset"/>
+      <a:contourClr>
+        <a:schemeClr val="bg1"/>
+      </a:contourClr>
+    </dgm:sp3d>
+    <dgm:txPr/>
+    <dgm:style>
+      <a:lnRef idx="1">
+        <a:scrgbClr r="0" g="0" b="0"/>
+      </a:lnRef>
+      <a:fillRef idx="1">
+        <a:scrgbClr r="0" g="0" b="0"/>
+      </a:fillRef>
+      <a:effectRef idx="2">
+        <a:scrgbClr r="0" g="0" b="0"/>
+      </a:effectRef>
+      <a:fontRef idx="minor"/>
+    </dgm:style>
+  </dgm:styleLbl>
+  <dgm:styleLbl name="fgAcc3">
+    <dgm:scene3d>
+      <a:camera prst="orthographicFront"/>
+      <a:lightRig rig="threePt" dir="t">
+        <a:rot lat="0" lon="0" rev="7500000"/>
+      </a:lightRig>
+    </dgm:scene3d>
+    <dgm:sp3d z="152400" extrusionH="63500" prstMaterial="dkEdge">
+      <a:bevelT w="125400" h="36350" prst="relaxedInset"/>
+      <a:contourClr>
+        <a:schemeClr val="bg1"/>
+      </a:contourClr>
+    </dgm:sp3d>
+    <dgm:txPr/>
+    <dgm:style>
+      <a:lnRef idx="1">
+        <a:scrgbClr r="0" g="0" b="0"/>
+      </a:lnRef>
+      <a:fillRef idx="1">
+        <a:scrgbClr r="0" g="0" b="0"/>
+      </a:fillRef>
+      <a:effectRef idx="2">
+        <a:scrgbClr r="0" g="0" b="0"/>
+      </a:effectRef>
+      <a:fontRef idx="minor"/>
+    </dgm:style>
+  </dgm:styleLbl>
+  <dgm:styleLbl name="fgAcc4">
+    <dgm:scene3d>
+      <a:camera prst="orthographicFront"/>
+      <a:lightRig rig="threePt" dir="t">
+        <a:rot lat="0" lon="0" rev="7500000"/>
+      </a:lightRig>
+    </dgm:scene3d>
+    <dgm:sp3d z="152400" extrusionH="63500" prstMaterial="dkEdge">
+      <a:bevelT w="125400" h="36350" prst="relaxedInset"/>
+      <a:contourClr>
+        <a:schemeClr val="bg1"/>
+      </a:contourClr>
+    </dgm:sp3d>
+    <dgm:txPr/>
+    <dgm:style>
+      <a:lnRef idx="1">
+        <a:scrgbClr r="0" g="0" b="0"/>
+      </a:lnRef>
+      <a:fillRef idx="1">
+        <a:scrgbClr r="0" g="0" b="0"/>
+      </a:fillRef>
+      <a:effectRef idx="2">
+        <a:scrgbClr r="0" g="0" b="0"/>
+      </a:effectRef>
+      <a:fontRef idx="minor"/>
+    </dgm:style>
+  </dgm:styleLbl>
+  <dgm:styleLbl name="bgShp">
+    <dgm:scene3d>
+      <a:camera prst="orthographicFront"/>
+      <a:lightRig rig="threePt" dir="t">
+        <a:rot lat="0" lon="0" rev="7500000"/>
+      </a:lightRig>
+    </dgm:scene3d>
+    <dgm:sp3d z="-152400" extrusionH="63500" prstMaterial="matte">
+      <a:bevelT w="144450" h="6350" prst="relaxedInset"/>
+      <a:contourClr>
+        <a:schemeClr val="bg1"/>
+      </a:contourClr>
+    </dgm:sp3d>
+    <dgm:txPr/>
+    <dgm:style>
+      <a:lnRef idx="0">
+        <a:scrgbClr r="0" g="0" b="0"/>
+      </a:lnRef>
+      <a:fillRef idx="3">
+        <a:scrgbClr r="0" g="0" b="0"/>
+      </a:fillRef>
+      <a:effectRef idx="0">
+        <a:scrgbClr r="0" g="0" b="0"/>
+      </a:effectRef>
+      <a:fontRef idx="minor"/>
+    </dgm:style>
+  </dgm:styleLbl>
+  <dgm:styleLbl name="dkBgShp">
+    <dgm:scene3d>
+      <a:camera prst="orthographicFront"/>
+      <a:lightRig rig="threePt" dir="t">
+        <a:rot lat="0" lon="0" rev="7500000"/>
+      </a:lightRig>
+    </dgm:scene3d>
+    <dgm:sp3d prstMaterial="plastic">
+      <a:bevelT w="127000" h="25400" prst="relaxedInset"/>
+      <a:bevelB w="88900" h="121750" prst="angle"/>
+    </dgm:sp3d>
+    <dgm:txPr/>
+    <dgm:style>
+      <a:lnRef idx="0">
+        <a:scrgbClr r="0" g="0" b="0"/>
+      </a:lnRef>
+      <a:fillRef idx="1">
+        <a:scrgbClr r="0" g="0" b="0"/>
+      </a:fillRef>
+      <a:effectRef idx="2">
+        <a:scrgbClr r="0" g="0" b="0"/>
+      </a:effectRef>
+      <a:fontRef idx="minor">
+        <a:schemeClr val="lt1"/>
+      </a:fontRef>
+    </dgm:style>
+  </dgm:styleLbl>
+  <dgm:styleLbl name="trBgShp">
+    <dgm:scene3d>
+      <a:camera prst="orthographicFront"/>
+      <a:lightRig rig="threePt" dir="t"/>
+    </dgm:scene3d>
+    <dgm:sp3d z="-152400" prstMaterial="matte"/>
+    <dgm:txPr/>
+    <dgm:style>
+      <a:lnRef idx="0">
+        <a:scrgbClr r="0" g="0" b="0"/>
+      </a:lnRef>
+      <a:fillRef idx="1">
+        <a:scrgbClr r="0" g="0" b="0"/>
+      </a:fillRef>
+      <a:effectRef idx="0">
+        <a:scrgbClr r="0" g="0" b="0"/>
+      </a:effectRef>
+      <a:fontRef idx="minor"/>
+    </dgm:style>
+  </dgm:styleLbl>
+  <dgm:styleLbl name="fgShp">
+    <dgm:scene3d>
+      <a:camera prst="orthographicFront"/>
+      <a:lightRig rig="threePt" dir="t">
+        <a:rot lat="0" lon="0" rev="7500000"/>
+      </a:lightRig>
+    </dgm:scene3d>
+    <dgm:sp3d z="152400" extrusionH="63500" prstMaterial="matte">
+      <a:bevelT w="50800" h="19050" prst="relaxedInset"/>
+      <a:contourClr>
+        <a:schemeClr val="bg1"/>
+      </a:contourClr>
+    </dgm:sp3d>
+    <dgm:txPr/>
+    <dgm:style>
+      <a:lnRef idx="0">
+        <a:scrgbClr r="0" g="0" b="0"/>
+      </a:lnRef>
+      <a:fillRef idx="1">
+        <a:scrgbClr r="0" g="0" b="0"/>
+      </a:fillRef>
+      <a:effectRef idx="2">
+        <a:scrgbClr r="0" g="0" b="0"/>
+      </a:effectRef>
+      <a:fontRef idx="minor">
+        <a:schemeClr val="lt1"/>
+      </a:fontRef>
+    </dgm:style>
+  </dgm:styleLbl>
+  <dgm:styleLbl name="revTx">
+    <dgm:scene3d>
+      <a:camera prst="orthographicFront"/>
+      <a:lightRig rig="threePt" dir="t"/>
+    </dgm:scene3d>
+    <dgm:sp3d/>
+    <dgm:txPr/>
+    <dgm:style>
+      <a:lnRef idx="0">
         <a:scrgbClr r="0" g="0" b="0"/>
       </a:lnRef>
       <a:fillRef idx="0">
@@ -10679,7 +14317,7 @@
           <a:p>
             <a:fld id="{4535B151-0A28-374D-985F-FE982786D66D}" type="datetimeFigureOut">
               <a:rPr lang="en-US" smtClean="0"/>
-              <a:t>5/2/15</a:t>
+              <a:t>5/4/15</a:t>
             </a:fld>
             <a:endParaRPr lang="en-US"/>
           </a:p>
@@ -12658,11 +16296,7 @@
           <a:p>
             <a:r>
               <a:rPr lang="en-US" dirty="0" smtClean="0"/>
-              <a:t>http://ptgmedia.pearsoncmg.com/images/art_humble_continuousdelivery/elementLinks/humble_fig01.</a:t>
-            </a:r>
-            <a:r>
-              <a:rPr lang="en-US" dirty="0" smtClean="0"/>
-              <a:t>jpg</a:t>
+              <a:t>http://ptgmedia.pearsoncmg.com/images/art_humble_continuousdelivery/elementLinks/humble_fig01.jpg</a:t>
             </a:r>
           </a:p>
           <a:p>
@@ -13583,6 +17217,218 @@
 </p:notes>
 </file>
 
+<file path=ppt/notesSlides/notesSlide28.xml><?xml version="1.0" encoding="utf-8"?>
+<p:notes xmlns:a="http://schemas.openxmlformats.org/drawingml/2006/main" xmlns:r="http://schemas.openxmlformats.org/officeDocument/2006/relationships" xmlns:p="http://schemas.openxmlformats.org/presentationml/2006/main">
+  <p:cSld>
+    <p:spTree>
+      <p:nvGrpSpPr>
+        <p:cNvPr id="1" name=""/>
+        <p:cNvGrpSpPr/>
+        <p:nvPr/>
+      </p:nvGrpSpPr>
+      <p:grpSpPr>
+        <a:xfrm>
+          <a:off x="0" y="0"/>
+          <a:ext cx="0" cy="0"/>
+          <a:chOff x="0" y="0"/>
+          <a:chExt cx="0" cy="0"/>
+        </a:xfrm>
+      </p:grpSpPr>
+      <p:sp>
+        <p:nvSpPr>
+          <p:cNvPr id="2" name="Slide Image Placeholder 1"/>
+          <p:cNvSpPr>
+            <a:spLocks noGrp="1" noRot="1" noChangeAspect="1"/>
+          </p:cNvSpPr>
+          <p:nvPr>
+            <p:ph type="sldImg"/>
+          </p:nvPr>
+        </p:nvSpPr>
+        <p:spPr/>
+      </p:sp>
+      <p:sp>
+        <p:nvSpPr>
+          <p:cNvPr id="3" name="Notes Placeholder 2"/>
+          <p:cNvSpPr>
+            <a:spLocks noGrp="1"/>
+          </p:cNvSpPr>
+          <p:nvPr>
+            <p:ph type="body" idx="1"/>
+          </p:nvPr>
+        </p:nvSpPr>
+        <p:spPr/>
+        <p:txBody>
+          <a:bodyPr/>
+          <a:lstStyle/>
+          <a:p>
+            <a:r>
+              <a:rPr lang="en-US" dirty="0" smtClean="0"/>
+              <a:t>Illustrate the iterative nature of the practices in a manner similar to a manufacturing plant – </a:t>
+            </a:r>
+          </a:p>
+          <a:p>
+            <a:r>
+              <a:rPr lang="en-US" dirty="0" smtClean="0"/>
+              <a:t>Emphasize culture/</a:t>
+            </a:r>
+            <a:r>
+              <a:rPr lang="en-US" baseline="0" dirty="0" smtClean="0"/>
+              <a:t>feedback loops and </a:t>
+            </a:r>
+            <a:r>
+              <a:rPr lang="en-US" baseline="0" dirty="0" smtClean="0"/>
+              <a:t>automation</a:t>
+            </a:r>
+          </a:p>
+          <a:p>
+            <a:r>
+              <a:rPr lang="en-US" baseline="0" dirty="0" smtClean="0"/>
+              <a:t>DevOps is not dependent on agile.</a:t>
+            </a:r>
+            <a:endParaRPr lang="en-US" dirty="0"/>
+          </a:p>
+        </p:txBody>
+      </p:sp>
+      <p:sp>
+        <p:nvSpPr>
+          <p:cNvPr id="4" name="Slide Number Placeholder 3"/>
+          <p:cNvSpPr>
+            <a:spLocks noGrp="1"/>
+          </p:cNvSpPr>
+          <p:nvPr>
+            <p:ph type="sldNum" sz="quarter" idx="10"/>
+          </p:nvPr>
+        </p:nvSpPr>
+        <p:spPr/>
+        <p:txBody>
+          <a:bodyPr/>
+          <a:lstStyle/>
+          <a:p>
+            <a:fld id="{94FE6B48-4C97-433B-A132-37D006EDD47F}" type="slidenum">
+              <a:rPr lang="en-US" smtClean="0"/>
+              <a:t>40</a:t>
+            </a:fld>
+            <a:endParaRPr lang="en-US" dirty="0"/>
+          </a:p>
+        </p:txBody>
+      </p:sp>
+    </p:spTree>
+    <p:extLst>
+      <p:ext uri="{BB962C8B-B14F-4D97-AF65-F5344CB8AC3E}">
+        <p14:creationId xmlns:p14="http://schemas.microsoft.com/office/powerpoint/2010/main" val="3611841792"/>
+      </p:ext>
+    </p:extLst>
+  </p:cSld>
+  <p:clrMapOvr>
+    <a:masterClrMapping/>
+  </p:clrMapOvr>
+</p:notes>
+</file>
+
+<file path=ppt/notesSlides/notesSlide29.xml><?xml version="1.0" encoding="utf-8"?>
+<p:notes xmlns:a="http://schemas.openxmlformats.org/drawingml/2006/main" xmlns:r="http://schemas.openxmlformats.org/officeDocument/2006/relationships" xmlns:p="http://schemas.openxmlformats.org/presentationml/2006/main">
+  <p:cSld>
+    <p:spTree>
+      <p:nvGrpSpPr>
+        <p:cNvPr id="1" name=""/>
+        <p:cNvGrpSpPr/>
+        <p:nvPr/>
+      </p:nvGrpSpPr>
+      <p:grpSpPr>
+        <a:xfrm>
+          <a:off x="0" y="0"/>
+          <a:ext cx="0" cy="0"/>
+          <a:chOff x="0" y="0"/>
+          <a:chExt cx="0" cy="0"/>
+        </a:xfrm>
+      </p:grpSpPr>
+      <p:sp>
+        <p:nvSpPr>
+          <p:cNvPr id="2" name="Slide Image Placeholder 1"/>
+          <p:cNvSpPr>
+            <a:spLocks noGrp="1" noRot="1" noChangeAspect="1"/>
+          </p:cNvSpPr>
+          <p:nvPr>
+            <p:ph type="sldImg"/>
+          </p:nvPr>
+        </p:nvSpPr>
+        <p:spPr/>
+      </p:sp>
+      <p:sp>
+        <p:nvSpPr>
+          <p:cNvPr id="3" name="Notes Placeholder 2"/>
+          <p:cNvSpPr>
+            <a:spLocks noGrp="1"/>
+          </p:cNvSpPr>
+          <p:nvPr>
+            <p:ph type="body" idx="1"/>
+          </p:nvPr>
+        </p:nvSpPr>
+        <p:spPr/>
+        <p:txBody>
+          <a:bodyPr/>
+          <a:lstStyle/>
+          <a:p>
+            <a:r>
+              <a:rPr lang="en-US" dirty="0" smtClean="0">
+                <a:latin typeface="Lucida Grande" charset="0"/>
+                <a:cs typeface="Lucida Grande" charset="0"/>
+                <a:sym typeface="Lucida Grande" charset="0"/>
+              </a:rPr>
+              <a:t>DevOps</a:t>
+            </a:r>
+            <a:r>
+              <a:rPr lang="en-US" baseline="0" dirty="0" smtClean="0">
+                <a:latin typeface="Lucida Grande" charset="0"/>
+                <a:cs typeface="Lucida Grande" charset="0"/>
+                <a:sym typeface="Lucida Grande" charset="0"/>
+              </a:rPr>
+              <a:t> -- </a:t>
+            </a:r>
+            <a:endParaRPr lang="en-US" dirty="0">
+              <a:latin typeface="Lucida Grande" charset="0"/>
+              <a:cs typeface="Lucida Grande" charset="0"/>
+              <a:sym typeface="Lucida Grande" charset="0"/>
+            </a:endParaRPr>
+          </a:p>
+        </p:txBody>
+      </p:sp>
+      <p:sp>
+        <p:nvSpPr>
+          <p:cNvPr id="4" name="Slide Number Placeholder 3"/>
+          <p:cNvSpPr>
+            <a:spLocks noGrp="1"/>
+          </p:cNvSpPr>
+          <p:nvPr>
+            <p:ph type="sldNum" sz="quarter" idx="10"/>
+          </p:nvPr>
+        </p:nvSpPr>
+        <p:spPr/>
+        <p:txBody>
+          <a:bodyPr/>
+          <a:lstStyle/>
+          <a:p>
+            <a:fld id="{94FE6B48-4C97-433B-A132-37D006EDD47F}" type="slidenum">
+              <a:rPr lang="en-US" smtClean="0"/>
+              <a:t>41</a:t>
+            </a:fld>
+            <a:endParaRPr lang="en-US" dirty="0"/>
+          </a:p>
+        </p:txBody>
+      </p:sp>
+    </p:spTree>
+    <p:extLst>
+      <p:ext uri="{BB962C8B-B14F-4D97-AF65-F5344CB8AC3E}">
+        <p14:creationId xmlns:p14="http://schemas.microsoft.com/office/powerpoint/2010/main" val="4124380054"/>
+      </p:ext>
+    </p:extLst>
+  </p:cSld>
+  <p:clrMapOvr>
+    <a:masterClrMapping/>
+  </p:clrMapOvr>
+</p:notes>
+</file>
+
 <file path=ppt/notesSlides/notesSlide3.xml><?xml version="1.0" encoding="utf-8"?>
 <p:notes xmlns:a="http://schemas.openxmlformats.org/drawingml/2006/main" xmlns:r="http://schemas.openxmlformats.org/officeDocument/2006/relationships" xmlns:p="http://schemas.openxmlformats.org/presentationml/2006/main">
   <p:cSld>
@@ -13706,6 +17552,318 @@
     <p:extLst>
       <p:ext uri="{BB962C8B-B14F-4D97-AF65-F5344CB8AC3E}">
         <p14:creationId xmlns:p14="http://schemas.microsoft.com/office/powerpoint/2010/main" val="4065932517"/>
+      </p:ext>
+    </p:extLst>
+  </p:cSld>
+  <p:clrMapOvr>
+    <a:masterClrMapping/>
+  </p:clrMapOvr>
+</p:notes>
+</file>
+
+<file path=ppt/notesSlides/notesSlide30.xml><?xml version="1.0" encoding="utf-8"?>
+<p:notes xmlns:a="http://schemas.openxmlformats.org/drawingml/2006/main" xmlns:r="http://schemas.openxmlformats.org/officeDocument/2006/relationships" xmlns:p="http://schemas.openxmlformats.org/presentationml/2006/main">
+  <p:cSld>
+    <p:spTree>
+      <p:nvGrpSpPr>
+        <p:cNvPr id="1" name=""/>
+        <p:cNvGrpSpPr/>
+        <p:nvPr/>
+      </p:nvGrpSpPr>
+      <p:grpSpPr>
+        <a:xfrm>
+          <a:off x="0" y="0"/>
+          <a:ext cx="0" cy="0"/>
+          <a:chOff x="0" y="0"/>
+          <a:chExt cx="0" cy="0"/>
+        </a:xfrm>
+      </p:grpSpPr>
+      <p:sp>
+        <p:nvSpPr>
+          <p:cNvPr id="2" name="Slide Image Placeholder 1"/>
+          <p:cNvSpPr>
+            <a:spLocks noGrp="1" noRot="1" noChangeAspect="1"/>
+          </p:cNvSpPr>
+          <p:nvPr>
+            <p:ph type="sldImg"/>
+          </p:nvPr>
+        </p:nvSpPr>
+        <p:spPr/>
+      </p:sp>
+      <p:sp>
+        <p:nvSpPr>
+          <p:cNvPr id="3" name="Notes Placeholder 2"/>
+          <p:cNvSpPr>
+            <a:spLocks noGrp="1"/>
+          </p:cNvSpPr>
+          <p:nvPr>
+            <p:ph type="body" idx="1"/>
+          </p:nvPr>
+        </p:nvSpPr>
+        <p:spPr/>
+        <p:txBody>
+          <a:bodyPr/>
+          <a:lstStyle/>
+          <a:p>
+            <a:endParaRPr lang="en-US" dirty="0"/>
+          </a:p>
+        </p:txBody>
+      </p:sp>
+      <p:sp>
+        <p:nvSpPr>
+          <p:cNvPr id="4" name="Slide Number Placeholder 3"/>
+          <p:cNvSpPr>
+            <a:spLocks noGrp="1"/>
+          </p:cNvSpPr>
+          <p:nvPr>
+            <p:ph type="sldNum" sz="quarter" idx="10"/>
+          </p:nvPr>
+        </p:nvSpPr>
+        <p:spPr/>
+        <p:txBody>
+          <a:bodyPr/>
+          <a:lstStyle/>
+          <a:p>
+            <a:fld id="{94FE6B48-4C97-433B-A132-37D006EDD47F}" type="slidenum">
+              <a:rPr lang="en-US" smtClean="0"/>
+              <a:t>44</a:t>
+            </a:fld>
+            <a:endParaRPr lang="en-US" dirty="0"/>
+          </a:p>
+        </p:txBody>
+      </p:sp>
+    </p:spTree>
+    <p:extLst>
+      <p:ext uri="{BB962C8B-B14F-4D97-AF65-F5344CB8AC3E}">
+        <p14:creationId xmlns:p14="http://schemas.microsoft.com/office/powerpoint/2010/main" val="2205209642"/>
+      </p:ext>
+    </p:extLst>
+  </p:cSld>
+  <p:clrMapOvr>
+    <a:masterClrMapping/>
+  </p:clrMapOvr>
+</p:notes>
+</file>
+
+<file path=ppt/notesSlides/notesSlide31.xml><?xml version="1.0" encoding="utf-8"?>
+<p:notes xmlns:a="http://schemas.openxmlformats.org/drawingml/2006/main" xmlns:r="http://schemas.openxmlformats.org/officeDocument/2006/relationships" xmlns:p="http://schemas.openxmlformats.org/presentationml/2006/main">
+  <p:cSld>
+    <p:spTree>
+      <p:nvGrpSpPr>
+        <p:cNvPr id="1" name=""/>
+        <p:cNvGrpSpPr/>
+        <p:nvPr/>
+      </p:nvGrpSpPr>
+      <p:grpSpPr>
+        <a:xfrm>
+          <a:off x="0" y="0"/>
+          <a:ext cx="0" cy="0"/>
+          <a:chOff x="0" y="0"/>
+          <a:chExt cx="0" cy="0"/>
+        </a:xfrm>
+      </p:grpSpPr>
+      <p:sp>
+        <p:nvSpPr>
+          <p:cNvPr id="2" name="Slide Image Placeholder 1"/>
+          <p:cNvSpPr>
+            <a:spLocks noGrp="1" noRot="1" noChangeAspect="1"/>
+          </p:cNvSpPr>
+          <p:nvPr>
+            <p:ph type="sldImg"/>
+          </p:nvPr>
+        </p:nvSpPr>
+        <p:spPr/>
+      </p:sp>
+      <p:sp>
+        <p:nvSpPr>
+          <p:cNvPr id="3" name="Notes Placeholder 2"/>
+          <p:cNvSpPr>
+            <a:spLocks noGrp="1"/>
+          </p:cNvSpPr>
+          <p:nvPr>
+            <p:ph type="body" idx="1"/>
+          </p:nvPr>
+        </p:nvSpPr>
+        <p:spPr/>
+        <p:txBody>
+          <a:bodyPr/>
+          <a:lstStyle/>
+          <a:p>
+            <a:r>
+              <a:rPr lang="en-US" dirty="0" smtClean="0"/>
+              <a:t>Operations</a:t>
+            </a:r>
+            <a:r>
+              <a:rPr lang="en-US" baseline="0" dirty="0" smtClean="0"/>
+              <a:t> as a Service – Operations Engineering</a:t>
+            </a:r>
+          </a:p>
+          <a:p>
+            <a:r>
+              <a:rPr lang="en-US" baseline="0" dirty="0" smtClean="0"/>
+              <a:t>Process, tools and systems</a:t>
+            </a:r>
+          </a:p>
+          <a:p>
+            <a:r>
+              <a:rPr lang="en-US" baseline="0" dirty="0" smtClean="0"/>
+              <a:t>Service provider mindset</a:t>
+            </a:r>
+          </a:p>
+          <a:p>
+            <a:endParaRPr lang="en-US" baseline="0" dirty="0" smtClean="0"/>
+          </a:p>
+          <a:p>
+            <a:r>
+              <a:rPr lang="en-US" dirty="0" smtClean="0"/>
+              <a:t>Can your developers easily create a development sandbox that closely matches the production environment, even when physical resources are constrained?</a:t>
+            </a:r>
+          </a:p>
+          <a:p>
+            <a:r>
+              <a:rPr lang="en-US" dirty="0" smtClean="0"/>
+              <a:t>Does your organization structure support cross-functional teams that put more emphasis on getting quality software out the door than individuals’ roles?</a:t>
+            </a:r>
+          </a:p>
+          <a:p>
+            <a:r>
+              <a:rPr lang="en-US" dirty="0" smtClean="0"/>
+              <a:t>Can your team provide overall visibility into your application release activities and timing to all major stakeholders?</a:t>
+            </a:r>
+          </a:p>
+          <a:p>
+            <a:r>
+              <a:rPr lang="en-US" dirty="0" smtClean="0"/>
+              <a:t>Have you consolidated the tools required to monitor network, systems, database and other areas to reduce complexity and speed time to market? </a:t>
+            </a:r>
+          </a:p>
+          <a:p>
+            <a:endParaRPr lang="en-US" dirty="0" smtClean="0"/>
+          </a:p>
+          <a:p>
+            <a:endParaRPr lang="en-US" dirty="0"/>
+          </a:p>
+        </p:txBody>
+      </p:sp>
+      <p:sp>
+        <p:nvSpPr>
+          <p:cNvPr id="4" name="Slide Number Placeholder 3"/>
+          <p:cNvSpPr>
+            <a:spLocks noGrp="1"/>
+          </p:cNvSpPr>
+          <p:nvPr>
+            <p:ph type="sldNum" sz="quarter" idx="10"/>
+          </p:nvPr>
+        </p:nvSpPr>
+        <p:spPr/>
+        <p:txBody>
+          <a:bodyPr/>
+          <a:lstStyle/>
+          <a:p>
+            <a:fld id="{94FE6B48-4C97-433B-A132-37D006EDD47F}" type="slidenum">
+              <a:rPr lang="en-US" smtClean="0"/>
+              <a:t>47</a:t>
+            </a:fld>
+            <a:endParaRPr lang="en-US" dirty="0"/>
+          </a:p>
+        </p:txBody>
+      </p:sp>
+    </p:spTree>
+    <p:extLst>
+      <p:ext uri="{BB962C8B-B14F-4D97-AF65-F5344CB8AC3E}">
+        <p14:creationId xmlns:p14="http://schemas.microsoft.com/office/powerpoint/2010/main" val="2354877676"/>
+      </p:ext>
+    </p:extLst>
+  </p:cSld>
+  <p:clrMapOvr>
+    <a:masterClrMapping/>
+  </p:clrMapOvr>
+</p:notes>
+</file>
+
+<file path=ppt/notesSlides/notesSlide32.xml><?xml version="1.0" encoding="utf-8"?>
+<p:notes xmlns:a="http://schemas.openxmlformats.org/drawingml/2006/main" xmlns:r="http://schemas.openxmlformats.org/officeDocument/2006/relationships" xmlns:p="http://schemas.openxmlformats.org/presentationml/2006/main">
+  <p:cSld>
+    <p:spTree>
+      <p:nvGrpSpPr>
+        <p:cNvPr id="1" name=""/>
+        <p:cNvGrpSpPr/>
+        <p:nvPr/>
+      </p:nvGrpSpPr>
+      <p:grpSpPr>
+        <a:xfrm>
+          <a:off x="0" y="0"/>
+          <a:ext cx="0" cy="0"/>
+          <a:chOff x="0" y="0"/>
+          <a:chExt cx="0" cy="0"/>
+        </a:xfrm>
+      </p:grpSpPr>
+      <p:sp>
+        <p:nvSpPr>
+          <p:cNvPr id="2" name="Slide Image Placeholder 1"/>
+          <p:cNvSpPr>
+            <a:spLocks noGrp="1" noRot="1" noChangeAspect="1"/>
+          </p:cNvSpPr>
+          <p:nvPr>
+            <p:ph type="sldImg"/>
+          </p:nvPr>
+        </p:nvSpPr>
+        <p:spPr/>
+      </p:sp>
+      <p:sp>
+        <p:nvSpPr>
+          <p:cNvPr id="3" name="Notes Placeholder 2"/>
+          <p:cNvSpPr>
+            <a:spLocks noGrp="1"/>
+          </p:cNvSpPr>
+          <p:nvPr>
+            <p:ph type="body" idx="1"/>
+          </p:nvPr>
+        </p:nvSpPr>
+        <p:spPr/>
+        <p:txBody>
+          <a:bodyPr/>
+          <a:lstStyle/>
+          <a:p>
+            <a:r>
+              <a:rPr lang="en-US" dirty="0" smtClean="0"/>
+              <a:t>1 – DevOps does replace agile – logical continuation</a:t>
+            </a:r>
+            <a:r>
+              <a:rPr lang="en-US" baseline="0" dirty="0" smtClean="0"/>
+              <a:t> of Agile</a:t>
+            </a:r>
+            <a:endParaRPr lang="en-US" dirty="0"/>
+          </a:p>
+        </p:txBody>
+      </p:sp>
+      <p:sp>
+        <p:nvSpPr>
+          <p:cNvPr id="4" name="Slide Number Placeholder 3"/>
+          <p:cNvSpPr>
+            <a:spLocks noGrp="1"/>
+          </p:cNvSpPr>
+          <p:nvPr>
+            <p:ph type="sldNum" sz="quarter" idx="10"/>
+          </p:nvPr>
+        </p:nvSpPr>
+        <p:spPr/>
+        <p:txBody>
+          <a:bodyPr/>
+          <a:lstStyle/>
+          <a:p>
+            <a:fld id="{543AF3E1-0682-5643-ACAF-5F020275E910}" type="slidenum">
+              <a:rPr lang="en-US" smtClean="0"/>
+              <a:t>48</a:t>
+            </a:fld>
+            <a:endParaRPr lang="en-US"/>
+          </a:p>
+        </p:txBody>
+      </p:sp>
+    </p:spTree>
+    <p:extLst>
+      <p:ext uri="{BB962C8B-B14F-4D97-AF65-F5344CB8AC3E}">
+        <p14:creationId xmlns:p14="http://schemas.microsoft.com/office/powerpoint/2010/main" val="3620188740"/>
       </p:ext>
     </p:extLst>
   </p:cSld>
@@ -14509,7 +18667,7 @@
           <a:p>
             <a:fld id="{DC8E776A-D78E-224D-84E2-AC6663C44243}" type="datetimeFigureOut">
               <a:rPr lang="en-US" smtClean="0"/>
-              <a:t>5/2/15</a:t>
+              <a:t>5/4/15</a:t>
             </a:fld>
             <a:endParaRPr lang="en-US"/>
           </a:p>
@@ -14679,7 +18837,7 @@
           <a:p>
             <a:fld id="{DC8E776A-D78E-224D-84E2-AC6663C44243}" type="datetimeFigureOut">
               <a:rPr lang="en-US" smtClean="0"/>
-              <a:t>5/2/15</a:t>
+              <a:t>5/4/15</a:t>
             </a:fld>
             <a:endParaRPr lang="en-US"/>
           </a:p>
@@ -14859,7 +19017,7 @@
           <a:p>
             <a:fld id="{DC8E776A-D78E-224D-84E2-AC6663C44243}" type="datetimeFigureOut">
               <a:rPr lang="en-US" smtClean="0"/>
-              <a:t>5/2/15</a:t>
+              <a:t>5/4/15</a:t>
             </a:fld>
             <a:endParaRPr lang="en-US"/>
           </a:p>
@@ -15221,7 +19379,7 @@
           <a:p>
             <a:fld id="{DC8E776A-D78E-224D-84E2-AC6663C44243}" type="datetimeFigureOut">
               <a:rPr lang="en-US" smtClean="0"/>
-              <a:t>5/2/15</a:t>
+              <a:t>5/4/15</a:t>
             </a:fld>
             <a:endParaRPr lang="en-US"/>
           </a:p>
@@ -15467,7 +19625,7 @@
           <a:p>
             <a:fld id="{DC8E776A-D78E-224D-84E2-AC6663C44243}" type="datetimeFigureOut">
               <a:rPr lang="en-US" smtClean="0"/>
-              <a:t>5/2/15</a:t>
+              <a:t>5/4/15</a:t>
             </a:fld>
             <a:endParaRPr lang="en-US"/>
           </a:p>
@@ -15755,7 +19913,7 @@
           <a:p>
             <a:fld id="{DC8E776A-D78E-224D-84E2-AC6663C44243}" type="datetimeFigureOut">
               <a:rPr lang="en-US" smtClean="0"/>
-              <a:t>5/2/15</a:t>
+              <a:t>5/4/15</a:t>
             </a:fld>
             <a:endParaRPr lang="en-US"/>
           </a:p>
@@ -16177,7 +20335,7 @@
           <a:p>
             <a:fld id="{DC8E776A-D78E-224D-84E2-AC6663C44243}" type="datetimeFigureOut">
               <a:rPr lang="en-US" smtClean="0"/>
-              <a:t>5/2/15</a:t>
+              <a:t>5/4/15</a:t>
             </a:fld>
             <a:endParaRPr lang="en-US"/>
           </a:p>
@@ -16295,7 +20453,7 @@
           <a:p>
             <a:fld id="{DC8E776A-D78E-224D-84E2-AC6663C44243}" type="datetimeFigureOut">
               <a:rPr lang="en-US" smtClean="0"/>
-              <a:t>5/2/15</a:t>
+              <a:t>5/4/15</a:t>
             </a:fld>
             <a:endParaRPr lang="en-US"/>
           </a:p>
@@ -16390,7 +20548,7 @@
           <a:p>
             <a:fld id="{DC8E776A-D78E-224D-84E2-AC6663C44243}" type="datetimeFigureOut">
               <a:rPr lang="en-US" smtClean="0"/>
-              <a:t>5/2/15</a:t>
+              <a:t>5/4/15</a:t>
             </a:fld>
             <a:endParaRPr lang="en-US"/>
           </a:p>
@@ -16667,7 +20825,7 @@
           <a:p>
             <a:fld id="{DC8E776A-D78E-224D-84E2-AC6663C44243}" type="datetimeFigureOut">
               <a:rPr lang="en-US" smtClean="0"/>
-              <a:t>5/2/15</a:t>
+              <a:t>5/4/15</a:t>
             </a:fld>
             <a:endParaRPr lang="en-US"/>
           </a:p>
@@ -16920,7 +21078,7 @@
           <a:p>
             <a:fld id="{DC8E776A-D78E-224D-84E2-AC6663C44243}" type="datetimeFigureOut">
               <a:rPr lang="en-US" smtClean="0"/>
-              <a:t>5/2/15</a:t>
+              <a:t>5/4/15</a:t>
             </a:fld>
             <a:endParaRPr lang="en-US"/>
           </a:p>
@@ -17133,7 +21291,7 @@
           <a:p>
             <a:fld id="{DC8E776A-D78E-224D-84E2-AC6663C44243}" type="datetimeFigureOut">
               <a:rPr lang="en-US" smtClean="0"/>
-              <a:t>5/2/15</a:t>
+              <a:t>5/4/15</a:t>
             </a:fld>
             <a:endParaRPr lang="en-US"/>
           </a:p>
@@ -21380,7 +25538,7 @@
     <mc:Choice Requires="p14">
       <p:transition spd="slow" p14:dur="2000"/>
     </mc:Choice>
-    <mc:Fallback xmlns:mv="urn:schemas-microsoft-com:mac:vml" xmlns="">
+    <mc:Fallback xmlns="" xmlns:mv="urn:schemas-microsoft-com:mac:vml">
       <p:transition spd="slow"/>
     </mc:Fallback>
   </mc:AlternateContent>
@@ -26461,11 +30619,7 @@
           <a:p>
             <a:r>
               <a:rPr lang="en-US" dirty="0" smtClean="0"/>
-              <a:t>Agile </a:t>
-            </a:r>
-            <a:r>
-              <a:rPr lang="en-US" dirty="0" smtClean="0"/>
-              <a:t>Test Quadrants</a:t>
+              <a:t>Agile Test Quadrants</a:t>
             </a:r>
             <a:endParaRPr lang="en-US" dirty="0"/>
           </a:p>
@@ -28653,7 +32807,6 @@
                 <a:rPr lang="en-US" dirty="0" smtClean="0"/>
                 <a:t>, etc.</a:t>
               </a:r>
-              <a:endParaRPr lang="en-US" dirty="0" smtClean="0"/>
             </a:p>
           </p:txBody>
         </p:sp>
@@ -29656,11 +33809,7 @@
                 </a:pPr>
                 <a:r>
                   <a:rPr lang="en-US" sz="2000" kern="1200" baseline="0" dirty="0" smtClean="0"/>
-                  <a:t>Unit </a:t>
-                </a:r>
-                <a:r>
-                  <a:rPr lang="en-US" sz="2000" kern="1200" baseline="0" dirty="0" smtClean="0"/>
-                  <a:t>Tests</a:t>
+                  <a:t>Unit Tests</a:t>
                 </a:r>
               </a:p>
               <a:p>
@@ -29697,7 +33846,6 @@
                   <a:rPr lang="en-US" sz="2000" kern="1200" baseline="0" dirty="0" smtClean="0"/>
                   <a:t>Code Analysis</a:t>
                 </a:r>
-                <a:endParaRPr lang="en-US" sz="2000" kern="1200" baseline="0" dirty="0" smtClean="0"/>
               </a:p>
               <a:p>
                 <a:pPr lvl="0" algn="ctr" defTabSz="889000">
@@ -31543,11 +35691,7 @@
             </a:pPr>
             <a:r>
               <a:rPr lang="en-US" sz="2800" dirty="0" smtClean="0"/>
-              <a:t>Ability </a:t>
-            </a:r>
-            <a:r>
-              <a:rPr lang="en-US" sz="2800" dirty="0" smtClean="0"/>
-              <a:t>to react quickly to change</a:t>
+              <a:t>Ability to react quickly to change</a:t>
             </a:r>
           </a:p>
           <a:p>
@@ -31558,11 +35702,7 @@
             </a:pPr>
             <a:r>
               <a:rPr lang="en-US" sz="2800" dirty="0" smtClean="0"/>
-              <a:t>Save </a:t>
-            </a:r>
-            <a:r>
-              <a:rPr lang="en-US" sz="2800" dirty="0" smtClean="0"/>
-              <a:t>money and time</a:t>
+              <a:t>Save money and time</a:t>
             </a:r>
           </a:p>
           <a:p>
@@ -31869,6 +36009,2607 @@
 </p:sld>
 </file>
 
+<file path=ppt/slides/slide40.xml><?xml version="1.0" encoding="utf-8"?>
+<p:sld xmlns:a="http://schemas.openxmlformats.org/drawingml/2006/main" xmlns:r="http://schemas.openxmlformats.org/officeDocument/2006/relationships" xmlns:p="http://schemas.openxmlformats.org/presentationml/2006/main">
+  <p:cSld>
+    <p:spTree>
+      <p:nvGrpSpPr>
+        <p:cNvPr id="1" name=""/>
+        <p:cNvGrpSpPr/>
+        <p:nvPr/>
+      </p:nvGrpSpPr>
+      <p:grpSpPr>
+        <a:xfrm>
+          <a:off x="0" y="0"/>
+          <a:ext cx="0" cy="0"/>
+          <a:chOff x="0" y="0"/>
+          <a:chExt cx="0" cy="0"/>
+        </a:xfrm>
+      </p:grpSpPr>
+      <p:sp>
+        <p:nvSpPr>
+          <p:cNvPr id="2" name="Title 1"/>
+          <p:cNvSpPr>
+            <a:spLocks noGrp="1"/>
+          </p:cNvSpPr>
+          <p:nvPr>
+            <p:ph type="title"/>
+          </p:nvPr>
+        </p:nvSpPr>
+        <p:spPr>
+          <a:xfrm>
+            <a:off x="457200" y="0"/>
+            <a:ext cx="8229600" cy="646331"/>
+          </a:xfrm>
+        </p:spPr>
+        <p:txBody>
+          <a:bodyPr>
+            <a:normAutofit fontScale="90000"/>
+          </a:bodyPr>
+          <a:lstStyle/>
+          <a:p>
+            <a:r>
+              <a:rPr lang="en-US" dirty="0" smtClean="0"/>
+              <a:t>Exploring The Third Way</a:t>
+            </a:r>
+            <a:endParaRPr lang="en-US" dirty="0"/>
+          </a:p>
+        </p:txBody>
+      </p:sp>
+      <p:graphicFrame>
+        <p:nvGraphicFramePr>
+          <p:cNvPr id="22" name="Diagram 21"/>
+          <p:cNvGraphicFramePr/>
+          <p:nvPr>
+            <p:extLst>
+              <p:ext uri="{D42A27DB-BD31-4B8C-83A1-F6EECF244321}">
+                <p14:modId xmlns:p14="http://schemas.microsoft.com/office/powerpoint/2010/main" val="986471609"/>
+              </p:ext>
+            </p:extLst>
+          </p:nvPr>
+        </p:nvGraphicFramePr>
+        <p:xfrm>
+          <a:off x="760127" y="2442917"/>
+          <a:ext cx="8212667" cy="4261556"/>
+        </p:xfrm>
+        <a:graphic>
+          <a:graphicData uri="http://schemas.openxmlformats.org/drawingml/2006/diagram">
+            <dgm:relIds xmlns:dgm="http://schemas.openxmlformats.org/drawingml/2006/diagram" xmlns:r="http://schemas.openxmlformats.org/officeDocument/2006/relationships" r:dm="rId3" r:lo="rId4" r:qs="rId5" r:cs="rId6"/>
+          </a:graphicData>
+        </a:graphic>
+      </p:graphicFrame>
+      <p:sp>
+        <p:nvSpPr>
+          <p:cNvPr id="39" name="Explosion 2 38"/>
+          <p:cNvSpPr/>
+          <p:nvPr/>
+        </p:nvSpPr>
+        <p:spPr>
+          <a:xfrm>
+            <a:off x="0" y="3508286"/>
+            <a:ext cx="1237899" cy="2033626"/>
+          </a:xfrm>
+          <a:prstGeom prst="irregularSeal2">
+            <a:avLst/>
+          </a:prstGeom>
+        </p:spPr>
+        <p:style>
+          <a:lnRef idx="1">
+            <a:schemeClr val="accent1"/>
+          </a:lnRef>
+          <a:fillRef idx="3">
+            <a:schemeClr val="accent1"/>
+          </a:fillRef>
+          <a:effectRef idx="2">
+            <a:schemeClr val="accent1"/>
+          </a:effectRef>
+          <a:fontRef idx="minor">
+            <a:schemeClr val="lt1"/>
+          </a:fontRef>
+        </p:style>
+        <p:txBody>
+          <a:bodyPr rtlCol="0" anchor="ctr"/>
+          <a:lstStyle/>
+          <a:p>
+            <a:pPr algn="ctr"/>
+            <a:endParaRPr lang="en-US" dirty="0"/>
+          </a:p>
+        </p:txBody>
+      </p:sp>
+      <p:grpSp>
+        <p:nvGrpSpPr>
+          <p:cNvPr id="4" name="Group 3" descr="A graphic that starts with &quot;idea, innovation, feature, fix&quot; on the left.  Then design, code, build, test, release, deploy, operate as a row of boxes.  Then an arrow, labeled feedback/continuous improvement, that points back from operate to design.  Above this is a line labeled &quot;DevOps&quot; that stretches from design to operate. Below this is a line labeled &quot;continuous delivery&quot; that stretches from design to deploy.  Below this line is another line labeled &quot;continuous integration&quot; that stretches from design to release.  Below this is a fourth line labeled &quot;agile development&quot; that stretches from design to build." title="CI/CD to DevOps graphic"/>
+          <p:cNvGrpSpPr/>
+          <p:nvPr/>
+        </p:nvGrpSpPr>
+        <p:grpSpPr>
+          <a:xfrm>
+            <a:off x="83730" y="909411"/>
+            <a:ext cx="8889064" cy="5148986"/>
+            <a:chOff x="83730" y="909411"/>
+            <a:chExt cx="8889064" cy="5148986"/>
+          </a:xfrm>
+        </p:grpSpPr>
+        <p:sp>
+          <p:nvSpPr>
+            <p:cNvPr id="23" name="Curved Up Arrow 22"/>
+            <p:cNvSpPr/>
+            <p:nvPr/>
+          </p:nvSpPr>
+          <p:spPr>
+            <a:xfrm rot="10800000">
+              <a:off x="1447004" y="3787254"/>
+              <a:ext cx="871986" cy="523019"/>
+            </a:xfrm>
+            <a:prstGeom prst="curvedUpArrow">
+              <a:avLst/>
+            </a:prstGeom>
+          </p:spPr>
+          <p:style>
+            <a:lnRef idx="1">
+              <a:schemeClr val="accent1"/>
+            </a:lnRef>
+            <a:fillRef idx="3">
+              <a:schemeClr val="accent1"/>
+            </a:fillRef>
+            <a:effectRef idx="2">
+              <a:schemeClr val="accent1"/>
+            </a:effectRef>
+            <a:fontRef idx="minor">
+              <a:schemeClr val="lt1"/>
+            </a:fontRef>
+          </p:style>
+          <p:txBody>
+            <a:bodyPr rtlCol="0" anchor="ctr"/>
+            <a:lstStyle/>
+            <a:p>
+              <a:pPr algn="ctr"/>
+              <a:endParaRPr lang="en-US" dirty="0">
+                <a:solidFill>
+                  <a:schemeClr val="tx1"/>
+                </a:solidFill>
+              </a:endParaRPr>
+            </a:p>
+          </p:txBody>
+        </p:sp>
+        <p:sp>
+          <p:nvSpPr>
+            <p:cNvPr id="24" name="Curved Up Arrow 23"/>
+            <p:cNvSpPr/>
+            <p:nvPr/>
+          </p:nvSpPr>
+          <p:spPr>
+            <a:xfrm rot="10800000">
+              <a:off x="2509302" y="3787254"/>
+              <a:ext cx="871986" cy="523019"/>
+            </a:xfrm>
+            <a:prstGeom prst="curvedUpArrow">
+              <a:avLst/>
+            </a:prstGeom>
+          </p:spPr>
+          <p:style>
+            <a:lnRef idx="1">
+              <a:schemeClr val="accent1"/>
+            </a:lnRef>
+            <a:fillRef idx="3">
+              <a:schemeClr val="accent1"/>
+            </a:fillRef>
+            <a:effectRef idx="2">
+              <a:schemeClr val="accent1"/>
+            </a:effectRef>
+            <a:fontRef idx="minor">
+              <a:schemeClr val="lt1"/>
+            </a:fontRef>
+          </p:style>
+          <p:txBody>
+            <a:bodyPr rtlCol="0" anchor="ctr"/>
+            <a:lstStyle/>
+            <a:p>
+              <a:pPr algn="ctr"/>
+              <a:endParaRPr lang="en-US" dirty="0">
+                <a:solidFill>
+                  <a:schemeClr val="tx1"/>
+                </a:solidFill>
+              </a:endParaRPr>
+            </a:p>
+          </p:txBody>
+        </p:sp>
+        <p:sp>
+          <p:nvSpPr>
+            <p:cNvPr id="25" name="Curved Up Arrow 24"/>
+            <p:cNvSpPr/>
+            <p:nvPr/>
+          </p:nvSpPr>
+          <p:spPr>
+            <a:xfrm rot="10800000">
+              <a:off x="3703542" y="3787254"/>
+              <a:ext cx="871986" cy="523019"/>
+            </a:xfrm>
+            <a:prstGeom prst="curvedUpArrow">
+              <a:avLst/>
+            </a:prstGeom>
+          </p:spPr>
+          <p:style>
+            <a:lnRef idx="1">
+              <a:schemeClr val="accent1"/>
+            </a:lnRef>
+            <a:fillRef idx="3">
+              <a:schemeClr val="accent1"/>
+            </a:fillRef>
+            <a:effectRef idx="2">
+              <a:schemeClr val="accent1"/>
+            </a:effectRef>
+            <a:fontRef idx="minor">
+              <a:schemeClr val="lt1"/>
+            </a:fontRef>
+          </p:style>
+          <p:txBody>
+            <a:bodyPr rtlCol="0" anchor="ctr"/>
+            <a:lstStyle/>
+            <a:p>
+              <a:pPr algn="ctr"/>
+              <a:endParaRPr lang="en-US" dirty="0">
+                <a:solidFill>
+                  <a:schemeClr val="tx1"/>
+                </a:solidFill>
+              </a:endParaRPr>
+            </a:p>
+          </p:txBody>
+        </p:sp>
+        <p:sp>
+          <p:nvSpPr>
+            <p:cNvPr id="26" name="Curved Up Arrow 25"/>
+            <p:cNvSpPr/>
+            <p:nvPr/>
+          </p:nvSpPr>
+          <p:spPr>
+            <a:xfrm rot="10800000">
+              <a:off x="4907262" y="3805203"/>
+              <a:ext cx="871986" cy="523019"/>
+            </a:xfrm>
+            <a:prstGeom prst="curvedUpArrow">
+              <a:avLst/>
+            </a:prstGeom>
+          </p:spPr>
+          <p:style>
+            <a:lnRef idx="1">
+              <a:schemeClr val="accent1"/>
+            </a:lnRef>
+            <a:fillRef idx="3">
+              <a:schemeClr val="accent1"/>
+            </a:fillRef>
+            <a:effectRef idx="2">
+              <a:schemeClr val="accent1"/>
+            </a:effectRef>
+            <a:fontRef idx="minor">
+              <a:schemeClr val="lt1"/>
+            </a:fontRef>
+          </p:style>
+          <p:txBody>
+            <a:bodyPr rtlCol="0" anchor="ctr"/>
+            <a:lstStyle/>
+            <a:p>
+              <a:pPr algn="ctr"/>
+              <a:endParaRPr lang="en-US" dirty="0">
+                <a:solidFill>
+                  <a:schemeClr val="tx1"/>
+                </a:solidFill>
+              </a:endParaRPr>
+            </a:p>
+          </p:txBody>
+        </p:sp>
+        <p:sp>
+          <p:nvSpPr>
+            <p:cNvPr id="27" name="Curved Up Arrow 26"/>
+            <p:cNvSpPr/>
+            <p:nvPr/>
+          </p:nvSpPr>
+          <p:spPr>
+            <a:xfrm rot="10800000">
+              <a:off x="6006722" y="3805203"/>
+              <a:ext cx="871986" cy="523019"/>
+            </a:xfrm>
+            <a:prstGeom prst="curvedUpArrow">
+              <a:avLst/>
+            </a:prstGeom>
+          </p:spPr>
+          <p:style>
+            <a:lnRef idx="1">
+              <a:schemeClr val="accent1"/>
+            </a:lnRef>
+            <a:fillRef idx="3">
+              <a:schemeClr val="accent1"/>
+            </a:fillRef>
+            <a:effectRef idx="2">
+              <a:schemeClr val="accent1"/>
+            </a:effectRef>
+            <a:fontRef idx="minor">
+              <a:schemeClr val="lt1"/>
+            </a:fontRef>
+          </p:style>
+          <p:txBody>
+            <a:bodyPr rtlCol="0" anchor="ctr"/>
+            <a:lstStyle/>
+            <a:p>
+              <a:pPr algn="ctr"/>
+              <a:endParaRPr lang="en-US" dirty="0">
+                <a:solidFill>
+                  <a:schemeClr val="tx1"/>
+                </a:solidFill>
+              </a:endParaRPr>
+            </a:p>
+          </p:txBody>
+        </p:sp>
+        <p:sp>
+          <p:nvSpPr>
+            <p:cNvPr id="28" name="Curved Up Arrow 27"/>
+            <p:cNvSpPr/>
+            <p:nvPr/>
+          </p:nvSpPr>
+          <p:spPr>
+            <a:xfrm rot="10800000">
+              <a:off x="7096703" y="3805204"/>
+              <a:ext cx="871986" cy="523019"/>
+            </a:xfrm>
+            <a:prstGeom prst="curvedUpArrow">
+              <a:avLst/>
+            </a:prstGeom>
+          </p:spPr>
+          <p:style>
+            <a:lnRef idx="1">
+              <a:schemeClr val="accent1"/>
+            </a:lnRef>
+            <a:fillRef idx="3">
+              <a:schemeClr val="accent1"/>
+            </a:fillRef>
+            <a:effectRef idx="2">
+              <a:schemeClr val="accent1"/>
+            </a:effectRef>
+            <a:fontRef idx="minor">
+              <a:schemeClr val="lt1"/>
+            </a:fontRef>
+          </p:style>
+          <p:txBody>
+            <a:bodyPr rtlCol="0" anchor="ctr"/>
+            <a:lstStyle/>
+            <a:p>
+              <a:pPr algn="ctr"/>
+              <a:endParaRPr lang="en-US" dirty="0">
+                <a:solidFill>
+                  <a:schemeClr val="tx1"/>
+                </a:solidFill>
+              </a:endParaRPr>
+            </a:p>
+          </p:txBody>
+        </p:sp>
+        <p:cxnSp>
+          <p:nvCxnSpPr>
+            <p:cNvPr id="29" name="Straight Arrow Connector 28"/>
+            <p:cNvCxnSpPr/>
+            <p:nvPr/>
+          </p:nvCxnSpPr>
+          <p:spPr>
+            <a:xfrm>
+              <a:off x="760127" y="3382672"/>
+              <a:ext cx="2943414" cy="0"/>
+            </a:xfrm>
+            <a:prstGeom prst="straightConnector1">
+              <a:avLst/>
+            </a:prstGeom>
+            <a:ln>
+              <a:solidFill>
+                <a:schemeClr val="accent4">
+                  <a:lumMod val="60000"/>
+                  <a:lumOff val="40000"/>
+                </a:schemeClr>
+              </a:solidFill>
+              <a:headEnd type="arrow"/>
+              <a:tailEnd type="arrow"/>
+            </a:ln>
+            <a:effectLst>
+              <a:outerShdw blurRad="50800" dist="38100" dir="5400000" algn="t" rotWithShape="0">
+                <a:prstClr val="black">
+                  <a:alpha val="40000"/>
+                </a:prstClr>
+              </a:outerShdw>
+            </a:effectLst>
+          </p:spPr>
+          <p:style>
+            <a:lnRef idx="2">
+              <a:schemeClr val="accent1"/>
+            </a:lnRef>
+            <a:fillRef idx="0">
+              <a:schemeClr val="accent1"/>
+            </a:fillRef>
+            <a:effectRef idx="1">
+              <a:schemeClr val="accent1"/>
+            </a:effectRef>
+            <a:fontRef idx="minor">
+              <a:schemeClr val="tx1"/>
+            </a:fontRef>
+          </p:style>
+        </p:cxnSp>
+        <p:cxnSp>
+          <p:nvCxnSpPr>
+            <p:cNvPr id="30" name="Straight Arrow Connector 29"/>
+            <p:cNvCxnSpPr/>
+            <p:nvPr/>
+          </p:nvCxnSpPr>
+          <p:spPr>
+            <a:xfrm>
+              <a:off x="760127" y="2746659"/>
+              <a:ext cx="4462031" cy="0"/>
+            </a:xfrm>
+            <a:prstGeom prst="straightConnector1">
+              <a:avLst/>
+            </a:prstGeom>
+            <a:ln>
+              <a:solidFill>
+                <a:schemeClr val="accent4">
+                  <a:lumMod val="60000"/>
+                  <a:lumOff val="40000"/>
+                </a:schemeClr>
+              </a:solidFill>
+              <a:headEnd type="arrow"/>
+              <a:tailEnd type="arrow"/>
+            </a:ln>
+            <a:effectLst>
+              <a:outerShdw blurRad="50800" dist="38100" dir="5400000" algn="t" rotWithShape="0">
+                <a:prstClr val="black">
+                  <a:alpha val="40000"/>
+                </a:prstClr>
+              </a:outerShdw>
+            </a:effectLst>
+          </p:spPr>
+          <p:style>
+            <a:lnRef idx="2">
+              <a:schemeClr val="accent1"/>
+            </a:lnRef>
+            <a:fillRef idx="0">
+              <a:schemeClr val="accent1"/>
+            </a:fillRef>
+            <a:effectRef idx="1">
+              <a:schemeClr val="accent1"/>
+            </a:effectRef>
+            <a:fontRef idx="minor">
+              <a:schemeClr val="tx1"/>
+            </a:fontRef>
+          </p:style>
+        </p:cxnSp>
+        <p:cxnSp>
+          <p:nvCxnSpPr>
+            <p:cNvPr id="31" name="Straight Arrow Connector 30"/>
+            <p:cNvCxnSpPr/>
+            <p:nvPr/>
+          </p:nvCxnSpPr>
+          <p:spPr>
+            <a:xfrm>
+              <a:off x="760127" y="2001121"/>
+              <a:ext cx="5719291" cy="0"/>
+            </a:xfrm>
+            <a:prstGeom prst="straightConnector1">
+              <a:avLst/>
+            </a:prstGeom>
+            <a:ln>
+              <a:solidFill>
+                <a:schemeClr val="accent4">
+                  <a:lumMod val="60000"/>
+                  <a:lumOff val="40000"/>
+                </a:schemeClr>
+              </a:solidFill>
+              <a:headEnd type="arrow"/>
+              <a:tailEnd type="arrow"/>
+            </a:ln>
+            <a:effectLst>
+              <a:outerShdw blurRad="50800" dist="38100" dir="5400000" algn="t" rotWithShape="0">
+                <a:prstClr val="black">
+                  <a:alpha val="40000"/>
+                </a:prstClr>
+              </a:outerShdw>
+            </a:effectLst>
+          </p:spPr>
+          <p:style>
+            <a:lnRef idx="2">
+              <a:schemeClr val="accent1"/>
+            </a:lnRef>
+            <a:fillRef idx="0">
+              <a:schemeClr val="accent1"/>
+            </a:fillRef>
+            <a:effectRef idx="1">
+              <a:schemeClr val="accent1"/>
+            </a:effectRef>
+            <a:fontRef idx="minor">
+              <a:schemeClr val="tx1"/>
+            </a:fontRef>
+          </p:style>
+        </p:cxnSp>
+        <p:cxnSp>
+          <p:nvCxnSpPr>
+            <p:cNvPr id="32" name="Straight Arrow Connector 31"/>
+            <p:cNvCxnSpPr/>
+            <p:nvPr/>
+          </p:nvCxnSpPr>
+          <p:spPr>
+            <a:xfrm>
+              <a:off x="760127" y="1345377"/>
+              <a:ext cx="8212667" cy="0"/>
+            </a:xfrm>
+            <a:prstGeom prst="straightConnector1">
+              <a:avLst/>
+            </a:prstGeom>
+            <a:ln w="44450">
+              <a:solidFill>
+                <a:srgbClr val="FF8000"/>
+              </a:solidFill>
+              <a:headEnd type="arrow"/>
+              <a:tailEnd type="arrow"/>
+            </a:ln>
+            <a:effectLst>
+              <a:outerShdw blurRad="50800" dist="38100" dir="5400000" algn="t" rotWithShape="0">
+                <a:srgbClr val="FF8000">
+                  <a:alpha val="40000"/>
+                </a:srgbClr>
+              </a:outerShdw>
+            </a:effectLst>
+          </p:spPr>
+          <p:style>
+            <a:lnRef idx="2">
+              <a:schemeClr val="accent1"/>
+            </a:lnRef>
+            <a:fillRef idx="0">
+              <a:schemeClr val="accent1"/>
+            </a:fillRef>
+            <a:effectRef idx="1">
+              <a:schemeClr val="accent1"/>
+            </a:effectRef>
+            <a:fontRef idx="minor">
+              <a:schemeClr val="tx1"/>
+            </a:fontRef>
+          </p:style>
+        </p:cxnSp>
+        <p:sp>
+          <p:nvSpPr>
+            <p:cNvPr id="33" name="TextBox 32"/>
+            <p:cNvSpPr txBox="1"/>
+            <p:nvPr/>
+          </p:nvSpPr>
+          <p:spPr>
+            <a:xfrm>
+              <a:off x="1103991" y="2932427"/>
+              <a:ext cx="1969672" cy="369332"/>
+            </a:xfrm>
+            <a:prstGeom prst="rect">
+              <a:avLst/>
+            </a:prstGeom>
+            <a:noFill/>
+          </p:spPr>
+          <p:txBody>
+            <a:bodyPr wrap="none" rtlCol="0">
+              <a:spAutoFit/>
+            </a:bodyPr>
+            <a:lstStyle/>
+            <a:p>
+              <a:r>
+                <a:rPr lang="en-US" dirty="0" smtClean="0"/>
+                <a:t>Agile Development</a:t>
+              </a:r>
+              <a:endParaRPr lang="en-US" dirty="0"/>
+            </a:p>
+          </p:txBody>
+        </p:sp>
+        <p:sp>
+          <p:nvSpPr>
+            <p:cNvPr id="34" name="TextBox 33"/>
+            <p:cNvSpPr txBox="1"/>
+            <p:nvPr/>
+          </p:nvSpPr>
+          <p:spPr>
+            <a:xfrm>
+              <a:off x="1103991" y="2279958"/>
+              <a:ext cx="2350298" cy="369332"/>
+            </a:xfrm>
+            <a:prstGeom prst="rect">
+              <a:avLst/>
+            </a:prstGeom>
+            <a:noFill/>
+          </p:spPr>
+          <p:txBody>
+            <a:bodyPr wrap="none" rtlCol="0">
+              <a:spAutoFit/>
+            </a:bodyPr>
+            <a:lstStyle/>
+            <a:p>
+              <a:r>
+                <a:rPr lang="en-US" dirty="0" smtClean="0"/>
+                <a:t>Continuous Integration</a:t>
+              </a:r>
+              <a:endParaRPr lang="en-US" dirty="0"/>
+            </a:p>
+          </p:txBody>
+        </p:sp>
+        <p:sp>
+          <p:nvSpPr>
+            <p:cNvPr id="35" name="TextBox 34"/>
+            <p:cNvSpPr txBox="1"/>
+            <p:nvPr/>
+          </p:nvSpPr>
+          <p:spPr>
+            <a:xfrm>
+              <a:off x="1103991" y="1508765"/>
+              <a:ext cx="2074268" cy="369332"/>
+            </a:xfrm>
+            <a:prstGeom prst="rect">
+              <a:avLst/>
+            </a:prstGeom>
+            <a:noFill/>
+          </p:spPr>
+          <p:txBody>
+            <a:bodyPr wrap="none" rtlCol="0">
+              <a:spAutoFit/>
+            </a:bodyPr>
+            <a:lstStyle/>
+            <a:p>
+              <a:r>
+                <a:rPr lang="en-US" dirty="0" smtClean="0"/>
+                <a:t>Continuous Delivery</a:t>
+              </a:r>
+              <a:endParaRPr lang="en-US" dirty="0"/>
+            </a:p>
+          </p:txBody>
+        </p:sp>
+        <p:sp>
+          <p:nvSpPr>
+            <p:cNvPr id="36" name="TextBox 35"/>
+            <p:cNvSpPr txBox="1"/>
+            <p:nvPr/>
+          </p:nvSpPr>
+          <p:spPr>
+            <a:xfrm>
+              <a:off x="1256391" y="909411"/>
+              <a:ext cx="915635" cy="369332"/>
+            </a:xfrm>
+            <a:prstGeom prst="rect">
+              <a:avLst/>
+            </a:prstGeom>
+            <a:noFill/>
+          </p:spPr>
+          <p:txBody>
+            <a:bodyPr wrap="none" rtlCol="0">
+              <a:spAutoFit/>
+            </a:bodyPr>
+            <a:lstStyle/>
+            <a:p>
+              <a:r>
+                <a:rPr lang="en-US" dirty="0" smtClean="0"/>
+                <a:t>DevOps</a:t>
+              </a:r>
+              <a:endParaRPr lang="en-US" dirty="0"/>
+            </a:p>
+          </p:txBody>
+        </p:sp>
+        <p:sp>
+          <p:nvSpPr>
+            <p:cNvPr id="37" name="Curved Up Arrow 36"/>
+            <p:cNvSpPr/>
+            <p:nvPr/>
+          </p:nvSpPr>
+          <p:spPr>
+            <a:xfrm flipH="1">
+              <a:off x="1069889" y="4951438"/>
+              <a:ext cx="7686721" cy="590474"/>
+            </a:xfrm>
+            <a:prstGeom prst="curvedUpArrow">
+              <a:avLst>
+                <a:gd name="adj1" fmla="val 25000"/>
+                <a:gd name="adj2" fmla="val 66776"/>
+                <a:gd name="adj3" fmla="val 25000"/>
+              </a:avLst>
+            </a:prstGeom>
+          </p:spPr>
+          <p:style>
+            <a:lnRef idx="1">
+              <a:schemeClr val="accent1"/>
+            </a:lnRef>
+            <a:fillRef idx="3">
+              <a:schemeClr val="accent1"/>
+            </a:fillRef>
+            <a:effectRef idx="2">
+              <a:schemeClr val="accent1"/>
+            </a:effectRef>
+            <a:fontRef idx="minor">
+              <a:schemeClr val="lt1"/>
+            </a:fontRef>
+          </p:style>
+          <p:txBody>
+            <a:bodyPr rtlCol="0" anchor="ctr"/>
+            <a:lstStyle/>
+            <a:p>
+              <a:pPr algn="ctr"/>
+              <a:endParaRPr lang="en-US" dirty="0">
+                <a:solidFill>
+                  <a:schemeClr val="tx1"/>
+                </a:solidFill>
+              </a:endParaRPr>
+            </a:p>
+          </p:txBody>
+        </p:sp>
+        <p:sp>
+          <p:nvSpPr>
+            <p:cNvPr id="38" name="TextBox 37"/>
+            <p:cNvSpPr txBox="1"/>
+            <p:nvPr/>
+          </p:nvSpPr>
+          <p:spPr>
+            <a:xfrm>
+              <a:off x="4369212" y="5061584"/>
+              <a:ext cx="1076098" cy="369332"/>
+            </a:xfrm>
+            <a:prstGeom prst="rect">
+              <a:avLst/>
+            </a:prstGeom>
+            <a:noFill/>
+          </p:spPr>
+          <p:txBody>
+            <a:bodyPr wrap="none" rtlCol="0">
+              <a:spAutoFit/>
+            </a:bodyPr>
+            <a:lstStyle/>
+            <a:p>
+              <a:r>
+                <a:rPr lang="en-US" dirty="0" smtClean="0"/>
+                <a:t>Feedback</a:t>
+              </a:r>
+              <a:endParaRPr lang="en-US" dirty="0"/>
+            </a:p>
+          </p:txBody>
+        </p:sp>
+        <p:sp>
+          <p:nvSpPr>
+            <p:cNvPr id="40" name="TextBox 39"/>
+            <p:cNvSpPr txBox="1"/>
+            <p:nvPr/>
+          </p:nvSpPr>
+          <p:spPr>
+            <a:xfrm>
+              <a:off x="83730" y="4181876"/>
+              <a:ext cx="1070439" cy="954107"/>
+            </a:xfrm>
+            <a:prstGeom prst="rect">
+              <a:avLst/>
+            </a:prstGeom>
+            <a:noFill/>
+          </p:spPr>
+          <p:txBody>
+            <a:bodyPr wrap="square" rtlCol="0">
+              <a:spAutoFit/>
+            </a:bodyPr>
+            <a:lstStyle/>
+            <a:p>
+              <a:r>
+                <a:rPr lang="en-US" sz="1400" dirty="0" smtClean="0"/>
+                <a:t>Idea</a:t>
+              </a:r>
+            </a:p>
+            <a:p>
+              <a:r>
+                <a:rPr lang="en-US" sz="1400" dirty="0" smtClean="0"/>
+                <a:t>Innovation</a:t>
+              </a:r>
+            </a:p>
+            <a:p>
+              <a:r>
+                <a:rPr lang="en-US" sz="1400" dirty="0" smtClean="0"/>
+                <a:t>Feature</a:t>
+              </a:r>
+            </a:p>
+            <a:p>
+              <a:r>
+                <a:rPr lang="en-US" sz="1400" dirty="0" smtClean="0"/>
+                <a:t>Fix</a:t>
+              </a:r>
+              <a:endParaRPr lang="en-US" sz="1400" dirty="0"/>
+            </a:p>
+          </p:txBody>
+        </p:sp>
+        <p:sp>
+          <p:nvSpPr>
+            <p:cNvPr id="41" name="TextBox 40"/>
+            <p:cNvSpPr txBox="1"/>
+            <p:nvPr/>
+          </p:nvSpPr>
+          <p:spPr>
+            <a:xfrm>
+              <a:off x="3761870" y="5689065"/>
+              <a:ext cx="2595582" cy="369332"/>
+            </a:xfrm>
+            <a:prstGeom prst="rect">
+              <a:avLst/>
+            </a:prstGeom>
+            <a:noFill/>
+          </p:spPr>
+          <p:txBody>
+            <a:bodyPr wrap="none" rtlCol="0">
+              <a:spAutoFit/>
+            </a:bodyPr>
+            <a:lstStyle/>
+            <a:p>
+              <a:r>
+                <a:rPr lang="en-US" dirty="0" smtClean="0"/>
+                <a:t>Continuous Improvement</a:t>
+              </a:r>
+              <a:endParaRPr lang="en-US" dirty="0"/>
+            </a:p>
+          </p:txBody>
+        </p:sp>
+        <p:sp>
+          <p:nvSpPr>
+            <p:cNvPr id="3" name="Smiley Face 2"/>
+            <p:cNvSpPr/>
+            <p:nvPr/>
+          </p:nvSpPr>
+          <p:spPr>
+            <a:xfrm>
+              <a:off x="6566636" y="2473311"/>
+              <a:ext cx="1954953" cy="1002692"/>
+            </a:xfrm>
+            <a:prstGeom prst="smileyFace">
+              <a:avLst/>
+            </a:prstGeom>
+          </p:spPr>
+          <p:style>
+            <a:lnRef idx="1">
+              <a:schemeClr val="accent1"/>
+            </a:lnRef>
+            <a:fillRef idx="3">
+              <a:schemeClr val="accent1"/>
+            </a:fillRef>
+            <a:effectRef idx="2">
+              <a:schemeClr val="accent1"/>
+            </a:effectRef>
+            <a:fontRef idx="minor">
+              <a:schemeClr val="lt1"/>
+            </a:fontRef>
+          </p:style>
+          <p:txBody>
+            <a:bodyPr rtlCol="0" anchor="ctr"/>
+            <a:lstStyle/>
+            <a:p>
+              <a:pPr algn="ctr"/>
+              <a:r>
+                <a:rPr lang="en-US" dirty="0" smtClean="0"/>
+                <a:t>Collaborate</a:t>
+              </a:r>
+              <a:endParaRPr lang="en-US" dirty="0"/>
+            </a:p>
+          </p:txBody>
+        </p:sp>
+      </p:grpSp>
+      <p:sp>
+        <p:nvSpPr>
+          <p:cNvPr id="5" name="Slide Number Placeholder 4"/>
+          <p:cNvSpPr>
+            <a:spLocks noGrp="1"/>
+          </p:cNvSpPr>
+          <p:nvPr>
+            <p:ph type="sldNum" sz="quarter" idx="10"/>
+          </p:nvPr>
+        </p:nvSpPr>
+        <p:spPr/>
+        <p:txBody>
+          <a:bodyPr/>
+          <a:lstStyle/>
+          <a:p>
+            <a:pPr>
+              <a:defRPr/>
+            </a:pPr>
+            <a:fld id="{2D118A52-EDC5-42B9-AEFF-70EBA4319419}" type="slidenum">
+              <a:rPr lang="en-US" smtClean="0">
+                <a:solidFill>
+                  <a:srgbClr val="FFFFFF"/>
+                </a:solidFill>
+              </a:rPr>
+              <a:pPr>
+                <a:defRPr/>
+              </a:pPr>
+              <a:t>40</a:t>
+            </a:fld>
+            <a:endParaRPr lang="en-US" dirty="0">
+              <a:solidFill>
+                <a:srgbClr val="FFFFFF"/>
+              </a:solidFill>
+            </a:endParaRPr>
+          </a:p>
+        </p:txBody>
+      </p:sp>
+      <p:sp>
+        <p:nvSpPr>
+          <p:cNvPr id="6" name="TextBox 5"/>
+          <p:cNvSpPr txBox="1"/>
+          <p:nvPr/>
+        </p:nvSpPr>
+        <p:spPr>
+          <a:xfrm>
+            <a:off x="3780988" y="3160237"/>
+            <a:ext cx="698178" cy="369332"/>
+          </a:xfrm>
+          <a:prstGeom prst="rect">
+            <a:avLst/>
+          </a:prstGeom>
+          <a:noFill/>
+        </p:spPr>
+        <p:txBody>
+          <a:bodyPr wrap="none" rtlCol="0">
+            <a:spAutoFit/>
+          </a:bodyPr>
+          <a:lstStyle/>
+          <a:p>
+            <a:r>
+              <a:rPr lang="en-US" dirty="0" smtClean="0"/>
+              <a:t>2001 </a:t>
+            </a:r>
+            <a:endParaRPr lang="en-US" dirty="0"/>
+          </a:p>
+        </p:txBody>
+      </p:sp>
+      <p:sp>
+        <p:nvSpPr>
+          <p:cNvPr id="42" name="TextBox 41"/>
+          <p:cNvSpPr txBox="1"/>
+          <p:nvPr/>
+        </p:nvSpPr>
+        <p:spPr>
+          <a:xfrm>
+            <a:off x="5261063" y="2547831"/>
+            <a:ext cx="698178" cy="369332"/>
+          </a:xfrm>
+          <a:prstGeom prst="rect">
+            <a:avLst/>
+          </a:prstGeom>
+          <a:noFill/>
+        </p:spPr>
+        <p:txBody>
+          <a:bodyPr wrap="none" rtlCol="0">
+            <a:spAutoFit/>
+          </a:bodyPr>
+          <a:lstStyle/>
+          <a:p>
+            <a:r>
+              <a:rPr lang="en-US" dirty="0" smtClean="0"/>
+              <a:t>2001 </a:t>
+            </a:r>
+            <a:endParaRPr lang="en-US" dirty="0"/>
+          </a:p>
+        </p:txBody>
+      </p:sp>
+      <p:sp>
+        <p:nvSpPr>
+          <p:cNvPr id="43" name="TextBox 42"/>
+          <p:cNvSpPr txBox="1"/>
+          <p:nvPr/>
+        </p:nvSpPr>
+        <p:spPr>
+          <a:xfrm>
+            <a:off x="6539101" y="1791122"/>
+            <a:ext cx="698178" cy="369332"/>
+          </a:xfrm>
+          <a:prstGeom prst="rect">
+            <a:avLst/>
+          </a:prstGeom>
+          <a:noFill/>
+        </p:spPr>
+        <p:txBody>
+          <a:bodyPr wrap="none" rtlCol="0">
+            <a:spAutoFit/>
+          </a:bodyPr>
+          <a:lstStyle/>
+          <a:p>
+            <a:r>
+              <a:rPr lang="en-US" dirty="0" smtClean="0"/>
+              <a:t>2010 </a:t>
+            </a:r>
+            <a:endParaRPr lang="en-US" dirty="0"/>
+          </a:p>
+        </p:txBody>
+      </p:sp>
+      <p:sp>
+        <p:nvSpPr>
+          <p:cNvPr id="44" name="TextBox 43"/>
+          <p:cNvSpPr txBox="1"/>
+          <p:nvPr/>
+        </p:nvSpPr>
+        <p:spPr>
+          <a:xfrm>
+            <a:off x="8322231" y="1496182"/>
+            <a:ext cx="698178" cy="369332"/>
+          </a:xfrm>
+          <a:prstGeom prst="rect">
+            <a:avLst/>
+          </a:prstGeom>
+          <a:noFill/>
+        </p:spPr>
+        <p:txBody>
+          <a:bodyPr wrap="none" rtlCol="0">
+            <a:spAutoFit/>
+          </a:bodyPr>
+          <a:lstStyle/>
+          <a:p>
+            <a:r>
+              <a:rPr lang="en-US" dirty="0" smtClean="0"/>
+              <a:t>2012 </a:t>
+            </a:r>
+            <a:endParaRPr lang="en-US" dirty="0"/>
+          </a:p>
+        </p:txBody>
+      </p:sp>
+    </p:spTree>
+    <p:extLst>
+      <p:ext uri="{BB962C8B-B14F-4D97-AF65-F5344CB8AC3E}">
+        <p14:creationId xmlns:p14="http://schemas.microsoft.com/office/powerpoint/2010/main" val="1294171571"/>
+      </p:ext>
+    </p:extLst>
+  </p:cSld>
+  <p:clrMapOvr>
+    <a:masterClrMapping/>
+  </p:clrMapOvr>
+  <p:timing>
+    <p:tnLst>
+      <p:par>
+        <p:cTn xmlns:p14="http://schemas.microsoft.com/office/powerpoint/2010/main" id="1" dur="indefinite" restart="never" nodeType="tmRoot"/>
+      </p:par>
+    </p:tnLst>
+  </p:timing>
+</p:sld>
+</file>
+
+<file path=ppt/slides/slide41.xml><?xml version="1.0" encoding="utf-8"?>
+<p:sld xmlns:a="http://schemas.openxmlformats.org/drawingml/2006/main" xmlns:r="http://schemas.openxmlformats.org/officeDocument/2006/relationships" xmlns:p="http://schemas.openxmlformats.org/presentationml/2006/main">
+  <p:cSld>
+    <p:spTree>
+      <p:nvGrpSpPr>
+        <p:cNvPr id="1" name=""/>
+        <p:cNvGrpSpPr/>
+        <p:nvPr/>
+      </p:nvGrpSpPr>
+      <p:grpSpPr>
+        <a:xfrm>
+          <a:off x="0" y="0"/>
+          <a:ext cx="0" cy="0"/>
+          <a:chOff x="0" y="0"/>
+          <a:chExt cx="0" cy="0"/>
+        </a:xfrm>
+      </p:grpSpPr>
+      <p:sp>
+        <p:nvSpPr>
+          <p:cNvPr id="2" name="Title 1"/>
+          <p:cNvSpPr>
+            <a:spLocks noGrp="1"/>
+          </p:cNvSpPr>
+          <p:nvPr>
+            <p:ph type="title"/>
+          </p:nvPr>
+        </p:nvSpPr>
+        <p:spPr>
+          <a:xfrm>
+            <a:off x="457200" y="0"/>
+            <a:ext cx="8229600" cy="646331"/>
+          </a:xfrm>
+        </p:spPr>
+        <p:txBody>
+          <a:bodyPr>
+            <a:normAutofit fontScale="90000"/>
+          </a:bodyPr>
+          <a:lstStyle/>
+          <a:p>
+            <a:r>
+              <a:rPr lang="en-US" dirty="0" smtClean="0"/>
+              <a:t>DevOps</a:t>
+            </a:r>
+            <a:endParaRPr lang="en-US" dirty="0"/>
+          </a:p>
+        </p:txBody>
+      </p:sp>
+      <p:sp>
+        <p:nvSpPr>
+          <p:cNvPr id="4" name="Slide Number Placeholder 3"/>
+          <p:cNvSpPr>
+            <a:spLocks noGrp="1"/>
+          </p:cNvSpPr>
+          <p:nvPr>
+            <p:ph type="sldNum" sz="quarter" idx="10"/>
+          </p:nvPr>
+        </p:nvSpPr>
+        <p:spPr/>
+        <p:txBody>
+          <a:bodyPr/>
+          <a:lstStyle/>
+          <a:p>
+            <a:pPr>
+              <a:defRPr/>
+            </a:pPr>
+            <a:fld id="{2D118A52-EDC5-42B9-AEFF-70EBA4319419}" type="slidenum">
+              <a:rPr lang="en-US" smtClean="0">
+                <a:solidFill>
+                  <a:srgbClr val="FFFFFF"/>
+                </a:solidFill>
+              </a:rPr>
+              <a:pPr>
+                <a:defRPr/>
+              </a:pPr>
+              <a:t>41</a:t>
+            </a:fld>
+            <a:endParaRPr lang="en-US" dirty="0">
+              <a:solidFill>
+                <a:srgbClr val="FFFFFF"/>
+              </a:solidFill>
+            </a:endParaRPr>
+          </a:p>
+        </p:txBody>
+      </p:sp>
+      <p:sp>
+        <p:nvSpPr>
+          <p:cNvPr id="5" name="Rectangle 3"/>
+          <p:cNvSpPr txBox="1">
+            <a:spLocks noChangeArrowheads="1"/>
+          </p:cNvSpPr>
+          <p:nvPr/>
+        </p:nvSpPr>
+        <p:spPr bwMode="auto">
+          <a:xfrm>
+            <a:off x="0" y="695242"/>
+            <a:ext cx="8216900" cy="7099300"/>
+          </a:xfrm>
+          <a:prstGeom prst="rect">
+            <a:avLst/>
+          </a:prstGeom>
+          <a:noFill/>
+          <a:ln>
+            <a:noFill/>
+          </a:ln>
+          <a:effectLst/>
+          <a:extLst>
+            <a:ext uri="{909E8E84-426E-40dd-AFC4-6F175D3DCCD1}">
+              <a14:hiddenFill xmlns:a14="http://schemas.microsoft.com/office/drawing/2010/main">
+                <a:solidFill>
+                  <a:schemeClr val="accent1"/>
+                </a:solidFill>
+              </a14:hiddenFill>
+            </a:ext>
+            <a:ext uri="{91240B29-F687-4f45-9708-019B960494DF}">
+              <a14:hiddenLine xmlns:a14="http://schemas.microsoft.com/office/drawing/2010/main" w="9525">
+                <a:solidFill>
+                  <a:schemeClr val="tx1"/>
+                </a:solidFill>
+                <a:miter lim="800000"/>
+                <a:headEnd/>
+                <a:tailEnd/>
+              </a14:hiddenLine>
+            </a:ext>
+            <a:ext uri="{AF507438-7753-43e0-B8FC-AC1667EBCBE1}">
+              <a14:hiddenEffects xmlns:a14="http://schemas.microsoft.com/office/drawing/2010/main">
+                <a:effectLst>
+                  <a:outerShdw dist="35921" dir="2700000" algn="ctr" rotWithShape="0">
+                    <a:schemeClr val="bg2"/>
+                  </a:outerShdw>
+                </a:effectLst>
+              </a14:hiddenEffects>
+            </a:ext>
+          </a:extLst>
+        </p:spPr>
+        <p:txBody>
+          <a:bodyPr vert="horz" wrap="square" lIns="91440" tIns="45720" rIns="91440" bIns="45720" numCol="1" anchor="t" anchorCtr="0" compatLnSpc="1">
+            <a:prstTxWarp prst="textNoShape">
+              <a:avLst/>
+            </a:prstTxWarp>
+          </a:bodyPr>
+          <a:lstStyle>
+            <a:lvl1pPr marL="342900" indent="-342900" algn="l" rtl="0" eaLnBrk="0" fontAlgn="base" hangingPunct="0">
+              <a:spcBef>
+                <a:spcPct val="20000"/>
+              </a:spcBef>
+              <a:spcAft>
+                <a:spcPct val="0"/>
+              </a:spcAft>
+              <a:buChar char="•"/>
+              <a:defRPr sz="2200">
+                <a:solidFill>
+                  <a:schemeClr val="tx1"/>
+                </a:solidFill>
+                <a:latin typeface="+mn-lt"/>
+                <a:ea typeface="+mn-ea"/>
+                <a:cs typeface="+mn-cs"/>
+              </a:defRPr>
+            </a:lvl1pPr>
+            <a:lvl2pPr marL="742950" indent="-285750" algn="l" rtl="0" eaLnBrk="0" fontAlgn="base" hangingPunct="0">
+              <a:spcBef>
+                <a:spcPct val="20000"/>
+              </a:spcBef>
+              <a:spcAft>
+                <a:spcPct val="0"/>
+              </a:spcAft>
+              <a:buChar char="–"/>
+              <a:defRPr>
+                <a:solidFill>
+                  <a:schemeClr val="tx1"/>
+                </a:solidFill>
+                <a:latin typeface="+mn-lt"/>
+              </a:defRPr>
+            </a:lvl2pPr>
+            <a:lvl3pPr marL="1143000" indent="-228600" algn="l" rtl="0" eaLnBrk="0" fontAlgn="base" hangingPunct="0">
+              <a:spcBef>
+                <a:spcPct val="20000"/>
+              </a:spcBef>
+              <a:spcAft>
+                <a:spcPct val="0"/>
+              </a:spcAft>
+              <a:buChar char="•"/>
+              <a:defRPr>
+                <a:solidFill>
+                  <a:schemeClr val="tx1"/>
+                </a:solidFill>
+                <a:latin typeface="+mn-lt"/>
+              </a:defRPr>
+            </a:lvl3pPr>
+            <a:lvl4pPr marL="1600200" indent="-228600" algn="l" rtl="0" eaLnBrk="0" fontAlgn="base" hangingPunct="0">
+              <a:spcBef>
+                <a:spcPct val="20000"/>
+              </a:spcBef>
+              <a:spcAft>
+                <a:spcPct val="0"/>
+              </a:spcAft>
+              <a:buChar char="–"/>
+              <a:defRPr>
+                <a:solidFill>
+                  <a:schemeClr val="tx1"/>
+                </a:solidFill>
+                <a:latin typeface="+mn-lt"/>
+              </a:defRPr>
+            </a:lvl4pPr>
+            <a:lvl5pPr marL="2057400" indent="-228600" algn="l" rtl="0" eaLnBrk="0" fontAlgn="base" hangingPunct="0">
+              <a:spcBef>
+                <a:spcPct val="20000"/>
+              </a:spcBef>
+              <a:spcAft>
+                <a:spcPct val="0"/>
+              </a:spcAft>
+              <a:buChar char="»"/>
+              <a:defRPr>
+                <a:solidFill>
+                  <a:schemeClr val="tx1"/>
+                </a:solidFill>
+                <a:latin typeface="+mn-lt"/>
+              </a:defRPr>
+            </a:lvl5pPr>
+            <a:lvl6pPr marL="2514600" indent="-228600" algn="l" rtl="0" fontAlgn="base">
+              <a:spcBef>
+                <a:spcPct val="20000"/>
+              </a:spcBef>
+              <a:spcAft>
+                <a:spcPct val="0"/>
+              </a:spcAft>
+              <a:buChar char="»"/>
+              <a:defRPr>
+                <a:solidFill>
+                  <a:schemeClr val="tx1"/>
+                </a:solidFill>
+                <a:latin typeface="+mn-lt"/>
+              </a:defRPr>
+            </a:lvl6pPr>
+            <a:lvl7pPr marL="2971800" indent="-228600" algn="l" rtl="0" fontAlgn="base">
+              <a:spcBef>
+                <a:spcPct val="20000"/>
+              </a:spcBef>
+              <a:spcAft>
+                <a:spcPct val="0"/>
+              </a:spcAft>
+              <a:buChar char="»"/>
+              <a:defRPr>
+                <a:solidFill>
+                  <a:schemeClr val="tx1"/>
+                </a:solidFill>
+                <a:latin typeface="+mn-lt"/>
+              </a:defRPr>
+            </a:lvl7pPr>
+            <a:lvl8pPr marL="3429000" indent="-228600" algn="l" rtl="0" fontAlgn="base">
+              <a:spcBef>
+                <a:spcPct val="20000"/>
+              </a:spcBef>
+              <a:spcAft>
+                <a:spcPct val="0"/>
+              </a:spcAft>
+              <a:buChar char="»"/>
+              <a:defRPr>
+                <a:solidFill>
+                  <a:schemeClr val="tx1"/>
+                </a:solidFill>
+                <a:latin typeface="+mn-lt"/>
+              </a:defRPr>
+            </a:lvl8pPr>
+            <a:lvl9pPr marL="3886200" indent="-228600" algn="l" rtl="0" fontAlgn="base">
+              <a:spcBef>
+                <a:spcPct val="20000"/>
+              </a:spcBef>
+              <a:spcAft>
+                <a:spcPct val="0"/>
+              </a:spcAft>
+              <a:buChar char="»"/>
+              <a:defRPr>
+                <a:solidFill>
+                  <a:schemeClr val="tx1"/>
+                </a:solidFill>
+                <a:latin typeface="+mn-lt"/>
+              </a:defRPr>
+            </a:lvl9pPr>
+          </a:lstStyle>
+          <a:p>
+            <a:pPr marL="889000"/>
+            <a:r>
+              <a:rPr lang="en-US" sz="2800" dirty="0" smtClean="0"/>
+              <a:t>The DevOps movement</a:t>
+            </a:r>
+            <a:endParaRPr lang="en-US" sz="2800" dirty="0" smtClean="0">
+              <a:ea typeface="ヒラギノ角ゴ ProN W6" charset="0"/>
+              <a:cs typeface="ヒラギノ角ゴ ProN W6" charset="0"/>
+            </a:endParaRPr>
+          </a:p>
+          <a:p>
+            <a:pPr marL="1333500" lvl="1">
+              <a:spcBef>
+                <a:spcPts val="2175"/>
+              </a:spcBef>
+            </a:pPr>
+            <a:r>
+              <a:rPr lang="en-US" sz="2400" dirty="0" smtClean="0"/>
+              <a:t>Shares common goals</a:t>
+            </a:r>
+          </a:p>
+          <a:p>
+            <a:pPr marL="1333500" lvl="1">
+              <a:spcBef>
+                <a:spcPts val="2175"/>
+              </a:spcBef>
+            </a:pPr>
+            <a:r>
+              <a:rPr lang="en-US" sz="2400" dirty="0" smtClean="0"/>
+              <a:t>Development vs. Operations</a:t>
+            </a:r>
+          </a:p>
+          <a:p>
+            <a:pPr marL="889000">
+              <a:spcBef>
+                <a:spcPts val="2175"/>
+              </a:spcBef>
+            </a:pPr>
+            <a:r>
+              <a:rPr lang="en-US" sz="2800" dirty="0" smtClean="0"/>
+              <a:t>Deployment automation</a:t>
+            </a:r>
+            <a:endParaRPr lang="en-US" sz="2800" dirty="0" smtClean="0">
+              <a:ea typeface="ヒラギノ角ゴ ProN W6" charset="0"/>
+              <a:cs typeface="ヒラギノ角ゴ ProN W6" charset="0"/>
+            </a:endParaRPr>
+          </a:p>
+          <a:p>
+            <a:pPr marL="1333500" lvl="1">
+              <a:spcBef>
+                <a:spcPts val="2175"/>
+              </a:spcBef>
+            </a:pPr>
+            <a:r>
+              <a:rPr lang="en-US" sz="2400" dirty="0" smtClean="0"/>
+              <a:t>Loads of scripts, tools, commercial and open source products</a:t>
+            </a:r>
+          </a:p>
+          <a:p>
+            <a:pPr marL="1333500" lvl="1">
+              <a:spcBef>
+                <a:spcPts val="2175"/>
+              </a:spcBef>
+            </a:pPr>
+            <a:r>
+              <a:rPr lang="en-US" sz="2400" dirty="0" smtClean="0"/>
+              <a:t>Part/Extension of Continuous Delivery</a:t>
+            </a:r>
+          </a:p>
+          <a:p>
+            <a:pPr marL="1333500" lvl="1">
+              <a:spcBef>
+                <a:spcPts val="2175"/>
+              </a:spcBef>
+            </a:pPr>
+            <a:r>
+              <a:rPr lang="en-US" sz="2400" dirty="0" smtClean="0"/>
+              <a:t>Goal:  Minimize cycle time, amplify feedback and deliver value smarter/faster</a:t>
+            </a:r>
+            <a:endParaRPr lang="en-US" sz="2400" dirty="0"/>
+          </a:p>
+        </p:txBody>
+      </p:sp>
+      <p:pic>
+        <p:nvPicPr>
+          <p:cNvPr id="6" name="Picture 4" descr="Stick man on one side of wall saying &quot;I want change&quot; and labeled &quot;Development.&quot;  Stick man on other side of wall saying &quot;I want stablity&quot; and labeled &quot;Operations.&quot;" title="Wall of Confusion graphic"/>
+          <p:cNvPicPr>
+            <a:picLocks noChangeAspect="1" noChangeArrowheads="1"/>
+          </p:cNvPicPr>
+          <p:nvPr/>
+        </p:nvPicPr>
+        <p:blipFill>
+          <a:blip r:embed="rId3">
+            <a:extLst>
+              <a:ext uri="{28A0092B-C50C-407E-A947-70E740481C1C}">
+                <a14:useLocalDpi xmlns:a14="http://schemas.microsoft.com/office/drawing/2010/main" val="0"/>
+              </a:ext>
+            </a:extLst>
+          </a:blip>
+          <a:srcRect/>
+          <a:stretch>
+            <a:fillRect/>
+          </a:stretch>
+        </p:blipFill>
+        <p:spPr bwMode="auto">
+          <a:xfrm>
+            <a:off x="6065366" y="818865"/>
+            <a:ext cx="3078633" cy="2573577"/>
+          </a:xfrm>
+          <a:prstGeom prst="rect">
+            <a:avLst/>
+          </a:prstGeom>
+          <a:noFill/>
+          <a:ln>
+            <a:noFill/>
+          </a:ln>
+          <a:extLst>
+            <a:ext uri="{909E8E84-426E-40dd-AFC4-6F175D3DCCD1}">
+              <a14:hiddenFill xmlns:a14="http://schemas.microsoft.com/office/drawing/2010/main">
+                <a:solidFill>
+                  <a:srgbClr val="FFFFFF"/>
+                </a:solidFill>
+              </a14:hiddenFill>
+            </a:ext>
+            <a:ext uri="{91240B29-F687-4f45-9708-019B960494DF}">
+              <a14:hiddenLine xmlns:a14="http://schemas.microsoft.com/office/drawing/2010/main" w="12700" cap="flat">
+                <a:solidFill>
+                  <a:schemeClr val="tx1"/>
+                </a:solidFill>
+                <a:miter lim="800000"/>
+                <a:headEnd/>
+                <a:tailEnd/>
+              </a14:hiddenLine>
+            </a:ext>
+          </a:extLst>
+        </p:spPr>
+      </p:pic>
+    </p:spTree>
+    <p:extLst>
+      <p:ext uri="{BB962C8B-B14F-4D97-AF65-F5344CB8AC3E}">
+        <p14:creationId xmlns:p14="http://schemas.microsoft.com/office/powerpoint/2010/main" val="3527502240"/>
+      </p:ext>
+    </p:extLst>
+  </p:cSld>
+  <p:clrMapOvr>
+    <a:masterClrMapping/>
+  </p:clrMapOvr>
+  <p:timing>
+    <p:tnLst>
+      <p:par>
+        <p:cTn xmlns:p14="http://schemas.microsoft.com/office/powerpoint/2010/main" id="1" dur="indefinite" restart="never" nodeType="tmRoot"/>
+      </p:par>
+    </p:tnLst>
+  </p:timing>
+</p:sld>
+</file>
+
+<file path=ppt/slides/slide42.xml><?xml version="1.0" encoding="utf-8"?>
+<p:sld xmlns:a="http://schemas.openxmlformats.org/drawingml/2006/main" xmlns:r="http://schemas.openxmlformats.org/officeDocument/2006/relationships" xmlns:p="http://schemas.openxmlformats.org/presentationml/2006/main">
+  <p:cSld>
+    <p:spTree>
+      <p:nvGrpSpPr>
+        <p:cNvPr id="1" name=""/>
+        <p:cNvGrpSpPr/>
+        <p:nvPr/>
+      </p:nvGrpSpPr>
+      <p:grpSpPr>
+        <a:xfrm>
+          <a:off x="0" y="0"/>
+          <a:ext cx="0" cy="0"/>
+          <a:chOff x="0" y="0"/>
+          <a:chExt cx="0" cy="0"/>
+        </a:xfrm>
+      </p:grpSpPr>
+      <p:sp>
+        <p:nvSpPr>
+          <p:cNvPr id="2" name="Title 1"/>
+          <p:cNvSpPr>
+            <a:spLocks noGrp="1"/>
+          </p:cNvSpPr>
+          <p:nvPr>
+            <p:ph type="title"/>
+          </p:nvPr>
+        </p:nvSpPr>
+        <p:spPr>
+          <a:xfrm>
+            <a:off x="457200" y="0"/>
+            <a:ext cx="8229600" cy="646331"/>
+          </a:xfrm>
+        </p:spPr>
+        <p:txBody>
+          <a:bodyPr>
+            <a:normAutofit fontScale="90000"/>
+          </a:bodyPr>
+          <a:lstStyle/>
+          <a:p>
+            <a:r>
+              <a:rPr lang="en-US" dirty="0" smtClean="0"/>
+              <a:t>DevOps – CALMS Model</a:t>
+            </a:r>
+            <a:endParaRPr lang="en-US" dirty="0"/>
+          </a:p>
+        </p:txBody>
+      </p:sp>
+      <p:sp>
+        <p:nvSpPr>
+          <p:cNvPr id="4" name="Slide Number Placeholder 3"/>
+          <p:cNvSpPr>
+            <a:spLocks noGrp="1"/>
+          </p:cNvSpPr>
+          <p:nvPr>
+            <p:ph type="sldNum" sz="quarter" idx="10"/>
+          </p:nvPr>
+        </p:nvSpPr>
+        <p:spPr/>
+        <p:txBody>
+          <a:bodyPr/>
+          <a:lstStyle/>
+          <a:p>
+            <a:pPr>
+              <a:defRPr/>
+            </a:pPr>
+            <a:fld id="{2D118A52-EDC5-42B9-AEFF-70EBA4319419}" type="slidenum">
+              <a:rPr lang="en-US" smtClean="0">
+                <a:solidFill>
+                  <a:srgbClr val="FFFFFF"/>
+                </a:solidFill>
+              </a:rPr>
+              <a:pPr>
+                <a:defRPr/>
+              </a:pPr>
+              <a:t>42</a:t>
+            </a:fld>
+            <a:endParaRPr lang="en-US" dirty="0">
+              <a:solidFill>
+                <a:srgbClr val="FFFFFF"/>
+              </a:solidFill>
+            </a:endParaRPr>
+          </a:p>
+        </p:txBody>
+      </p:sp>
+      <p:pic>
+        <p:nvPicPr>
+          <p:cNvPr id="5" name="Picture 4"/>
+          <p:cNvPicPr>
+            <a:picLocks noChangeAspect="1"/>
+          </p:cNvPicPr>
+          <p:nvPr/>
+        </p:nvPicPr>
+        <p:blipFill>
+          <a:blip r:embed="rId2"/>
+          <a:stretch>
+            <a:fillRect/>
+          </a:stretch>
+        </p:blipFill>
+        <p:spPr>
+          <a:xfrm>
+            <a:off x="353945" y="793665"/>
+            <a:ext cx="3903274" cy="5169655"/>
+          </a:xfrm>
+          <a:prstGeom prst="rect">
+            <a:avLst/>
+          </a:prstGeom>
+        </p:spPr>
+      </p:pic>
+      <p:pic>
+        <p:nvPicPr>
+          <p:cNvPr id="6" name="Picture 5"/>
+          <p:cNvPicPr>
+            <a:picLocks noChangeAspect="1"/>
+          </p:cNvPicPr>
+          <p:nvPr/>
+        </p:nvPicPr>
+        <p:blipFill>
+          <a:blip r:embed="rId3"/>
+          <a:stretch>
+            <a:fillRect/>
+          </a:stretch>
+        </p:blipFill>
+        <p:spPr>
+          <a:xfrm>
+            <a:off x="5718943" y="1922891"/>
+            <a:ext cx="2641600" cy="3086100"/>
+          </a:xfrm>
+          <a:prstGeom prst="rect">
+            <a:avLst/>
+          </a:prstGeom>
+        </p:spPr>
+      </p:pic>
+    </p:spTree>
+    <p:extLst>
+      <p:ext uri="{BB962C8B-B14F-4D97-AF65-F5344CB8AC3E}">
+        <p14:creationId xmlns:p14="http://schemas.microsoft.com/office/powerpoint/2010/main" val="3387649084"/>
+      </p:ext>
+    </p:extLst>
+  </p:cSld>
+  <p:clrMapOvr>
+    <a:masterClrMapping/>
+  </p:clrMapOvr>
+</p:sld>
+</file>
+
+<file path=ppt/slides/slide43.xml><?xml version="1.0" encoding="utf-8"?>
+<p:sld xmlns:a="http://schemas.openxmlformats.org/drawingml/2006/main" xmlns:r="http://schemas.openxmlformats.org/officeDocument/2006/relationships" xmlns:p="http://schemas.openxmlformats.org/presentationml/2006/main">
+  <p:cSld>
+    <p:spTree>
+      <p:nvGrpSpPr>
+        <p:cNvPr id="1" name=""/>
+        <p:cNvGrpSpPr/>
+        <p:nvPr/>
+      </p:nvGrpSpPr>
+      <p:grpSpPr>
+        <a:xfrm>
+          <a:off x="0" y="0"/>
+          <a:ext cx="0" cy="0"/>
+          <a:chOff x="0" y="0"/>
+          <a:chExt cx="0" cy="0"/>
+        </a:xfrm>
+      </p:grpSpPr>
+      <p:sp>
+        <p:nvSpPr>
+          <p:cNvPr id="2" name="Title 1"/>
+          <p:cNvSpPr>
+            <a:spLocks noGrp="1"/>
+          </p:cNvSpPr>
+          <p:nvPr>
+            <p:ph type="title"/>
+          </p:nvPr>
+        </p:nvSpPr>
+        <p:spPr>
+          <a:xfrm>
+            <a:off x="457200" y="0"/>
+            <a:ext cx="8229600" cy="646331"/>
+          </a:xfrm>
+        </p:spPr>
+        <p:txBody>
+          <a:bodyPr>
+            <a:normAutofit fontScale="90000"/>
+          </a:bodyPr>
+          <a:lstStyle/>
+          <a:p>
+            <a:r>
+              <a:rPr lang="en-US" dirty="0" smtClean="0"/>
+              <a:t>DevOps – CALMS Model</a:t>
+            </a:r>
+            <a:endParaRPr lang="en-US" dirty="0"/>
+          </a:p>
+        </p:txBody>
+      </p:sp>
+      <p:sp>
+        <p:nvSpPr>
+          <p:cNvPr id="3" name="Content Placeholder 2"/>
+          <p:cNvSpPr>
+            <a:spLocks noGrp="1"/>
+          </p:cNvSpPr>
+          <p:nvPr>
+            <p:ph idx="1"/>
+          </p:nvPr>
+        </p:nvSpPr>
+        <p:spPr/>
+        <p:txBody>
+          <a:bodyPr>
+            <a:normAutofit fontScale="85000" lnSpcReduction="10000"/>
+          </a:bodyPr>
+          <a:lstStyle/>
+          <a:p>
+            <a:r>
+              <a:rPr lang="en-US" dirty="0" smtClean="0"/>
+              <a:t>Culture</a:t>
+            </a:r>
+          </a:p>
+          <a:p>
+            <a:pPr lvl="1"/>
+            <a:r>
+              <a:rPr lang="en-US" dirty="0" smtClean="0"/>
+              <a:t>Hearts and minds, Embrace</a:t>
+            </a:r>
+          </a:p>
+          <a:p>
+            <a:r>
+              <a:rPr lang="en-US" dirty="0" smtClean="0"/>
+              <a:t>Automation</a:t>
+            </a:r>
+          </a:p>
+          <a:p>
+            <a:pPr lvl="1"/>
+            <a:r>
+              <a:rPr lang="en-US" dirty="0" smtClean="0"/>
+              <a:t>Of all (most) things; testing, deployment, infrastructure</a:t>
+            </a:r>
+          </a:p>
+          <a:p>
+            <a:r>
+              <a:rPr lang="en-US" dirty="0" smtClean="0"/>
+              <a:t>Lean</a:t>
+            </a:r>
+          </a:p>
+          <a:p>
+            <a:pPr lvl="1"/>
+            <a:r>
+              <a:rPr lang="en-US" dirty="0" smtClean="0"/>
+              <a:t>Small batch sizes, value for end-users</a:t>
+            </a:r>
+          </a:p>
+          <a:p>
+            <a:r>
+              <a:rPr lang="en-US" dirty="0" smtClean="0"/>
+              <a:t>Measurement</a:t>
+            </a:r>
+          </a:p>
+          <a:p>
+            <a:pPr lvl="1"/>
+            <a:r>
+              <a:rPr lang="en-US" dirty="0" smtClean="0"/>
+              <a:t>Of all things; show the improvement (adaption)</a:t>
+            </a:r>
+          </a:p>
+          <a:p>
+            <a:r>
+              <a:rPr lang="en-US" dirty="0" smtClean="0"/>
+              <a:t>Sharing</a:t>
+            </a:r>
+          </a:p>
+          <a:p>
+            <a:pPr lvl="1"/>
+            <a:r>
+              <a:rPr lang="en-US" dirty="0" smtClean="0"/>
+              <a:t>Transparent, Open</a:t>
+            </a:r>
+            <a:endParaRPr lang="en-US" dirty="0"/>
+          </a:p>
+        </p:txBody>
+      </p:sp>
+      <p:sp>
+        <p:nvSpPr>
+          <p:cNvPr id="4" name="Slide Number Placeholder 3"/>
+          <p:cNvSpPr>
+            <a:spLocks noGrp="1"/>
+          </p:cNvSpPr>
+          <p:nvPr>
+            <p:ph type="sldNum" sz="quarter" idx="10"/>
+          </p:nvPr>
+        </p:nvSpPr>
+        <p:spPr/>
+        <p:txBody>
+          <a:bodyPr/>
+          <a:lstStyle/>
+          <a:p>
+            <a:pPr>
+              <a:defRPr/>
+            </a:pPr>
+            <a:fld id="{2D118A52-EDC5-42B9-AEFF-70EBA4319419}" type="slidenum">
+              <a:rPr lang="en-US" smtClean="0">
+                <a:solidFill>
+                  <a:srgbClr val="FFFFFF"/>
+                </a:solidFill>
+              </a:rPr>
+              <a:pPr>
+                <a:defRPr/>
+              </a:pPr>
+              <a:t>43</a:t>
+            </a:fld>
+            <a:endParaRPr lang="en-US" dirty="0">
+              <a:solidFill>
+                <a:srgbClr val="FFFFFF"/>
+              </a:solidFill>
+            </a:endParaRPr>
+          </a:p>
+        </p:txBody>
+      </p:sp>
+    </p:spTree>
+    <p:extLst>
+      <p:ext uri="{BB962C8B-B14F-4D97-AF65-F5344CB8AC3E}">
+        <p14:creationId xmlns:p14="http://schemas.microsoft.com/office/powerpoint/2010/main" val="2259542641"/>
+      </p:ext>
+    </p:extLst>
+  </p:cSld>
+  <p:clrMapOvr>
+    <a:masterClrMapping/>
+  </p:clrMapOvr>
+</p:sld>
+</file>
+
+<file path=ppt/slides/slide44.xml><?xml version="1.0" encoding="utf-8"?>
+<p:sld xmlns:a="http://schemas.openxmlformats.org/drawingml/2006/main" xmlns:r="http://schemas.openxmlformats.org/officeDocument/2006/relationships" xmlns:p="http://schemas.openxmlformats.org/presentationml/2006/main">
+  <p:cSld>
+    <p:spTree>
+      <p:nvGrpSpPr>
+        <p:cNvPr id="1" name=""/>
+        <p:cNvGrpSpPr/>
+        <p:nvPr/>
+      </p:nvGrpSpPr>
+      <p:grpSpPr>
+        <a:xfrm>
+          <a:off x="0" y="0"/>
+          <a:ext cx="0" cy="0"/>
+          <a:chOff x="0" y="0"/>
+          <a:chExt cx="0" cy="0"/>
+        </a:xfrm>
+      </p:grpSpPr>
+      <p:sp>
+        <p:nvSpPr>
+          <p:cNvPr id="2" name="Title 1"/>
+          <p:cNvSpPr>
+            <a:spLocks noGrp="1"/>
+          </p:cNvSpPr>
+          <p:nvPr>
+            <p:ph type="title"/>
+          </p:nvPr>
+        </p:nvSpPr>
+        <p:spPr>
+          <a:xfrm>
+            <a:off x="457200" y="0"/>
+            <a:ext cx="8229600" cy="646331"/>
+          </a:xfrm>
+        </p:spPr>
+        <p:txBody>
+          <a:bodyPr>
+            <a:normAutofit fontScale="90000"/>
+          </a:bodyPr>
+          <a:lstStyle/>
+          <a:p>
+            <a:r>
+              <a:rPr lang="en-US" dirty="0" smtClean="0"/>
+              <a:t>Create a “High Trust” Culture</a:t>
+            </a:r>
+            <a:endParaRPr lang="en-US" dirty="0"/>
+          </a:p>
+        </p:txBody>
+      </p:sp>
+      <p:sp>
+        <p:nvSpPr>
+          <p:cNvPr id="3" name="Content Placeholder 2"/>
+          <p:cNvSpPr>
+            <a:spLocks noGrp="1"/>
+          </p:cNvSpPr>
+          <p:nvPr>
+            <p:ph idx="1"/>
+          </p:nvPr>
+        </p:nvSpPr>
+        <p:spPr>
+          <a:xfrm>
+            <a:off x="457200" y="1046018"/>
+            <a:ext cx="8229600" cy="4525963"/>
+          </a:xfrm>
+        </p:spPr>
+        <p:txBody>
+          <a:bodyPr>
+            <a:normAutofit fontScale="77500" lnSpcReduction="20000"/>
+          </a:bodyPr>
+          <a:lstStyle/>
+          <a:p>
+            <a:r>
+              <a:rPr lang="en-US" dirty="0" smtClean="0"/>
+              <a:t>Need Right circumstances</a:t>
+            </a:r>
+          </a:p>
+          <a:p>
+            <a:pPr lvl="1"/>
+            <a:r>
+              <a:rPr lang="en-US" dirty="0" smtClean="0"/>
+              <a:t>Remove silos</a:t>
+            </a:r>
+          </a:p>
+          <a:p>
+            <a:pPr lvl="1"/>
+            <a:r>
+              <a:rPr lang="en-US" dirty="0" smtClean="0"/>
+              <a:t>Clarify goals and limits</a:t>
+            </a:r>
+          </a:p>
+          <a:p>
+            <a:pPr lvl="1"/>
+            <a:r>
+              <a:rPr lang="en-US" dirty="0" smtClean="0"/>
+              <a:t>Strike a balance between technology and employee interaction</a:t>
+            </a:r>
+          </a:p>
+          <a:p>
+            <a:pPr lvl="1"/>
+            <a:endParaRPr lang="en-US" dirty="0"/>
+          </a:p>
+          <a:p>
+            <a:r>
+              <a:rPr lang="en-US" dirty="0" smtClean="0"/>
+              <a:t>Empower Teams</a:t>
+            </a:r>
+          </a:p>
+          <a:p>
+            <a:pPr lvl="1"/>
+            <a:r>
+              <a:rPr lang="en-US" dirty="0" smtClean="0"/>
+              <a:t>Focus on organizational business goals with teams driving towards them</a:t>
+            </a:r>
+          </a:p>
+          <a:p>
+            <a:pPr lvl="1"/>
+            <a:r>
+              <a:rPr lang="en-US" dirty="0" smtClean="0"/>
+              <a:t>Cross-functional business aligned teams</a:t>
+            </a:r>
+          </a:p>
+          <a:p>
+            <a:pPr lvl="1"/>
+            <a:r>
+              <a:rPr lang="en-US" dirty="0" smtClean="0"/>
+              <a:t>Experiment/Freedom– take risks – train with each other…</a:t>
+            </a:r>
+          </a:p>
+          <a:p>
+            <a:pPr lvl="1"/>
+            <a:r>
+              <a:rPr lang="en-US" dirty="0" smtClean="0"/>
+              <a:t>Maximize your IT professionals collective skills and experience</a:t>
+            </a:r>
+            <a:r>
+              <a:rPr lang="en-US" dirty="0"/>
+              <a:t>.</a:t>
+            </a:r>
+            <a:endParaRPr lang="en-US" dirty="0" smtClean="0"/>
+          </a:p>
+          <a:p>
+            <a:r>
+              <a:rPr lang="en-US" dirty="0" smtClean="0"/>
+              <a:t>You don’t do DevOps!  There is no recipe….</a:t>
+            </a:r>
+          </a:p>
+        </p:txBody>
+      </p:sp>
+      <p:sp>
+        <p:nvSpPr>
+          <p:cNvPr id="4" name="Slide Number Placeholder 3"/>
+          <p:cNvSpPr>
+            <a:spLocks noGrp="1"/>
+          </p:cNvSpPr>
+          <p:nvPr>
+            <p:ph type="sldNum" sz="quarter" idx="10"/>
+          </p:nvPr>
+        </p:nvSpPr>
+        <p:spPr/>
+        <p:txBody>
+          <a:bodyPr/>
+          <a:lstStyle/>
+          <a:p>
+            <a:pPr>
+              <a:defRPr/>
+            </a:pPr>
+            <a:fld id="{2D118A52-EDC5-42B9-AEFF-70EBA4319419}" type="slidenum">
+              <a:rPr lang="en-US" smtClean="0">
+                <a:solidFill>
+                  <a:srgbClr val="FFFFFF"/>
+                </a:solidFill>
+              </a:rPr>
+              <a:pPr>
+                <a:defRPr/>
+              </a:pPr>
+              <a:t>44</a:t>
+            </a:fld>
+            <a:endParaRPr lang="en-US" dirty="0">
+              <a:solidFill>
+                <a:srgbClr val="FFFFFF"/>
+              </a:solidFill>
+            </a:endParaRPr>
+          </a:p>
+        </p:txBody>
+      </p:sp>
+    </p:spTree>
+    <p:extLst>
+      <p:ext uri="{BB962C8B-B14F-4D97-AF65-F5344CB8AC3E}">
+        <p14:creationId xmlns:p14="http://schemas.microsoft.com/office/powerpoint/2010/main" val="592336881"/>
+      </p:ext>
+    </p:extLst>
+  </p:cSld>
+  <p:clrMapOvr>
+    <a:masterClrMapping/>
+  </p:clrMapOvr>
+</p:sld>
+</file>
+
+<file path=ppt/slides/slide45.xml><?xml version="1.0" encoding="utf-8"?>
+<p:sld xmlns:a="http://schemas.openxmlformats.org/drawingml/2006/main" xmlns:r="http://schemas.openxmlformats.org/officeDocument/2006/relationships" xmlns:p="http://schemas.openxmlformats.org/presentationml/2006/main">
+  <p:cSld>
+    <p:spTree>
+      <p:nvGrpSpPr>
+        <p:cNvPr id="1" name=""/>
+        <p:cNvGrpSpPr/>
+        <p:nvPr/>
+      </p:nvGrpSpPr>
+      <p:grpSpPr>
+        <a:xfrm>
+          <a:off x="0" y="0"/>
+          <a:ext cx="0" cy="0"/>
+          <a:chOff x="0" y="0"/>
+          <a:chExt cx="0" cy="0"/>
+        </a:xfrm>
+      </p:grpSpPr>
+      <p:sp>
+        <p:nvSpPr>
+          <p:cNvPr id="2" name="Title 1"/>
+          <p:cNvSpPr>
+            <a:spLocks noGrp="1"/>
+          </p:cNvSpPr>
+          <p:nvPr>
+            <p:ph type="title"/>
+          </p:nvPr>
+        </p:nvSpPr>
+        <p:spPr/>
+        <p:txBody>
+          <a:bodyPr/>
+          <a:lstStyle/>
+          <a:p>
+            <a:r>
+              <a:rPr lang="en-US" dirty="0" smtClean="0"/>
+              <a:t>What does your Team Look like?</a:t>
+            </a:r>
+            <a:endParaRPr lang="en-US" dirty="0"/>
+          </a:p>
+        </p:txBody>
+      </p:sp>
+      <p:pic>
+        <p:nvPicPr>
+          <p:cNvPr id="4" name="Picture 3" descr="Screen Shot 2015-05-04 at 11.53.08 AM.png"/>
+          <p:cNvPicPr>
+            <a:picLocks noChangeAspect="1"/>
+          </p:cNvPicPr>
+          <p:nvPr/>
+        </p:nvPicPr>
+        <p:blipFill>
+          <a:blip r:embed="rId2">
+            <a:extLst>
+              <a:ext uri="{28A0092B-C50C-407E-A947-70E740481C1C}">
+                <a14:useLocalDpi xmlns:a14="http://schemas.microsoft.com/office/drawing/2010/main" val="0"/>
+              </a:ext>
+            </a:extLst>
+          </a:blip>
+          <a:stretch>
+            <a:fillRect/>
+          </a:stretch>
+        </p:blipFill>
+        <p:spPr>
+          <a:xfrm>
+            <a:off x="457199" y="1417638"/>
+            <a:ext cx="8409709" cy="5047816"/>
+          </a:xfrm>
+          <a:prstGeom prst="rect">
+            <a:avLst/>
+          </a:prstGeom>
+        </p:spPr>
+      </p:pic>
+    </p:spTree>
+    <p:extLst>
+      <p:ext uri="{BB962C8B-B14F-4D97-AF65-F5344CB8AC3E}">
+        <p14:creationId xmlns:p14="http://schemas.microsoft.com/office/powerpoint/2010/main" val="2030624619"/>
+      </p:ext>
+    </p:extLst>
+  </p:cSld>
+  <p:clrMapOvr>
+    <a:masterClrMapping/>
+  </p:clrMapOvr>
+</p:sld>
+</file>
+
+<file path=ppt/slides/slide46.xml><?xml version="1.0" encoding="utf-8"?>
+<p:sld xmlns:a="http://schemas.openxmlformats.org/drawingml/2006/main" xmlns:r="http://schemas.openxmlformats.org/officeDocument/2006/relationships" xmlns:p="http://schemas.openxmlformats.org/presentationml/2006/main">
+  <p:cSld>
+    <p:spTree>
+      <p:nvGrpSpPr>
+        <p:cNvPr id="1" name=""/>
+        <p:cNvGrpSpPr/>
+        <p:nvPr/>
+      </p:nvGrpSpPr>
+      <p:grpSpPr>
+        <a:xfrm>
+          <a:off x="0" y="0"/>
+          <a:ext cx="0" cy="0"/>
+          <a:chOff x="0" y="0"/>
+          <a:chExt cx="0" cy="0"/>
+        </a:xfrm>
+      </p:grpSpPr>
+      <p:sp>
+        <p:nvSpPr>
+          <p:cNvPr id="2" name="Title 1"/>
+          <p:cNvSpPr>
+            <a:spLocks noGrp="1"/>
+          </p:cNvSpPr>
+          <p:nvPr>
+            <p:ph type="title"/>
+          </p:nvPr>
+        </p:nvSpPr>
+        <p:spPr/>
+        <p:txBody>
+          <a:bodyPr/>
+          <a:lstStyle/>
+          <a:p>
+            <a:endParaRPr lang="en-US"/>
+          </a:p>
+        </p:txBody>
+      </p:sp>
+    </p:spTree>
+    <p:extLst>
+      <p:ext uri="{BB962C8B-B14F-4D97-AF65-F5344CB8AC3E}">
+        <p14:creationId xmlns:p14="http://schemas.microsoft.com/office/powerpoint/2010/main" val="2208118116"/>
+      </p:ext>
+    </p:extLst>
+  </p:cSld>
+  <p:clrMapOvr>
+    <a:masterClrMapping/>
+  </p:clrMapOvr>
+</p:sld>
+</file>
+
+<file path=ppt/slides/slide47.xml><?xml version="1.0" encoding="utf-8"?>
+<p:sld xmlns:a="http://schemas.openxmlformats.org/drawingml/2006/main" xmlns:r="http://schemas.openxmlformats.org/officeDocument/2006/relationships" xmlns:p="http://schemas.openxmlformats.org/presentationml/2006/main">
+  <p:cSld>
+    <p:spTree>
+      <p:nvGrpSpPr>
+        <p:cNvPr id="1" name=""/>
+        <p:cNvGrpSpPr/>
+        <p:nvPr/>
+      </p:nvGrpSpPr>
+      <p:grpSpPr>
+        <a:xfrm>
+          <a:off x="0" y="0"/>
+          <a:ext cx="0" cy="0"/>
+          <a:chOff x="0" y="0"/>
+          <a:chExt cx="0" cy="0"/>
+        </a:xfrm>
+      </p:grpSpPr>
+      <p:sp>
+        <p:nvSpPr>
+          <p:cNvPr id="2" name="Title 1"/>
+          <p:cNvSpPr>
+            <a:spLocks noGrp="1"/>
+          </p:cNvSpPr>
+          <p:nvPr>
+            <p:ph type="title"/>
+          </p:nvPr>
+        </p:nvSpPr>
+        <p:spPr>
+          <a:xfrm>
+            <a:off x="457200" y="0"/>
+            <a:ext cx="8229600" cy="646331"/>
+          </a:xfrm>
+        </p:spPr>
+        <p:txBody>
+          <a:bodyPr>
+            <a:normAutofit fontScale="90000"/>
+          </a:bodyPr>
+          <a:lstStyle/>
+          <a:p>
+            <a:r>
+              <a:rPr lang="en-US" dirty="0" smtClean="0"/>
+              <a:t>Slow down First, then speed up.</a:t>
+            </a:r>
+            <a:endParaRPr lang="en-US" dirty="0"/>
+          </a:p>
+        </p:txBody>
+      </p:sp>
+      <p:sp>
+        <p:nvSpPr>
+          <p:cNvPr id="4" name="Slide Number Placeholder 3"/>
+          <p:cNvSpPr>
+            <a:spLocks noGrp="1"/>
+          </p:cNvSpPr>
+          <p:nvPr>
+            <p:ph type="sldNum" sz="quarter" idx="10"/>
+          </p:nvPr>
+        </p:nvSpPr>
+        <p:spPr/>
+        <p:txBody>
+          <a:bodyPr/>
+          <a:lstStyle/>
+          <a:p>
+            <a:pPr>
+              <a:defRPr/>
+            </a:pPr>
+            <a:fld id="{2D118A52-EDC5-42B9-AEFF-70EBA4319419}" type="slidenum">
+              <a:rPr lang="en-US" smtClean="0">
+                <a:solidFill>
+                  <a:srgbClr val="FFFFFF"/>
+                </a:solidFill>
+              </a:rPr>
+              <a:pPr>
+                <a:defRPr/>
+              </a:pPr>
+              <a:t>47</a:t>
+            </a:fld>
+            <a:endParaRPr lang="en-US" dirty="0">
+              <a:solidFill>
+                <a:srgbClr val="FFFFFF"/>
+              </a:solidFill>
+            </a:endParaRPr>
+          </a:p>
+        </p:txBody>
+      </p:sp>
+      <p:pic>
+        <p:nvPicPr>
+          <p:cNvPr id="5" name="Picture 4"/>
+          <p:cNvPicPr>
+            <a:picLocks noChangeAspect="1"/>
+          </p:cNvPicPr>
+          <p:nvPr/>
+        </p:nvPicPr>
+        <p:blipFill>
+          <a:blip r:embed="rId3"/>
+          <a:stretch>
+            <a:fillRect/>
+          </a:stretch>
+        </p:blipFill>
+        <p:spPr>
+          <a:xfrm>
+            <a:off x="0" y="1511300"/>
+            <a:ext cx="9144000" cy="3814980"/>
+          </a:xfrm>
+          <a:prstGeom prst="rect">
+            <a:avLst/>
+          </a:prstGeom>
+        </p:spPr>
+      </p:pic>
+    </p:spTree>
+    <p:extLst>
+      <p:ext uri="{BB962C8B-B14F-4D97-AF65-F5344CB8AC3E}">
+        <p14:creationId xmlns:p14="http://schemas.microsoft.com/office/powerpoint/2010/main" val="932091172"/>
+      </p:ext>
+    </p:extLst>
+  </p:cSld>
+  <p:clrMapOvr>
+    <a:masterClrMapping/>
+  </p:clrMapOvr>
+</p:sld>
+</file>
+
+<file path=ppt/slides/slide48.xml><?xml version="1.0" encoding="utf-8"?>
+<p:sld xmlns:a="http://schemas.openxmlformats.org/drawingml/2006/main" xmlns:r="http://schemas.openxmlformats.org/officeDocument/2006/relationships" xmlns:p="http://schemas.openxmlformats.org/presentationml/2006/main">
+  <p:cSld>
+    <p:spTree>
+      <p:nvGrpSpPr>
+        <p:cNvPr id="1" name=""/>
+        <p:cNvGrpSpPr/>
+        <p:nvPr/>
+      </p:nvGrpSpPr>
+      <p:grpSpPr>
+        <a:xfrm>
+          <a:off x="0" y="0"/>
+          <a:ext cx="0" cy="0"/>
+          <a:chOff x="0" y="0"/>
+          <a:chExt cx="0" cy="0"/>
+        </a:xfrm>
+      </p:grpSpPr>
+      <p:sp>
+        <p:nvSpPr>
+          <p:cNvPr id="2" name="Title 1"/>
+          <p:cNvSpPr>
+            <a:spLocks noGrp="1"/>
+          </p:cNvSpPr>
+          <p:nvPr>
+            <p:ph type="title"/>
+          </p:nvPr>
+        </p:nvSpPr>
+        <p:spPr>
+          <a:xfrm>
+            <a:off x="457200" y="0"/>
+            <a:ext cx="8229600" cy="646331"/>
+          </a:xfrm>
+        </p:spPr>
+        <p:txBody>
+          <a:bodyPr>
+            <a:normAutofit fontScale="90000"/>
+          </a:bodyPr>
+          <a:lstStyle/>
+          <a:p>
+            <a:r>
+              <a:rPr lang="en-US" dirty="0" smtClean="0"/>
+              <a:t>DevOps Myths</a:t>
+            </a:r>
+            <a:endParaRPr lang="en-US" dirty="0"/>
+          </a:p>
+        </p:txBody>
+      </p:sp>
+      <p:sp>
+        <p:nvSpPr>
+          <p:cNvPr id="3" name="Content Placeholder 2"/>
+          <p:cNvSpPr>
+            <a:spLocks noGrp="1"/>
+          </p:cNvSpPr>
+          <p:nvPr>
+            <p:ph idx="1"/>
+          </p:nvPr>
+        </p:nvSpPr>
+        <p:spPr>
+          <a:xfrm>
+            <a:off x="457200" y="1346199"/>
+            <a:ext cx="8229600" cy="4525963"/>
+          </a:xfrm>
+        </p:spPr>
+        <p:txBody>
+          <a:bodyPr/>
+          <a:lstStyle/>
+          <a:p>
+            <a:r>
+              <a:rPr lang="en-US" dirty="0"/>
+              <a:t>DevOps replaces Agile</a:t>
+            </a:r>
+          </a:p>
+          <a:p>
+            <a:r>
+              <a:rPr lang="en-US" dirty="0"/>
+              <a:t>DevOps replaces ITIL</a:t>
+            </a:r>
+          </a:p>
+          <a:p>
+            <a:r>
+              <a:rPr lang="en-US" dirty="0"/>
+              <a:t>DevOps means </a:t>
+            </a:r>
+            <a:r>
+              <a:rPr lang="en-US" dirty="0" err="1"/>
+              <a:t>NoOps</a:t>
+            </a:r>
+            <a:endParaRPr lang="en-US" dirty="0"/>
+          </a:p>
+          <a:p>
+            <a:r>
+              <a:rPr lang="en-US" dirty="0"/>
+              <a:t>DevOps is only for open source software</a:t>
+            </a:r>
+          </a:p>
+          <a:p>
+            <a:r>
+              <a:rPr lang="en-US" dirty="0"/>
+              <a:t>DevOps is just “infrastructure as code” or automation</a:t>
+            </a:r>
+          </a:p>
+          <a:p>
+            <a:r>
+              <a:rPr lang="en-US" dirty="0"/>
+              <a:t>DevOps is only for startups and unicorns</a:t>
+            </a:r>
+          </a:p>
+          <a:p>
+            <a:endParaRPr lang="en-US" dirty="0"/>
+          </a:p>
+        </p:txBody>
+      </p:sp>
+      <p:sp>
+        <p:nvSpPr>
+          <p:cNvPr id="4" name="Slide Number Placeholder 3"/>
+          <p:cNvSpPr>
+            <a:spLocks noGrp="1"/>
+          </p:cNvSpPr>
+          <p:nvPr>
+            <p:ph type="sldNum" sz="quarter" idx="10"/>
+          </p:nvPr>
+        </p:nvSpPr>
+        <p:spPr/>
+        <p:txBody>
+          <a:bodyPr/>
+          <a:lstStyle/>
+          <a:p>
+            <a:pPr>
+              <a:defRPr/>
+            </a:pPr>
+            <a:fld id="{2D118A52-EDC5-42B9-AEFF-70EBA4319419}" type="slidenum">
+              <a:rPr lang="en-US" smtClean="0">
+                <a:solidFill>
+                  <a:srgbClr val="FFFFFF"/>
+                </a:solidFill>
+              </a:rPr>
+              <a:pPr>
+                <a:defRPr/>
+              </a:pPr>
+              <a:t>48</a:t>
+            </a:fld>
+            <a:endParaRPr lang="en-US" dirty="0">
+              <a:solidFill>
+                <a:srgbClr val="FFFFFF"/>
+              </a:solidFill>
+            </a:endParaRPr>
+          </a:p>
+        </p:txBody>
+      </p:sp>
+      <p:pic>
+        <p:nvPicPr>
+          <p:cNvPr id="5" name="Picture 4"/>
+          <p:cNvPicPr>
+            <a:picLocks noChangeAspect="1"/>
+          </p:cNvPicPr>
+          <p:nvPr/>
+        </p:nvPicPr>
+        <p:blipFill>
+          <a:blip r:embed="rId3"/>
+          <a:stretch>
+            <a:fillRect/>
+          </a:stretch>
+        </p:blipFill>
+        <p:spPr>
+          <a:xfrm>
+            <a:off x="5472545" y="1339274"/>
+            <a:ext cx="2361104" cy="1763911"/>
+          </a:xfrm>
+          <a:prstGeom prst="rect">
+            <a:avLst/>
+          </a:prstGeom>
+        </p:spPr>
+      </p:pic>
+    </p:spTree>
+    <p:extLst>
+      <p:ext uri="{BB962C8B-B14F-4D97-AF65-F5344CB8AC3E}">
+        <p14:creationId xmlns:p14="http://schemas.microsoft.com/office/powerpoint/2010/main" val="2761252653"/>
+      </p:ext>
+    </p:extLst>
+  </p:cSld>
+  <p:clrMapOvr>
+    <a:masterClrMapping/>
+  </p:clrMapOvr>
+</p:sld>
+</file>
+
+<file path=ppt/slides/slide49.xml><?xml version="1.0" encoding="utf-8"?>
+<p:sld xmlns:a="http://schemas.openxmlformats.org/drawingml/2006/main" xmlns:r="http://schemas.openxmlformats.org/officeDocument/2006/relationships" xmlns:p="http://schemas.openxmlformats.org/presentationml/2006/main">
+  <p:cSld>
+    <p:spTree>
+      <p:nvGrpSpPr>
+        <p:cNvPr id="1" name=""/>
+        <p:cNvGrpSpPr/>
+        <p:nvPr/>
+      </p:nvGrpSpPr>
+      <p:grpSpPr>
+        <a:xfrm>
+          <a:off x="0" y="0"/>
+          <a:ext cx="0" cy="0"/>
+          <a:chOff x="0" y="0"/>
+          <a:chExt cx="0" cy="0"/>
+        </a:xfrm>
+      </p:grpSpPr>
+      <p:sp>
+        <p:nvSpPr>
+          <p:cNvPr id="2" name="Title 1"/>
+          <p:cNvSpPr>
+            <a:spLocks noGrp="1"/>
+          </p:cNvSpPr>
+          <p:nvPr>
+            <p:ph type="title"/>
+          </p:nvPr>
+        </p:nvSpPr>
+        <p:spPr>
+          <a:xfrm>
+            <a:off x="457200" y="0"/>
+            <a:ext cx="8229600" cy="646331"/>
+          </a:xfrm>
+        </p:spPr>
+        <p:txBody>
+          <a:bodyPr>
+            <a:normAutofit fontScale="90000"/>
+          </a:bodyPr>
+          <a:lstStyle/>
+          <a:p>
+            <a:r>
+              <a:rPr lang="en-US" dirty="0" smtClean="0"/>
+              <a:t>DevOps – Inspiration!!</a:t>
+            </a:r>
+            <a:endParaRPr lang="en-US" dirty="0"/>
+          </a:p>
+        </p:txBody>
+      </p:sp>
+      <p:sp>
+        <p:nvSpPr>
+          <p:cNvPr id="3" name="Content Placeholder 2"/>
+          <p:cNvSpPr>
+            <a:spLocks noGrp="1"/>
+          </p:cNvSpPr>
+          <p:nvPr>
+            <p:ph idx="1"/>
+          </p:nvPr>
+        </p:nvSpPr>
+        <p:spPr/>
+        <p:txBody>
+          <a:bodyPr/>
+          <a:lstStyle/>
+          <a:p>
+            <a:r>
+              <a:rPr lang="en-US" dirty="0"/>
+              <a:t>"Simply put, all unicorns were once horses. DevOps is how any horse can become a unicorn, if they want to become one. And in fact, the list of enterprises adopting DevOps continues to grow." </a:t>
+            </a:r>
+            <a:r>
+              <a:rPr lang="en-US" b="1" dirty="0"/>
+              <a:t>Gene Kim</a:t>
+            </a:r>
+            <a:endParaRPr lang="en-US" dirty="0"/>
+          </a:p>
+          <a:p>
+            <a:endParaRPr lang="en-US" dirty="0"/>
+          </a:p>
+        </p:txBody>
+      </p:sp>
+      <p:sp>
+        <p:nvSpPr>
+          <p:cNvPr id="4" name="Slide Number Placeholder 3"/>
+          <p:cNvSpPr>
+            <a:spLocks noGrp="1"/>
+          </p:cNvSpPr>
+          <p:nvPr>
+            <p:ph type="sldNum" sz="quarter" idx="10"/>
+          </p:nvPr>
+        </p:nvSpPr>
+        <p:spPr/>
+        <p:txBody>
+          <a:bodyPr/>
+          <a:lstStyle/>
+          <a:p>
+            <a:pPr>
+              <a:defRPr/>
+            </a:pPr>
+            <a:fld id="{2D118A52-EDC5-42B9-AEFF-70EBA4319419}" type="slidenum">
+              <a:rPr lang="en-US" smtClean="0">
+                <a:solidFill>
+                  <a:srgbClr val="FFFFFF"/>
+                </a:solidFill>
+              </a:rPr>
+              <a:pPr>
+                <a:defRPr/>
+              </a:pPr>
+              <a:t>49</a:t>
+            </a:fld>
+            <a:endParaRPr lang="en-US" dirty="0">
+              <a:solidFill>
+                <a:srgbClr val="FFFFFF"/>
+              </a:solidFill>
+            </a:endParaRPr>
+          </a:p>
+        </p:txBody>
+      </p:sp>
+      <p:pic>
+        <p:nvPicPr>
+          <p:cNvPr id="5" name="Picture 4"/>
+          <p:cNvPicPr>
+            <a:picLocks noChangeAspect="1"/>
+          </p:cNvPicPr>
+          <p:nvPr/>
+        </p:nvPicPr>
+        <p:blipFill>
+          <a:blip r:embed="rId2"/>
+          <a:stretch>
+            <a:fillRect/>
+          </a:stretch>
+        </p:blipFill>
+        <p:spPr>
+          <a:xfrm>
+            <a:off x="0" y="2640744"/>
+            <a:ext cx="9144000" cy="3434411"/>
+          </a:xfrm>
+          <a:prstGeom prst="rect">
+            <a:avLst/>
+          </a:prstGeom>
+        </p:spPr>
+      </p:pic>
+    </p:spTree>
+    <p:extLst>
+      <p:ext uri="{BB962C8B-B14F-4D97-AF65-F5344CB8AC3E}">
+        <p14:creationId xmlns:p14="http://schemas.microsoft.com/office/powerpoint/2010/main" val="198995894"/>
+      </p:ext>
+    </p:extLst>
+  </p:cSld>
+  <p:clrMapOvr>
+    <a:masterClrMapping/>
+  </p:clrMapOvr>
+</p:sld>
+</file>
+
 <file path=ppt/slides/slide5.xml><?xml version="1.0" encoding="utf-8"?>
 <p:sld xmlns:a="http://schemas.openxmlformats.org/drawingml/2006/main" xmlns:r="http://schemas.openxmlformats.org/officeDocument/2006/relationships" xmlns:p="http://schemas.openxmlformats.org/presentationml/2006/main">
   <p:cSld>
@@ -32038,6 +38779,93 @@
       </p:par>
     </p:tnLst>
   </p:timing>
+</p:sld>
+</file>
+
+<file path=ppt/slides/slide50.xml><?xml version="1.0" encoding="utf-8"?>
+<p:sld xmlns:a="http://schemas.openxmlformats.org/drawingml/2006/main" xmlns:r="http://schemas.openxmlformats.org/officeDocument/2006/relationships" xmlns:p="http://schemas.openxmlformats.org/presentationml/2006/main">
+  <p:cSld>
+    <p:spTree>
+      <p:nvGrpSpPr>
+        <p:cNvPr id="1" name=""/>
+        <p:cNvGrpSpPr/>
+        <p:nvPr/>
+      </p:nvGrpSpPr>
+      <p:grpSpPr>
+        <a:xfrm>
+          <a:off x="0" y="0"/>
+          <a:ext cx="0" cy="0"/>
+          <a:chOff x="0" y="0"/>
+          <a:chExt cx="0" cy="0"/>
+        </a:xfrm>
+      </p:grpSpPr>
+      <p:sp>
+        <p:nvSpPr>
+          <p:cNvPr id="2" name="Title 1"/>
+          <p:cNvSpPr>
+            <a:spLocks noGrp="1"/>
+          </p:cNvSpPr>
+          <p:nvPr>
+            <p:ph type="title"/>
+          </p:nvPr>
+        </p:nvSpPr>
+        <p:spPr/>
+        <p:txBody>
+          <a:bodyPr/>
+          <a:lstStyle/>
+          <a:p>
+            <a:endParaRPr lang="en-US" dirty="0"/>
+          </a:p>
+        </p:txBody>
+      </p:sp>
+      <p:sp>
+        <p:nvSpPr>
+          <p:cNvPr id="3" name="Content Placeholder 2"/>
+          <p:cNvSpPr>
+            <a:spLocks noGrp="1"/>
+          </p:cNvSpPr>
+          <p:nvPr>
+            <p:ph sz="half" idx="1"/>
+          </p:nvPr>
+        </p:nvSpPr>
+        <p:spPr/>
+        <p:txBody>
+          <a:bodyPr/>
+          <a:lstStyle/>
+          <a:p>
+            <a:endParaRPr lang="en-US"/>
+          </a:p>
+        </p:txBody>
+      </p:sp>
+      <p:sp>
+        <p:nvSpPr>
+          <p:cNvPr id="4" name="Content Placeholder 3"/>
+          <p:cNvSpPr>
+            <a:spLocks noGrp="1"/>
+          </p:cNvSpPr>
+          <p:nvPr>
+            <p:ph sz="half" idx="2"/>
+          </p:nvPr>
+        </p:nvSpPr>
+        <p:spPr/>
+        <p:txBody>
+          <a:bodyPr/>
+          <a:lstStyle/>
+          <a:p>
+            <a:endParaRPr lang="en-US"/>
+          </a:p>
+        </p:txBody>
+      </p:sp>
+    </p:spTree>
+    <p:extLst>
+      <p:ext uri="{BB962C8B-B14F-4D97-AF65-F5344CB8AC3E}">
+        <p14:creationId xmlns:p14="http://schemas.microsoft.com/office/powerpoint/2010/main" val="125081020"/>
+      </p:ext>
+    </p:extLst>
+  </p:cSld>
+  <p:clrMapOvr>
+    <a:masterClrMapping/>
+  </p:clrMapOvr>
 </p:sld>
 </file>
 

--- a/ALFDevOps.pptx
+++ b/ALFDevOps.pptx
@@ -17689,58 +17689,6 @@
           <a:bodyPr/>
           <a:lstStyle/>
           <a:p>
-            <a:r>
-              <a:rPr lang="en-US" dirty="0" smtClean="0"/>
-              <a:t>Operations</a:t>
-            </a:r>
-            <a:r>
-              <a:rPr lang="en-US" baseline="0" dirty="0" smtClean="0"/>
-              <a:t> as a Service – Operations Engineering</a:t>
-            </a:r>
-          </a:p>
-          <a:p>
-            <a:r>
-              <a:rPr lang="en-US" baseline="0" dirty="0" smtClean="0"/>
-              <a:t>Process, tools and systems</a:t>
-            </a:r>
-          </a:p>
-          <a:p>
-            <a:r>
-              <a:rPr lang="en-US" baseline="0" dirty="0" smtClean="0"/>
-              <a:t>Service provider mindset</a:t>
-            </a:r>
-          </a:p>
-          <a:p>
-            <a:endParaRPr lang="en-US" baseline="0" dirty="0" smtClean="0"/>
-          </a:p>
-          <a:p>
-            <a:r>
-              <a:rPr lang="en-US" dirty="0" smtClean="0"/>
-              <a:t>Can your developers easily create a development sandbox that closely matches the production environment, even when physical resources are constrained?</a:t>
-            </a:r>
-          </a:p>
-          <a:p>
-            <a:r>
-              <a:rPr lang="en-US" dirty="0" smtClean="0"/>
-              <a:t>Does your organization structure support cross-functional teams that put more emphasis on getting quality software out the door than individuals’ roles?</a:t>
-            </a:r>
-          </a:p>
-          <a:p>
-            <a:r>
-              <a:rPr lang="en-US" dirty="0" smtClean="0"/>
-              <a:t>Can your team provide overall visibility into your application release activities and timing to all major stakeholders?</a:t>
-            </a:r>
-          </a:p>
-          <a:p>
-            <a:r>
-              <a:rPr lang="en-US" dirty="0" smtClean="0"/>
-              <a:t>Have you consolidated the tools required to monitor network, systems, database and other areas to reduce complexity and speed time to market? </a:t>
-            </a:r>
-          </a:p>
-          <a:p>
-            <a:endParaRPr lang="en-US" dirty="0" smtClean="0"/>
-          </a:p>
-          <a:p>
             <a:endParaRPr lang="en-US" dirty="0"/>
           </a:p>
         </p:txBody>
@@ -17760,18 +17708,18 @@
           <a:bodyPr/>
           <a:lstStyle/>
           <a:p>
-            <a:fld id="{94FE6B48-4C97-433B-A132-37D006EDD47F}" type="slidenum">
+            <a:fld id="{543AF3E1-0682-5643-ACAF-5F020275E910}" type="slidenum">
               <a:rPr lang="en-US" smtClean="0"/>
-              <a:t>47</a:t>
+              <a:t>46</a:t>
             </a:fld>
-            <a:endParaRPr lang="en-US" dirty="0"/>
+            <a:endParaRPr lang="en-US"/>
           </a:p>
         </p:txBody>
       </p:sp>
     </p:spTree>
     <p:extLst>
       <p:ext uri="{BB962C8B-B14F-4D97-AF65-F5344CB8AC3E}">
-        <p14:creationId xmlns:p14="http://schemas.microsoft.com/office/powerpoint/2010/main" val="2354877676"/>
+        <p14:creationId xmlns:p14="http://schemas.microsoft.com/office/powerpoint/2010/main" val="4005519873"/>
       </p:ext>
     </p:extLst>
   </p:cSld>
@@ -17827,12 +17775,519 @@
           <a:p>
             <a:r>
               <a:rPr lang="en-US" dirty="0" smtClean="0"/>
+              <a:t>Operations</a:t>
+            </a:r>
+            <a:r>
+              <a:rPr lang="en-US" baseline="0" dirty="0" smtClean="0"/>
+              <a:t> as a Service – Operations Engineering</a:t>
+            </a:r>
+          </a:p>
+          <a:p>
+            <a:r>
+              <a:rPr lang="en-US" baseline="0" dirty="0" smtClean="0"/>
+              <a:t>Process, tools and systems</a:t>
+            </a:r>
+          </a:p>
+          <a:p>
+            <a:r>
+              <a:rPr lang="en-US" baseline="0" dirty="0" smtClean="0"/>
+              <a:t>Service provider mindset</a:t>
+            </a:r>
+          </a:p>
+          <a:p>
+            <a:endParaRPr lang="en-US" baseline="0" dirty="0" smtClean="0"/>
+          </a:p>
+          <a:p>
+            <a:r>
+              <a:rPr lang="en-US" dirty="0" smtClean="0"/>
+              <a:t>Can your developers easily create a development sandbox that closely matches the production environment, even when physical resources are constrained?</a:t>
+            </a:r>
+          </a:p>
+          <a:p>
+            <a:r>
+              <a:rPr lang="en-US" dirty="0" smtClean="0"/>
+              <a:t>Does your organization structure support cross-functional teams that put more emphasis on getting quality software out the door than individuals’ roles?</a:t>
+            </a:r>
+          </a:p>
+          <a:p>
+            <a:r>
+              <a:rPr lang="en-US" dirty="0" smtClean="0"/>
+              <a:t>Can your team provide overall visibility into your application release activities and timing to all major stakeholders?</a:t>
+            </a:r>
+          </a:p>
+          <a:p>
+            <a:r>
+              <a:rPr lang="en-US" dirty="0" smtClean="0"/>
+              <a:t>Have you consolidated the tools required to monitor network, systems, database and other areas to reduce complexity and speed time to market? </a:t>
+            </a:r>
+          </a:p>
+          <a:p>
+            <a:endParaRPr lang="en-US" dirty="0" smtClean="0"/>
+          </a:p>
+          <a:p>
+            <a:endParaRPr lang="en-US" dirty="0"/>
+          </a:p>
+        </p:txBody>
+      </p:sp>
+      <p:sp>
+        <p:nvSpPr>
+          <p:cNvPr id="4" name="Slide Number Placeholder 3"/>
+          <p:cNvSpPr>
+            <a:spLocks noGrp="1"/>
+          </p:cNvSpPr>
+          <p:nvPr>
+            <p:ph type="sldNum" sz="quarter" idx="10"/>
+          </p:nvPr>
+        </p:nvSpPr>
+        <p:spPr/>
+        <p:txBody>
+          <a:bodyPr/>
+          <a:lstStyle/>
+          <a:p>
+            <a:fld id="{94FE6B48-4C97-433B-A132-37D006EDD47F}" type="slidenum">
+              <a:rPr lang="en-US" smtClean="0"/>
+              <a:t>47</a:t>
+            </a:fld>
+            <a:endParaRPr lang="en-US" dirty="0"/>
+          </a:p>
+        </p:txBody>
+      </p:sp>
+    </p:spTree>
+    <p:extLst>
+      <p:ext uri="{BB962C8B-B14F-4D97-AF65-F5344CB8AC3E}">
+        <p14:creationId xmlns:p14="http://schemas.microsoft.com/office/powerpoint/2010/main" val="2354877676"/>
+      </p:ext>
+    </p:extLst>
+  </p:cSld>
+  <p:clrMapOvr>
+    <a:masterClrMapping/>
+  </p:clrMapOvr>
+</p:notes>
+</file>
+
+<file path=ppt/notesSlides/notesSlide33.xml><?xml version="1.0" encoding="utf-8"?>
+<p:notes xmlns:a="http://schemas.openxmlformats.org/drawingml/2006/main" xmlns:r="http://schemas.openxmlformats.org/officeDocument/2006/relationships" xmlns:p="http://schemas.openxmlformats.org/presentationml/2006/main">
+  <p:cSld>
+    <p:spTree>
+      <p:nvGrpSpPr>
+        <p:cNvPr id="1" name=""/>
+        <p:cNvGrpSpPr/>
+        <p:nvPr/>
+      </p:nvGrpSpPr>
+      <p:grpSpPr>
+        <a:xfrm>
+          <a:off x="0" y="0"/>
+          <a:ext cx="0" cy="0"/>
+          <a:chOff x="0" y="0"/>
+          <a:chExt cx="0" cy="0"/>
+        </a:xfrm>
+      </p:grpSpPr>
+      <p:sp>
+        <p:nvSpPr>
+          <p:cNvPr id="2" name="Slide Image Placeholder 1"/>
+          <p:cNvSpPr>
+            <a:spLocks noGrp="1" noRot="1" noChangeAspect="1"/>
+          </p:cNvSpPr>
+          <p:nvPr>
+            <p:ph type="sldImg"/>
+          </p:nvPr>
+        </p:nvSpPr>
+        <p:spPr/>
+      </p:sp>
+      <p:sp>
+        <p:nvSpPr>
+          <p:cNvPr id="3" name="Notes Placeholder 2"/>
+          <p:cNvSpPr>
+            <a:spLocks noGrp="1"/>
+          </p:cNvSpPr>
+          <p:nvPr>
+            <p:ph type="body" idx="1"/>
+          </p:nvPr>
+        </p:nvSpPr>
+        <p:spPr/>
+        <p:txBody>
+          <a:bodyPr/>
+          <a:lstStyle/>
+          <a:p>
+            <a:r>
+              <a:rPr lang="en-US" dirty="0" smtClean="0"/>
               <a:t>1 – DevOps does replace agile – logical continuation</a:t>
             </a:r>
             <a:r>
               <a:rPr lang="en-US" baseline="0" dirty="0" smtClean="0"/>
               <a:t> of Agile</a:t>
             </a:r>
+          </a:p>
+          <a:p>
+            <a:pPr marL="0" marR="0" indent="0" algn="l" defTabSz="457200" rtl="0" eaLnBrk="1" fontAlgn="auto" latinLnBrk="0" hangingPunct="1">
+              <a:lnSpc>
+                <a:spcPct val="100000"/>
+              </a:lnSpc>
+              <a:spcBef>
+                <a:spcPts val="0"/>
+              </a:spcBef>
+              <a:spcAft>
+                <a:spcPts val="0"/>
+              </a:spcAft>
+              <a:buClrTx/>
+              <a:buSzTx/>
+              <a:buFontTx/>
+              <a:buNone/>
+              <a:tabLst/>
+              <a:defRPr/>
+            </a:pPr>
+            <a:endParaRPr lang="en-US" baseline="0" dirty="0" smtClean="0"/>
+          </a:p>
+          <a:p>
+            <a:pPr marL="0" marR="0" indent="0" algn="l" defTabSz="457200" rtl="0" eaLnBrk="1" fontAlgn="auto" latinLnBrk="0" hangingPunct="1">
+              <a:lnSpc>
+                <a:spcPct val="100000"/>
+              </a:lnSpc>
+              <a:spcBef>
+                <a:spcPts val="0"/>
+              </a:spcBef>
+              <a:spcAft>
+                <a:spcPts val="0"/>
+              </a:spcAft>
+              <a:buClrTx/>
+              <a:buSzTx/>
+              <a:buFontTx/>
+              <a:buNone/>
+              <a:tabLst/>
+              <a:defRPr/>
+            </a:pPr>
+            <a:r>
+              <a:rPr lang="en-US" baseline="0" dirty="0" smtClean="0"/>
+              <a:t>2 – ITIL – ITSM </a:t>
+            </a:r>
+            <a:r>
+              <a:rPr lang="en-US" sz="1200" kern="1200" dirty="0" smtClean="0">
+                <a:solidFill>
+                  <a:schemeClr val="tx1"/>
+                </a:solidFill>
+                <a:effectLst/>
+                <a:latin typeface="+mn-lt"/>
+                <a:ea typeface="+mn-ea"/>
+                <a:cs typeface="+mn-cs"/>
+              </a:rPr>
+              <a:t>remain the best codifications of the processes that underpin IT Operations, and actually describe many of the capabilities needed in order for IT Operations to support a DevOps-style work stream.  </a:t>
+            </a:r>
+          </a:p>
+          <a:p>
+            <a:pPr marL="0" marR="0" indent="0" algn="l" defTabSz="457200" rtl="0" eaLnBrk="1" fontAlgn="auto" latinLnBrk="0" hangingPunct="1">
+              <a:lnSpc>
+                <a:spcPct val="100000"/>
+              </a:lnSpc>
+              <a:spcBef>
+                <a:spcPts val="0"/>
+              </a:spcBef>
+              <a:spcAft>
+                <a:spcPts val="0"/>
+              </a:spcAft>
+              <a:buClrTx/>
+              <a:buSzTx/>
+              <a:buFontTx/>
+              <a:buNone/>
+              <a:tabLst/>
+              <a:defRPr/>
+            </a:pPr>
+            <a:r>
+              <a:rPr lang="en-US" sz="1200" kern="1200" dirty="0" smtClean="0">
+                <a:solidFill>
+                  <a:schemeClr val="tx1"/>
+                </a:solidFill>
+                <a:effectLst/>
+                <a:latin typeface="+mn-lt"/>
+                <a:ea typeface="+mn-ea"/>
+                <a:cs typeface="+mn-cs"/>
+              </a:rPr>
+              <a:t>In order to accommodate the faster lead times and higher deployment frequencies associated with DevOps, many areas of the ITIL processes require automation, specifically around the change, configuration, and release processes.</a:t>
+            </a:r>
+          </a:p>
+          <a:p>
+            <a:pPr marL="0" marR="0" indent="0" algn="l" defTabSz="457200" rtl="0" eaLnBrk="1" fontAlgn="auto" latinLnBrk="0" hangingPunct="1">
+              <a:lnSpc>
+                <a:spcPct val="100000"/>
+              </a:lnSpc>
+              <a:spcBef>
+                <a:spcPts val="0"/>
+              </a:spcBef>
+              <a:spcAft>
+                <a:spcPts val="0"/>
+              </a:spcAft>
+              <a:buClrTx/>
+              <a:buSzTx/>
+              <a:buFontTx/>
+              <a:buNone/>
+              <a:tabLst/>
+              <a:defRPr/>
+            </a:pPr>
+            <a:endParaRPr lang="en-US" sz="1200" kern="1200" dirty="0" smtClean="0">
+              <a:solidFill>
+                <a:schemeClr val="tx1"/>
+              </a:solidFill>
+              <a:effectLst/>
+              <a:latin typeface="+mn-lt"/>
+              <a:ea typeface="+mn-ea"/>
+              <a:cs typeface="+mn-cs"/>
+            </a:endParaRPr>
+          </a:p>
+          <a:p>
+            <a:pPr marL="0" marR="0" indent="0" algn="l" defTabSz="457200" rtl="0" eaLnBrk="1" fontAlgn="auto" latinLnBrk="0" hangingPunct="1">
+              <a:lnSpc>
+                <a:spcPct val="100000"/>
+              </a:lnSpc>
+              <a:spcBef>
+                <a:spcPts val="0"/>
+              </a:spcBef>
+              <a:spcAft>
+                <a:spcPts val="0"/>
+              </a:spcAft>
+              <a:buClrTx/>
+              <a:buSzTx/>
+              <a:buFontTx/>
+              <a:buNone/>
+              <a:tabLst/>
+              <a:defRPr/>
+            </a:pPr>
+            <a:r>
+              <a:rPr lang="en-US" sz="1200" kern="1200" dirty="0" smtClean="0">
+                <a:solidFill>
+                  <a:schemeClr val="tx1"/>
+                </a:solidFill>
+                <a:effectLst/>
+                <a:latin typeface="+mn-lt"/>
+                <a:ea typeface="+mn-ea"/>
+                <a:cs typeface="+mn-cs"/>
+              </a:rPr>
+              <a:t>b/c we require faster detection and resolution the</a:t>
+            </a:r>
+            <a:r>
+              <a:rPr lang="en-US" sz="1200" kern="1200" baseline="0" dirty="0" smtClean="0">
+                <a:solidFill>
+                  <a:schemeClr val="tx1"/>
+                </a:solidFill>
+                <a:effectLst/>
+                <a:latin typeface="+mn-lt"/>
+                <a:ea typeface="+mn-ea"/>
+                <a:cs typeface="+mn-cs"/>
+              </a:rPr>
+              <a:t> </a:t>
+            </a:r>
+            <a:r>
+              <a:rPr lang="en-US" sz="1200" kern="1200" dirty="0" smtClean="0">
+                <a:solidFill>
+                  <a:schemeClr val="tx1"/>
+                </a:solidFill>
+                <a:effectLst/>
+                <a:latin typeface="+mn-lt"/>
+                <a:ea typeface="+mn-ea"/>
+                <a:cs typeface="+mn-cs"/>
+              </a:rPr>
+              <a:t>ITIL disciplines of service design and incident and problem management remain as relevant as ever.</a:t>
+            </a:r>
+            <a:r>
+              <a:rPr lang="en-US" dirty="0" smtClean="0">
+                <a:effectLst/>
+              </a:rPr>
+              <a:t> </a:t>
+            </a:r>
+            <a:endParaRPr lang="en-US" sz="1200" kern="1200" dirty="0" smtClean="0">
+              <a:solidFill>
+                <a:schemeClr val="tx1"/>
+              </a:solidFill>
+              <a:effectLst/>
+              <a:latin typeface="+mn-lt"/>
+              <a:ea typeface="+mn-ea"/>
+              <a:cs typeface="+mn-cs"/>
+            </a:endParaRPr>
+          </a:p>
+          <a:p>
+            <a:pPr marL="0" marR="0" indent="0" algn="l" defTabSz="457200" rtl="0" eaLnBrk="1" fontAlgn="auto" latinLnBrk="0" hangingPunct="1">
+              <a:lnSpc>
+                <a:spcPct val="100000"/>
+              </a:lnSpc>
+              <a:spcBef>
+                <a:spcPts val="0"/>
+              </a:spcBef>
+              <a:spcAft>
+                <a:spcPts val="0"/>
+              </a:spcAft>
+              <a:buClrTx/>
+              <a:buSzTx/>
+              <a:buFontTx/>
+              <a:buNone/>
+              <a:tabLst/>
+              <a:defRPr/>
+            </a:pPr>
+            <a:endParaRPr lang="en-US" sz="1200" kern="1200" dirty="0" smtClean="0">
+              <a:solidFill>
+                <a:schemeClr val="tx1"/>
+              </a:solidFill>
+              <a:effectLst/>
+              <a:latin typeface="+mn-lt"/>
+              <a:ea typeface="+mn-ea"/>
+              <a:cs typeface="+mn-cs"/>
+            </a:endParaRPr>
+          </a:p>
+          <a:p>
+            <a:pPr marL="0" marR="0" indent="0" algn="l" defTabSz="457200" rtl="0" eaLnBrk="1" fontAlgn="auto" latinLnBrk="0" hangingPunct="1">
+              <a:lnSpc>
+                <a:spcPct val="100000"/>
+              </a:lnSpc>
+              <a:spcBef>
+                <a:spcPts val="0"/>
+              </a:spcBef>
+              <a:spcAft>
+                <a:spcPts val="0"/>
+              </a:spcAft>
+              <a:buClrTx/>
+              <a:buSzTx/>
+              <a:buFontTx/>
+              <a:buNone/>
+              <a:tabLst/>
+              <a:defRPr/>
+            </a:pPr>
+            <a:r>
+              <a:rPr lang="en-US" sz="1200" kern="1200" dirty="0" smtClean="0">
+                <a:solidFill>
+                  <a:schemeClr val="tx1"/>
+                </a:solidFill>
+                <a:effectLst/>
+                <a:latin typeface="+mn-lt"/>
+                <a:ea typeface="+mn-ea"/>
+                <a:cs typeface="+mn-cs"/>
+              </a:rPr>
+              <a:t>3</a:t>
+            </a:r>
+            <a:r>
+              <a:rPr lang="en-US" sz="1200" kern="1200" baseline="0" dirty="0" smtClean="0">
+                <a:solidFill>
+                  <a:schemeClr val="tx1"/>
+                </a:solidFill>
+                <a:effectLst/>
+                <a:latin typeface="+mn-lt"/>
+                <a:ea typeface="+mn-ea"/>
+                <a:cs typeface="+mn-cs"/>
+              </a:rPr>
+              <a:t> – Providing Dev. Responsibility to release into production – certain tools are enablers of this.</a:t>
+            </a:r>
+          </a:p>
+          <a:p>
+            <a:pPr marL="0" marR="0" indent="0" algn="l" defTabSz="457200" rtl="0" eaLnBrk="1" fontAlgn="auto" latinLnBrk="0" hangingPunct="1">
+              <a:lnSpc>
+                <a:spcPct val="100000"/>
+              </a:lnSpc>
+              <a:spcBef>
+                <a:spcPts val="0"/>
+              </a:spcBef>
+              <a:spcAft>
+                <a:spcPts val="0"/>
+              </a:spcAft>
+              <a:buClrTx/>
+              <a:buSzTx/>
+              <a:buFontTx/>
+              <a:buNone/>
+              <a:tabLst/>
+              <a:defRPr/>
+            </a:pPr>
+            <a:r>
+              <a:rPr lang="en-US" sz="1200" kern="1200" dirty="0" smtClean="0">
+                <a:solidFill>
+                  <a:schemeClr val="tx1"/>
+                </a:solidFill>
+                <a:effectLst/>
+                <a:latin typeface="+mn-lt"/>
+                <a:ea typeface="+mn-ea"/>
+                <a:cs typeface="+mn-cs"/>
+              </a:rPr>
+              <a:t>In order to support fast lead times and enable developer productivity, DevOps does require many IT operations tasks to become self-service. In other words, instead of development opening up a work ticket and waiting for IT operations to complete the work, many of these activities will be automated so that developers can do it themselves (e.g. get a production-like </a:t>
+            </a:r>
+            <a:r>
+              <a:rPr lang="en-US" sz="1200" kern="1200" dirty="0" err="1" smtClean="0">
+                <a:solidFill>
+                  <a:schemeClr val="tx1"/>
+                </a:solidFill>
+                <a:effectLst/>
+                <a:latin typeface="+mn-lt"/>
+                <a:ea typeface="+mn-ea"/>
+                <a:cs typeface="+mn-cs"/>
+              </a:rPr>
+              <a:t>dev</a:t>
+            </a:r>
+            <a:r>
+              <a:rPr lang="en-US" sz="1200" kern="1200" dirty="0" smtClean="0">
+                <a:solidFill>
+                  <a:schemeClr val="tx1"/>
+                </a:solidFill>
+                <a:effectLst/>
+                <a:latin typeface="+mn-lt"/>
+                <a:ea typeface="+mn-ea"/>
+                <a:cs typeface="+mn-cs"/>
+              </a:rPr>
+              <a:t> environment or add a feature metric for production telemetry).</a:t>
+            </a:r>
+          </a:p>
+          <a:p>
+            <a:pPr marL="0" marR="0" indent="0" algn="l" defTabSz="457200" rtl="0" eaLnBrk="1" fontAlgn="auto" latinLnBrk="0" hangingPunct="1">
+              <a:lnSpc>
+                <a:spcPct val="100000"/>
+              </a:lnSpc>
+              <a:spcBef>
+                <a:spcPts val="0"/>
+              </a:spcBef>
+              <a:spcAft>
+                <a:spcPts val="0"/>
+              </a:spcAft>
+              <a:buClrTx/>
+              <a:buSzTx/>
+              <a:buFontTx/>
+              <a:buNone/>
+              <a:tabLst/>
+              <a:defRPr/>
+            </a:pPr>
+            <a:endParaRPr lang="en-US" sz="1200" kern="1200" dirty="0" smtClean="0">
+              <a:solidFill>
+                <a:schemeClr val="tx1"/>
+              </a:solidFill>
+              <a:effectLst/>
+              <a:latin typeface="+mn-lt"/>
+              <a:ea typeface="+mn-ea"/>
+              <a:cs typeface="+mn-cs"/>
+            </a:endParaRPr>
+          </a:p>
+          <a:p>
+            <a:pPr marL="0" marR="0" indent="0" algn="l" defTabSz="457200" rtl="0" eaLnBrk="1" fontAlgn="auto" latinLnBrk="0" hangingPunct="1">
+              <a:lnSpc>
+                <a:spcPct val="100000"/>
+              </a:lnSpc>
+              <a:spcBef>
+                <a:spcPts val="0"/>
+              </a:spcBef>
+              <a:spcAft>
+                <a:spcPts val="0"/>
+              </a:spcAft>
+              <a:buClrTx/>
+              <a:buSzTx/>
+              <a:buFontTx/>
+              <a:buNone/>
+              <a:tabLst/>
+              <a:defRPr/>
+            </a:pPr>
+            <a:r>
+              <a:rPr lang="en-US" sz="1200" kern="1200" dirty="0" smtClean="0">
+                <a:solidFill>
+                  <a:schemeClr val="tx1"/>
+                </a:solidFill>
+                <a:effectLst/>
+                <a:latin typeface="+mn-lt"/>
+                <a:ea typeface="+mn-ea"/>
+                <a:cs typeface="+mn-cs"/>
+              </a:rPr>
+              <a:t>4 - </a:t>
+            </a:r>
+          </a:p>
+          <a:p>
             <a:endParaRPr lang="en-US" dirty="0"/>
           </a:p>
         </p:txBody>
@@ -38139,6 +38594,30 @@
           </a:p>
         </p:txBody>
       </p:sp>
+      <p:pic>
+        <p:nvPicPr>
+          <p:cNvPr id="4" name="Picture 3"/>
+          <p:cNvPicPr>
+            <a:picLocks noChangeAspect="1"/>
+          </p:cNvPicPr>
+          <p:nvPr/>
+        </p:nvPicPr>
+        <p:blipFill>
+          <a:blip r:embed="rId3"/>
+          <a:stretch>
+            <a:fillRect/>
+          </a:stretch>
+        </p:blipFill>
+        <p:spPr>
+          <a:xfrm>
+            <a:off x="1206500" y="901700"/>
+            <a:ext cx="6718300" cy="5041900"/>
+          </a:xfrm>
+          <a:prstGeom prst="rect">
+            <a:avLst/>
+          </a:prstGeom>
+        </p:spPr>
+      </p:pic>
     </p:spTree>
     <p:extLst>
       <p:ext uri="{BB962C8B-B14F-4D97-AF65-F5344CB8AC3E}">

--- a/ALFDevOps.pptx
+++ b/ALFDevOps.pptx
@@ -13,7 +13,7 @@
     <p:sldId id="315" r:id="rId4"/>
     <p:sldId id="257" r:id="rId5"/>
     <p:sldId id="258" r:id="rId6"/>
-    <p:sldId id="260" r:id="rId7"/>
+    <p:sldId id="325" r:id="rId7"/>
     <p:sldId id="322" r:id="rId8"/>
     <p:sldId id="319" r:id="rId9"/>
     <p:sldId id="318" r:id="rId10"/>
@@ -6578,8 +6578,8 @@
     <dgm:cxn modelId="{CD10E10E-D1C7-134F-B952-5AF52FC4E690}" srcId="{A7C267B5-FD16-EC4D-BE03-7A816628904A}" destId="{B627CFA2-6EFD-9043-B89A-CDED44F0F122}" srcOrd="2" destOrd="0" parTransId="{9317F3F0-6D5D-5445-8E8D-E3121F59934C}" sibTransId="{379C5149-0F22-EB49-B0AB-FEA569BAEBFA}"/>
     <dgm:cxn modelId="{39A61D23-CBAD-EB4F-AEC9-8C264E598D7A}" type="presOf" srcId="{7B35A379-D164-7646-B4D0-0CD073B9D4F5}" destId="{708441A5-B6B4-1846-93D8-389FB7CF65C3}" srcOrd="1" destOrd="0" presId="urn:microsoft.com/office/officeart/2005/8/layout/lProcess2"/>
     <dgm:cxn modelId="{49A3D346-C1DC-3C4E-91AE-E441EC48701A}" srcId="{A7C267B5-FD16-EC4D-BE03-7A816628904A}" destId="{6146631F-BC49-1541-B0E7-845E36AA1622}" srcOrd="0" destOrd="0" parTransId="{381F4946-B0BC-514A-9359-363B77F3A029}" sibTransId="{B8020DB6-C890-6143-8CCF-ED94BF3306C4}"/>
+    <dgm:cxn modelId="{F096C520-758A-5D49-8651-179AA3120D78}" type="presOf" srcId="{5E5733B1-5C32-F547-80D4-E4B096BF03CA}" destId="{5698ACED-139F-2045-B418-094D89CA2898}" srcOrd="0" destOrd="0" presId="urn:microsoft.com/office/officeart/2005/8/layout/lProcess2"/>
     <dgm:cxn modelId="{355AE86F-6A26-4944-A341-356888262281}" type="presOf" srcId="{6146631F-BC49-1541-B0E7-845E36AA1622}" destId="{00FBA305-74BC-7F4E-BC9E-FD61B00BBA6F}" srcOrd="0" destOrd="0" presId="urn:microsoft.com/office/officeart/2005/8/layout/lProcess2"/>
-    <dgm:cxn modelId="{F096C520-758A-5D49-8651-179AA3120D78}" type="presOf" srcId="{5E5733B1-5C32-F547-80D4-E4B096BF03CA}" destId="{5698ACED-139F-2045-B418-094D89CA2898}" srcOrd="0" destOrd="0" presId="urn:microsoft.com/office/officeart/2005/8/layout/lProcess2"/>
     <dgm:cxn modelId="{42C73260-F027-3F44-8257-FA9227E4EEBB}" type="presParOf" srcId="{BBF17B63-3BF2-174D-8AB1-9AF04C0CF059}" destId="{03EC654D-9096-9847-B271-E9C1CBFF8C60}" srcOrd="0" destOrd="0" presId="urn:microsoft.com/office/officeart/2005/8/layout/lProcess2"/>
     <dgm:cxn modelId="{37AE1E11-310A-8C48-9951-C15670B44855}" type="presParOf" srcId="{03EC654D-9096-9847-B271-E9C1CBFF8C60}" destId="{00FBA305-74BC-7F4E-BC9E-FD61B00BBA6F}" srcOrd="0" destOrd="0" presId="urn:microsoft.com/office/officeart/2005/8/layout/lProcess2"/>
     <dgm:cxn modelId="{A5D07CC7-AA08-534C-8817-A942144DF30E}" type="presParOf" srcId="{03EC654D-9096-9847-B271-E9C1CBFF8C60}" destId="{7DB03529-566B-304D-8FD9-3BA50B1C657A}" srcOrd="1" destOrd="0" presId="urn:microsoft.com/office/officeart/2005/8/layout/lProcess2"/>
@@ -10228,741 +10228,6 @@
       <dsp:cNvGrpSpPr/>
     </dsp:nvGrpSpPr>
     <dsp:grpSpPr/>
-    <dsp:sp modelId="{A76C78DF-6720-4A43-8342-C4D7C307CB79}">
-      <dsp:nvSpPr>
-        <dsp:cNvPr id="0" name=""/>
-        <dsp:cNvSpPr/>
-      </dsp:nvSpPr>
-      <dsp:spPr>
-        <a:xfrm>
-          <a:off x="0" y="1874132"/>
-          <a:ext cx="1283229" cy="513291"/>
-        </a:xfrm>
-        <a:prstGeom prst="chevron">
-          <a:avLst/>
-        </a:prstGeom>
-        <a:gradFill rotWithShape="0">
-          <a:gsLst>
-            <a:gs pos="0">
-              <a:schemeClr val="accent6">
-                <a:shade val="80000"/>
-                <a:hueOff val="0"/>
-                <a:satOff val="0"/>
-                <a:lumOff val="0"/>
-                <a:alphaOff val="0"/>
-                <a:tint val="100000"/>
-                <a:shade val="100000"/>
-                <a:satMod val="130000"/>
-              </a:schemeClr>
-            </a:gs>
-            <a:gs pos="100000">
-              <a:schemeClr val="accent6">
-                <a:shade val="80000"/>
-                <a:hueOff val="0"/>
-                <a:satOff val="0"/>
-                <a:lumOff val="0"/>
-                <a:alphaOff val="0"/>
-                <a:tint val="50000"/>
-                <a:shade val="100000"/>
-                <a:satMod val="350000"/>
-              </a:schemeClr>
-            </a:gs>
-          </a:gsLst>
-          <a:lin ang="16200000" scaled="0"/>
-        </a:gradFill>
-        <a:ln>
-          <a:noFill/>
-        </a:ln>
-        <a:effectLst>
-          <a:outerShdw blurRad="40000" dist="23000" dir="5400000" rotWithShape="0">
-            <a:srgbClr val="000000">
-              <a:alpha val="35000"/>
-            </a:srgbClr>
-          </a:outerShdw>
-        </a:effectLst>
-        <a:scene3d>
-          <a:camera prst="orthographicFront"/>
-          <a:lightRig rig="threePt" dir="t">
-            <a:rot lat="0" lon="0" rev="7500000"/>
-          </a:lightRig>
-        </a:scene3d>
-        <a:sp3d prstMaterial="plastic">
-          <a:bevelT w="127000" h="25400" prst="relaxedInset"/>
-        </a:sp3d>
-      </dsp:spPr>
-      <dsp:style>
-        <a:lnRef idx="0">
-          <a:scrgbClr r="0" g="0" b="0"/>
-        </a:lnRef>
-        <a:fillRef idx="3">
-          <a:scrgbClr r="0" g="0" b="0"/>
-        </a:fillRef>
-        <a:effectRef idx="2">
-          <a:scrgbClr r="0" g="0" b="0"/>
-        </a:effectRef>
-        <a:fontRef idx="minor">
-          <a:schemeClr val="lt1"/>
-        </a:fontRef>
-      </dsp:style>
-      <dsp:txBody>
-        <a:bodyPr spcFirstLastPara="0" vert="horz" wrap="square" lIns="64008" tIns="21336" rIns="21336" bIns="21336" numCol="1" spcCol="1270" anchor="ctr" anchorCtr="0">
-          <a:noAutofit/>
-        </a:bodyPr>
-        <a:lstStyle/>
-        <a:p>
-          <a:pPr lvl="0" algn="ctr" defTabSz="711200">
-            <a:lnSpc>
-              <a:spcPct val="90000"/>
-            </a:lnSpc>
-            <a:spcBef>
-              <a:spcPct val="0"/>
-            </a:spcBef>
-            <a:spcAft>
-              <a:spcPct val="35000"/>
-            </a:spcAft>
-          </a:pPr>
-          <a:r>
-            <a:rPr lang="en-US" sz="1600" kern="1200" dirty="0" smtClean="0"/>
-            <a:t>Design</a:t>
-          </a:r>
-          <a:endParaRPr lang="en-US" sz="1600" kern="1200" dirty="0"/>
-        </a:p>
-      </dsp:txBody>
-      <dsp:txXfrm>
-        <a:off x="256646" y="1874132"/>
-        <a:ext cx="769938" cy="513291"/>
-      </dsp:txXfrm>
-    </dsp:sp>
-    <dsp:sp modelId="{BC2F2DEB-BC5A-5B4F-9F23-B8FF3607950D}">
-      <dsp:nvSpPr>
-        <dsp:cNvPr id="0" name=""/>
-        <dsp:cNvSpPr/>
-      </dsp:nvSpPr>
-      <dsp:spPr>
-        <a:xfrm>
-          <a:off x="1154906" y="1874132"/>
-          <a:ext cx="1283229" cy="513291"/>
-        </a:xfrm>
-        <a:prstGeom prst="chevron">
-          <a:avLst/>
-        </a:prstGeom>
-        <a:gradFill rotWithShape="0">
-          <a:gsLst>
-            <a:gs pos="0">
-              <a:schemeClr val="accent6">
-                <a:shade val="80000"/>
-                <a:hueOff val="-63615"/>
-                <a:satOff val="2835"/>
-                <a:lumOff val="3963"/>
-                <a:alphaOff val="0"/>
-                <a:tint val="100000"/>
-                <a:shade val="100000"/>
-                <a:satMod val="130000"/>
-              </a:schemeClr>
-            </a:gs>
-            <a:gs pos="100000">
-              <a:schemeClr val="accent6">
-                <a:shade val="80000"/>
-                <a:hueOff val="-63615"/>
-                <a:satOff val="2835"/>
-                <a:lumOff val="3963"/>
-                <a:alphaOff val="0"/>
-                <a:tint val="50000"/>
-                <a:shade val="100000"/>
-                <a:satMod val="350000"/>
-              </a:schemeClr>
-            </a:gs>
-          </a:gsLst>
-          <a:lin ang="16200000" scaled="0"/>
-        </a:gradFill>
-        <a:ln>
-          <a:noFill/>
-        </a:ln>
-        <a:effectLst>
-          <a:outerShdw blurRad="40000" dist="23000" dir="5400000" rotWithShape="0">
-            <a:srgbClr val="000000">
-              <a:alpha val="35000"/>
-            </a:srgbClr>
-          </a:outerShdw>
-        </a:effectLst>
-        <a:scene3d>
-          <a:camera prst="orthographicFront"/>
-          <a:lightRig rig="threePt" dir="t">
-            <a:rot lat="0" lon="0" rev="7500000"/>
-          </a:lightRig>
-        </a:scene3d>
-        <a:sp3d prstMaterial="plastic">
-          <a:bevelT w="127000" h="25400" prst="relaxedInset"/>
-        </a:sp3d>
-      </dsp:spPr>
-      <dsp:style>
-        <a:lnRef idx="0">
-          <a:scrgbClr r="0" g="0" b="0"/>
-        </a:lnRef>
-        <a:fillRef idx="3">
-          <a:scrgbClr r="0" g="0" b="0"/>
-        </a:fillRef>
-        <a:effectRef idx="2">
-          <a:scrgbClr r="0" g="0" b="0"/>
-        </a:effectRef>
-        <a:fontRef idx="minor">
-          <a:schemeClr val="lt1"/>
-        </a:fontRef>
-      </dsp:style>
-      <dsp:txBody>
-        <a:bodyPr spcFirstLastPara="0" vert="horz" wrap="square" lIns="64008" tIns="21336" rIns="21336" bIns="21336" numCol="1" spcCol="1270" anchor="ctr" anchorCtr="0">
-          <a:noAutofit/>
-        </a:bodyPr>
-        <a:lstStyle/>
-        <a:p>
-          <a:pPr lvl="0" algn="ctr" defTabSz="711200">
-            <a:lnSpc>
-              <a:spcPct val="90000"/>
-            </a:lnSpc>
-            <a:spcBef>
-              <a:spcPct val="0"/>
-            </a:spcBef>
-            <a:spcAft>
-              <a:spcPct val="35000"/>
-            </a:spcAft>
-          </a:pPr>
-          <a:r>
-            <a:rPr lang="en-US" sz="1600" kern="1200" dirty="0" smtClean="0"/>
-            <a:t>Code</a:t>
-          </a:r>
-          <a:endParaRPr lang="en-US" sz="1600" kern="1200" dirty="0"/>
-        </a:p>
-      </dsp:txBody>
-      <dsp:txXfrm>
-        <a:off x="1411552" y="1874132"/>
-        <a:ext cx="769938" cy="513291"/>
-      </dsp:txXfrm>
-    </dsp:sp>
-    <dsp:sp modelId="{28BD943A-56F3-2E40-AAA9-C50EBB08F6D4}">
-      <dsp:nvSpPr>
-        <dsp:cNvPr id="0" name=""/>
-        <dsp:cNvSpPr/>
-      </dsp:nvSpPr>
-      <dsp:spPr>
-        <a:xfrm>
-          <a:off x="2309812" y="1874132"/>
-          <a:ext cx="1283229" cy="513291"/>
-        </a:xfrm>
-        <a:prstGeom prst="chevron">
-          <a:avLst/>
-        </a:prstGeom>
-        <a:gradFill rotWithShape="0">
-          <a:gsLst>
-            <a:gs pos="0">
-              <a:schemeClr val="accent6">
-                <a:shade val="80000"/>
-                <a:hueOff val="-127230"/>
-                <a:satOff val="5670"/>
-                <a:lumOff val="7926"/>
-                <a:alphaOff val="0"/>
-                <a:tint val="100000"/>
-                <a:shade val="100000"/>
-                <a:satMod val="130000"/>
-              </a:schemeClr>
-            </a:gs>
-            <a:gs pos="100000">
-              <a:schemeClr val="accent6">
-                <a:shade val="80000"/>
-                <a:hueOff val="-127230"/>
-                <a:satOff val="5670"/>
-                <a:lumOff val="7926"/>
-                <a:alphaOff val="0"/>
-                <a:tint val="50000"/>
-                <a:shade val="100000"/>
-                <a:satMod val="350000"/>
-              </a:schemeClr>
-            </a:gs>
-          </a:gsLst>
-          <a:lin ang="16200000" scaled="0"/>
-        </a:gradFill>
-        <a:ln>
-          <a:noFill/>
-        </a:ln>
-        <a:effectLst>
-          <a:outerShdw blurRad="40000" dist="23000" dir="5400000" rotWithShape="0">
-            <a:srgbClr val="000000">
-              <a:alpha val="35000"/>
-            </a:srgbClr>
-          </a:outerShdw>
-        </a:effectLst>
-        <a:scene3d>
-          <a:camera prst="orthographicFront"/>
-          <a:lightRig rig="threePt" dir="t">
-            <a:rot lat="0" lon="0" rev="7500000"/>
-          </a:lightRig>
-        </a:scene3d>
-        <a:sp3d prstMaterial="plastic">
-          <a:bevelT w="127000" h="25400" prst="relaxedInset"/>
-        </a:sp3d>
-      </dsp:spPr>
-      <dsp:style>
-        <a:lnRef idx="0">
-          <a:scrgbClr r="0" g="0" b="0"/>
-        </a:lnRef>
-        <a:fillRef idx="3">
-          <a:scrgbClr r="0" g="0" b="0"/>
-        </a:fillRef>
-        <a:effectRef idx="2">
-          <a:scrgbClr r="0" g="0" b="0"/>
-        </a:effectRef>
-        <a:fontRef idx="minor">
-          <a:schemeClr val="lt1"/>
-        </a:fontRef>
-      </dsp:style>
-      <dsp:txBody>
-        <a:bodyPr spcFirstLastPara="0" vert="horz" wrap="square" lIns="64008" tIns="21336" rIns="21336" bIns="21336" numCol="1" spcCol="1270" anchor="ctr" anchorCtr="0">
-          <a:noAutofit/>
-        </a:bodyPr>
-        <a:lstStyle/>
-        <a:p>
-          <a:pPr lvl="0" algn="ctr" defTabSz="711200">
-            <a:lnSpc>
-              <a:spcPct val="90000"/>
-            </a:lnSpc>
-            <a:spcBef>
-              <a:spcPct val="0"/>
-            </a:spcBef>
-            <a:spcAft>
-              <a:spcPct val="35000"/>
-            </a:spcAft>
-          </a:pPr>
-          <a:r>
-            <a:rPr lang="en-US" sz="1600" kern="1200" dirty="0" smtClean="0"/>
-            <a:t>Build</a:t>
-          </a:r>
-          <a:endParaRPr lang="en-US" sz="1600" kern="1200" dirty="0"/>
-        </a:p>
-      </dsp:txBody>
-      <dsp:txXfrm>
-        <a:off x="2566458" y="1874132"/>
-        <a:ext cx="769938" cy="513291"/>
-      </dsp:txXfrm>
-    </dsp:sp>
-    <dsp:sp modelId="{6C0301AB-BB41-9E45-A0A9-E988787F98E9}">
-      <dsp:nvSpPr>
-        <dsp:cNvPr id="0" name=""/>
-        <dsp:cNvSpPr/>
-      </dsp:nvSpPr>
-      <dsp:spPr>
-        <a:xfrm>
-          <a:off x="3464718" y="1874132"/>
-          <a:ext cx="1283229" cy="513291"/>
-        </a:xfrm>
-        <a:prstGeom prst="chevron">
-          <a:avLst/>
-        </a:prstGeom>
-        <a:gradFill rotWithShape="0">
-          <a:gsLst>
-            <a:gs pos="0">
-              <a:schemeClr val="accent6">
-                <a:shade val="80000"/>
-                <a:hueOff val="-190846"/>
-                <a:satOff val="8505"/>
-                <a:lumOff val="11889"/>
-                <a:alphaOff val="0"/>
-                <a:tint val="100000"/>
-                <a:shade val="100000"/>
-                <a:satMod val="130000"/>
-              </a:schemeClr>
-            </a:gs>
-            <a:gs pos="100000">
-              <a:schemeClr val="accent6">
-                <a:shade val="80000"/>
-                <a:hueOff val="-190846"/>
-                <a:satOff val="8505"/>
-                <a:lumOff val="11889"/>
-                <a:alphaOff val="0"/>
-                <a:tint val="50000"/>
-                <a:shade val="100000"/>
-                <a:satMod val="350000"/>
-              </a:schemeClr>
-            </a:gs>
-          </a:gsLst>
-          <a:lin ang="16200000" scaled="0"/>
-        </a:gradFill>
-        <a:ln>
-          <a:noFill/>
-        </a:ln>
-        <a:effectLst>
-          <a:outerShdw blurRad="40000" dist="23000" dir="5400000" rotWithShape="0">
-            <a:srgbClr val="000000">
-              <a:alpha val="35000"/>
-            </a:srgbClr>
-          </a:outerShdw>
-        </a:effectLst>
-        <a:scene3d>
-          <a:camera prst="orthographicFront"/>
-          <a:lightRig rig="threePt" dir="t">
-            <a:rot lat="0" lon="0" rev="7500000"/>
-          </a:lightRig>
-        </a:scene3d>
-        <a:sp3d prstMaterial="plastic">
-          <a:bevelT w="127000" h="25400" prst="relaxedInset"/>
-        </a:sp3d>
-      </dsp:spPr>
-      <dsp:style>
-        <a:lnRef idx="0">
-          <a:scrgbClr r="0" g="0" b="0"/>
-        </a:lnRef>
-        <a:fillRef idx="3">
-          <a:scrgbClr r="0" g="0" b="0"/>
-        </a:fillRef>
-        <a:effectRef idx="2">
-          <a:scrgbClr r="0" g="0" b="0"/>
-        </a:effectRef>
-        <a:fontRef idx="minor">
-          <a:schemeClr val="lt1"/>
-        </a:fontRef>
-      </dsp:style>
-      <dsp:txBody>
-        <a:bodyPr spcFirstLastPara="0" vert="horz" wrap="square" lIns="64008" tIns="21336" rIns="21336" bIns="21336" numCol="1" spcCol="1270" anchor="ctr" anchorCtr="0">
-          <a:noAutofit/>
-        </a:bodyPr>
-        <a:lstStyle/>
-        <a:p>
-          <a:pPr lvl="0" algn="ctr" defTabSz="711200">
-            <a:lnSpc>
-              <a:spcPct val="90000"/>
-            </a:lnSpc>
-            <a:spcBef>
-              <a:spcPct val="0"/>
-            </a:spcBef>
-            <a:spcAft>
-              <a:spcPct val="35000"/>
-            </a:spcAft>
-          </a:pPr>
-          <a:r>
-            <a:rPr lang="en-US" sz="1600" kern="1200" dirty="0" smtClean="0"/>
-            <a:t>Test</a:t>
-          </a:r>
-          <a:endParaRPr lang="en-US" sz="1600" kern="1200" dirty="0"/>
-        </a:p>
-      </dsp:txBody>
-      <dsp:txXfrm>
-        <a:off x="3721364" y="1874132"/>
-        <a:ext cx="769938" cy="513291"/>
-      </dsp:txXfrm>
-    </dsp:sp>
-    <dsp:sp modelId="{9E7D9B46-CE06-384A-A848-0AD8A3C68BCA}">
-      <dsp:nvSpPr>
-        <dsp:cNvPr id="0" name=""/>
-        <dsp:cNvSpPr/>
-      </dsp:nvSpPr>
-      <dsp:spPr>
-        <a:xfrm>
-          <a:off x="4619625" y="1874132"/>
-          <a:ext cx="1283229" cy="513291"/>
-        </a:xfrm>
-        <a:prstGeom prst="chevron">
-          <a:avLst/>
-        </a:prstGeom>
-        <a:gradFill rotWithShape="0">
-          <a:gsLst>
-            <a:gs pos="0">
-              <a:schemeClr val="accent6">
-                <a:shade val="80000"/>
-                <a:hueOff val="-254461"/>
-                <a:satOff val="11339"/>
-                <a:lumOff val="15853"/>
-                <a:alphaOff val="0"/>
-                <a:tint val="100000"/>
-                <a:shade val="100000"/>
-                <a:satMod val="130000"/>
-              </a:schemeClr>
-            </a:gs>
-            <a:gs pos="100000">
-              <a:schemeClr val="accent6">
-                <a:shade val="80000"/>
-                <a:hueOff val="-254461"/>
-                <a:satOff val="11339"/>
-                <a:lumOff val="15853"/>
-                <a:alphaOff val="0"/>
-                <a:tint val="50000"/>
-                <a:shade val="100000"/>
-                <a:satMod val="350000"/>
-              </a:schemeClr>
-            </a:gs>
-          </a:gsLst>
-          <a:lin ang="16200000" scaled="0"/>
-        </a:gradFill>
-        <a:ln>
-          <a:noFill/>
-        </a:ln>
-        <a:effectLst>
-          <a:outerShdw blurRad="40000" dist="23000" dir="5400000" rotWithShape="0">
-            <a:srgbClr val="000000">
-              <a:alpha val="35000"/>
-            </a:srgbClr>
-          </a:outerShdw>
-        </a:effectLst>
-        <a:scene3d>
-          <a:camera prst="orthographicFront"/>
-          <a:lightRig rig="threePt" dir="t">
-            <a:rot lat="0" lon="0" rev="7500000"/>
-          </a:lightRig>
-        </a:scene3d>
-        <a:sp3d prstMaterial="plastic">
-          <a:bevelT w="127000" h="25400" prst="relaxedInset"/>
-        </a:sp3d>
-      </dsp:spPr>
-      <dsp:style>
-        <a:lnRef idx="0">
-          <a:scrgbClr r="0" g="0" b="0"/>
-        </a:lnRef>
-        <a:fillRef idx="3">
-          <a:scrgbClr r="0" g="0" b="0"/>
-        </a:fillRef>
-        <a:effectRef idx="2">
-          <a:scrgbClr r="0" g="0" b="0"/>
-        </a:effectRef>
-        <a:fontRef idx="minor">
-          <a:schemeClr val="lt1"/>
-        </a:fontRef>
-      </dsp:style>
-      <dsp:txBody>
-        <a:bodyPr spcFirstLastPara="0" vert="horz" wrap="square" lIns="64008" tIns="21336" rIns="21336" bIns="21336" numCol="1" spcCol="1270" anchor="ctr" anchorCtr="0">
-          <a:noAutofit/>
-        </a:bodyPr>
-        <a:lstStyle/>
-        <a:p>
-          <a:pPr lvl="0" algn="ctr" defTabSz="711200">
-            <a:lnSpc>
-              <a:spcPct val="90000"/>
-            </a:lnSpc>
-            <a:spcBef>
-              <a:spcPct val="0"/>
-            </a:spcBef>
-            <a:spcAft>
-              <a:spcPct val="35000"/>
-            </a:spcAft>
-          </a:pPr>
-          <a:r>
-            <a:rPr lang="en-US" sz="1600" kern="1200" dirty="0" smtClean="0"/>
-            <a:t>Release</a:t>
-          </a:r>
-          <a:endParaRPr lang="en-US" sz="1600" kern="1200" dirty="0"/>
-        </a:p>
-      </dsp:txBody>
-      <dsp:txXfrm>
-        <a:off x="4876271" y="1874132"/>
-        <a:ext cx="769938" cy="513291"/>
-      </dsp:txXfrm>
-    </dsp:sp>
-    <dsp:sp modelId="{71B081E3-B866-C940-9539-EDA829B14E20}">
-      <dsp:nvSpPr>
-        <dsp:cNvPr id="0" name=""/>
-        <dsp:cNvSpPr/>
-      </dsp:nvSpPr>
-      <dsp:spPr>
-        <a:xfrm>
-          <a:off x="5774531" y="1874132"/>
-          <a:ext cx="1283229" cy="513291"/>
-        </a:xfrm>
-        <a:prstGeom prst="chevron">
-          <a:avLst/>
-        </a:prstGeom>
-        <a:gradFill rotWithShape="0">
-          <a:gsLst>
-            <a:gs pos="0">
-              <a:schemeClr val="accent6">
-                <a:shade val="80000"/>
-                <a:hueOff val="-318076"/>
-                <a:satOff val="14174"/>
-                <a:lumOff val="19816"/>
-                <a:alphaOff val="0"/>
-                <a:tint val="100000"/>
-                <a:shade val="100000"/>
-                <a:satMod val="130000"/>
-              </a:schemeClr>
-            </a:gs>
-            <a:gs pos="100000">
-              <a:schemeClr val="accent6">
-                <a:shade val="80000"/>
-                <a:hueOff val="-318076"/>
-                <a:satOff val="14174"/>
-                <a:lumOff val="19816"/>
-                <a:alphaOff val="0"/>
-                <a:tint val="50000"/>
-                <a:shade val="100000"/>
-                <a:satMod val="350000"/>
-              </a:schemeClr>
-            </a:gs>
-          </a:gsLst>
-          <a:lin ang="16200000" scaled="0"/>
-        </a:gradFill>
-        <a:ln>
-          <a:noFill/>
-        </a:ln>
-        <a:effectLst>
-          <a:outerShdw blurRad="40000" dist="23000" dir="5400000" rotWithShape="0">
-            <a:srgbClr val="000000">
-              <a:alpha val="35000"/>
-            </a:srgbClr>
-          </a:outerShdw>
-        </a:effectLst>
-        <a:scene3d>
-          <a:camera prst="orthographicFront"/>
-          <a:lightRig rig="threePt" dir="t">
-            <a:rot lat="0" lon="0" rev="7500000"/>
-          </a:lightRig>
-        </a:scene3d>
-        <a:sp3d prstMaterial="plastic">
-          <a:bevelT w="127000" h="25400" prst="relaxedInset"/>
-        </a:sp3d>
-      </dsp:spPr>
-      <dsp:style>
-        <a:lnRef idx="0">
-          <a:scrgbClr r="0" g="0" b="0"/>
-        </a:lnRef>
-        <a:fillRef idx="3">
-          <a:scrgbClr r="0" g="0" b="0"/>
-        </a:fillRef>
-        <a:effectRef idx="2">
-          <a:scrgbClr r="0" g="0" b="0"/>
-        </a:effectRef>
-        <a:fontRef idx="minor">
-          <a:schemeClr val="lt1"/>
-        </a:fontRef>
-      </dsp:style>
-      <dsp:txBody>
-        <a:bodyPr spcFirstLastPara="0" vert="horz" wrap="square" lIns="64008" tIns="21336" rIns="21336" bIns="21336" numCol="1" spcCol="1270" anchor="ctr" anchorCtr="0">
-          <a:noAutofit/>
-        </a:bodyPr>
-        <a:lstStyle/>
-        <a:p>
-          <a:pPr lvl="0" algn="ctr" defTabSz="711200">
-            <a:lnSpc>
-              <a:spcPct val="90000"/>
-            </a:lnSpc>
-            <a:spcBef>
-              <a:spcPct val="0"/>
-            </a:spcBef>
-            <a:spcAft>
-              <a:spcPct val="35000"/>
-            </a:spcAft>
-          </a:pPr>
-          <a:r>
-            <a:rPr lang="en-US" sz="1600" kern="1200" dirty="0" smtClean="0"/>
-            <a:t>Deploy</a:t>
-          </a:r>
-          <a:endParaRPr lang="en-US" sz="1600" kern="1200" dirty="0"/>
-        </a:p>
-      </dsp:txBody>
-      <dsp:txXfrm>
-        <a:off x="6031177" y="1874132"/>
-        <a:ext cx="769938" cy="513291"/>
-      </dsp:txXfrm>
-    </dsp:sp>
-    <dsp:sp modelId="{5F932FCC-4439-4744-9BE5-98304E29846B}">
-      <dsp:nvSpPr>
-        <dsp:cNvPr id="0" name=""/>
-        <dsp:cNvSpPr/>
-      </dsp:nvSpPr>
-      <dsp:spPr>
-        <a:xfrm>
-          <a:off x="6929437" y="1874132"/>
-          <a:ext cx="1283229" cy="513291"/>
-        </a:xfrm>
-        <a:prstGeom prst="chevron">
-          <a:avLst/>
-        </a:prstGeom>
-        <a:gradFill rotWithShape="0">
-          <a:gsLst>
-            <a:gs pos="0">
-              <a:schemeClr val="accent6">
-                <a:shade val="80000"/>
-                <a:hueOff val="-381691"/>
-                <a:satOff val="17009"/>
-                <a:lumOff val="23779"/>
-                <a:alphaOff val="0"/>
-                <a:tint val="100000"/>
-                <a:shade val="100000"/>
-                <a:satMod val="130000"/>
-              </a:schemeClr>
-            </a:gs>
-            <a:gs pos="100000">
-              <a:schemeClr val="accent6">
-                <a:shade val="80000"/>
-                <a:hueOff val="-381691"/>
-                <a:satOff val="17009"/>
-                <a:lumOff val="23779"/>
-                <a:alphaOff val="0"/>
-                <a:tint val="50000"/>
-                <a:shade val="100000"/>
-                <a:satMod val="350000"/>
-              </a:schemeClr>
-            </a:gs>
-          </a:gsLst>
-          <a:lin ang="16200000" scaled="0"/>
-        </a:gradFill>
-        <a:ln>
-          <a:noFill/>
-        </a:ln>
-        <a:effectLst>
-          <a:outerShdw blurRad="40000" dist="23000" dir="5400000" rotWithShape="0">
-            <a:srgbClr val="000000">
-              <a:alpha val="35000"/>
-            </a:srgbClr>
-          </a:outerShdw>
-        </a:effectLst>
-        <a:scene3d>
-          <a:camera prst="orthographicFront"/>
-          <a:lightRig rig="threePt" dir="t">
-            <a:rot lat="0" lon="0" rev="7500000"/>
-          </a:lightRig>
-        </a:scene3d>
-        <a:sp3d prstMaterial="plastic">
-          <a:bevelT w="127000" h="25400" prst="relaxedInset"/>
-        </a:sp3d>
-      </dsp:spPr>
-      <dsp:style>
-        <a:lnRef idx="0">
-          <a:scrgbClr r="0" g="0" b="0"/>
-        </a:lnRef>
-        <a:fillRef idx="3">
-          <a:scrgbClr r="0" g="0" b="0"/>
-        </a:fillRef>
-        <a:effectRef idx="2">
-          <a:scrgbClr r="0" g="0" b="0"/>
-        </a:effectRef>
-        <a:fontRef idx="minor">
-          <a:schemeClr val="lt1"/>
-        </a:fontRef>
-      </dsp:style>
-      <dsp:txBody>
-        <a:bodyPr spcFirstLastPara="0" vert="horz" wrap="square" lIns="64008" tIns="21336" rIns="21336" bIns="21336" numCol="1" spcCol="1270" anchor="ctr" anchorCtr="0">
-          <a:noAutofit/>
-        </a:bodyPr>
-        <a:lstStyle/>
-        <a:p>
-          <a:pPr lvl="0" algn="ctr" defTabSz="711200">
-            <a:lnSpc>
-              <a:spcPct val="90000"/>
-            </a:lnSpc>
-            <a:spcBef>
-              <a:spcPct val="0"/>
-            </a:spcBef>
-            <a:spcAft>
-              <a:spcPct val="35000"/>
-            </a:spcAft>
-          </a:pPr>
-          <a:r>
-            <a:rPr lang="en-US" sz="1600" kern="1200" dirty="0" smtClean="0"/>
-            <a:t>Operate</a:t>
-          </a:r>
-          <a:endParaRPr lang="en-US" sz="1600" kern="1200" dirty="0"/>
-        </a:p>
-      </dsp:txBody>
-      <dsp:txXfrm>
-        <a:off x="7186083" y="1874132"/>
-        <a:ext cx="769938" cy="513291"/>
-      </dsp:txXfrm>
-    </dsp:sp>
   </dsp:spTree>
 </dsp:drawing>
 </file>
@@ -22965,6 +22230,44 @@
           <a:bodyPr/>
           <a:lstStyle/>
           <a:p>
+            <a:r>
+              <a:rPr lang="en-US" dirty="0" smtClean="0"/>
+              <a:t>Agile For Operations – 2009 – then 2010  DevOps  (Velocity conferences – check them out)</a:t>
+            </a:r>
+          </a:p>
+          <a:p>
+            <a:r>
+              <a:rPr lang="en-US" dirty="0" smtClean="0"/>
+              <a:t>Attempts</a:t>
+            </a:r>
+            <a:r>
+              <a:rPr lang="en-US" baseline="0" dirty="0" smtClean="0"/>
+              <a:t> to use Agile for Operations – Scrum</a:t>
+            </a:r>
+          </a:p>
+          <a:p>
+            <a:r>
+              <a:rPr lang="en-US" baseline="0" dirty="0" smtClean="0"/>
+              <a:t>Failure:</a:t>
+            </a:r>
+          </a:p>
+          <a:p>
+            <a:r>
+              <a:rPr lang="en-US" dirty="0" smtClean="0"/>
+              <a:t>From The </a:t>
+            </a:r>
+            <a:r>
+              <a:rPr lang="en-US" smtClean="0"/>
+              <a:t>Phoenix</a:t>
+            </a:r>
+            <a:r>
+              <a:rPr lang="en-US" baseline="0" smtClean="0"/>
+              <a:t> Project - </a:t>
+            </a:r>
+            <a:r>
+              <a:rPr lang="en-US" smtClean="0"/>
+              <a:t> Gene Kim</a:t>
+            </a:r>
             <a:endParaRPr lang="en-US" dirty="0"/>
           </a:p>
         </p:txBody>
@@ -22995,7 +22298,7 @@
     </p:spTree>
     <p:extLst>
       <p:ext uri="{BB962C8B-B14F-4D97-AF65-F5344CB8AC3E}">
-        <p14:creationId xmlns:p14="http://schemas.microsoft.com/office/powerpoint/2010/main" val="3579993731"/>
+        <p14:creationId xmlns:p14="http://schemas.microsoft.com/office/powerpoint/2010/main" val="358046350"/>
       </p:ext>
     </p:extLst>
   </p:cSld>
@@ -29445,7 +28748,7 @@
     <mc:Choice Requires="p14">
       <p:transition spd="slow" p14:dur="2000"/>
     </mc:Choice>
-    <mc:Fallback xmlns="" xmlns:mv="urn:schemas-microsoft-com:mac:vml">
+    <mc:Fallback xmlns:mv="urn:schemas-microsoft-com:mac:vml" xmlns="">
       <p:transition spd="slow"/>
     </mc:Fallback>
   </mc:AlternateContent>
@@ -39119,7 +38422,6 @@
               <a:rPr lang="en-US" sz="4600" dirty="0" smtClean="0"/>
               <a:t>Behavior change – culture will follow</a:t>
             </a:r>
-            <a:endParaRPr lang="en-US" sz="4600" dirty="0" smtClean="0"/>
           </a:p>
         </p:txBody>
       </p:sp>
@@ -40606,21 +39908,14 @@
             <p:ph type="title"/>
           </p:nvPr>
         </p:nvSpPr>
-        <p:spPr>
-          <a:xfrm>
-            <a:off x="438678" y="323165"/>
-            <a:ext cx="8229600" cy="646331"/>
-          </a:xfrm>
-        </p:spPr>
+        <p:spPr/>
         <p:txBody>
-          <a:bodyPr>
-            <a:normAutofit fontScale="90000"/>
-          </a:bodyPr>
+          <a:bodyPr/>
           <a:lstStyle/>
           <a:p>
             <a:r>
               <a:rPr lang="en-US" dirty="0" smtClean="0"/>
-              <a:t>DevOps</a:t>
+              <a:t>Agile Operations</a:t>
             </a:r>
             <a:endParaRPr lang="en-US" dirty="0"/>
           </a:p>
@@ -40628,44 +39923,69 @@
       </p:sp>
       <p:sp>
         <p:nvSpPr>
-          <p:cNvPr id="4" name="Slide Number Placeholder 3"/>
+          <p:cNvPr id="3" name="Content Placeholder 2"/>
           <p:cNvSpPr>
             <a:spLocks noGrp="1"/>
           </p:cNvSpPr>
           <p:nvPr>
-            <p:ph type="sldNum" sz="quarter" idx="10"/>
+            <p:ph idx="1"/>
           </p:nvPr>
         </p:nvSpPr>
-        <p:spPr/>
+        <p:spPr>
+          <a:xfrm>
+            <a:off x="457200" y="1140748"/>
+            <a:ext cx="8229600" cy="4525963"/>
+          </a:xfrm>
+        </p:spPr>
         <p:txBody>
           <a:bodyPr/>
           <a:lstStyle/>
           <a:p>
-            <a:pPr>
-              <a:defRPr/>
+            <a:pPr marL="0" indent="0">
+              <a:buNone/>
             </a:pPr>
-            <a:fld id="{2D118A52-EDC5-42B9-AEFF-70EBA4319419}" type="slidenum">
-              <a:rPr lang="en-US" smtClean="0">
-                <a:solidFill>
-                  <a:srgbClr val="FFFFFF"/>
-                </a:solidFill>
-              </a:rPr>
-              <a:pPr>
-                <a:defRPr/>
-              </a:pPr>
-              <a:t>6</a:t>
-            </a:fld>
-            <a:endParaRPr lang="en-US" dirty="0">
-              <a:solidFill>
-                <a:srgbClr val="FFFFFF"/>
-              </a:solidFill>
-            </a:endParaRPr>
+            <a:r>
+              <a:rPr lang="en-US" dirty="0"/>
+              <a:t>Operations has 4 Work Types:</a:t>
+            </a:r>
+          </a:p>
+          <a:p>
+            <a:r>
+              <a:rPr lang="en-US" dirty="0"/>
+              <a:t>1.Business Projects (</a:t>
+            </a:r>
+            <a:r>
+              <a:rPr lang="en-US" dirty="0" smtClean="0"/>
+              <a:t>New Service)</a:t>
+            </a:r>
+            <a:endParaRPr lang="en-US" dirty="0"/>
+          </a:p>
+          <a:p>
+            <a:r>
+              <a:rPr lang="en-US" dirty="0"/>
+              <a:t>2.Internal Projects (Implement CM)</a:t>
+            </a:r>
+          </a:p>
+          <a:p>
+            <a:r>
+              <a:rPr lang="en-US" dirty="0"/>
+              <a:t>3.Planned Changes (Tickets)</a:t>
+            </a:r>
+          </a:p>
+          <a:p>
+            <a:r>
+              <a:rPr lang="en-US" dirty="0"/>
+              <a:t>4. Unplanned Changes (Break-fix)</a:t>
+            </a:r>
+          </a:p>
+          <a:p>
+            <a:endParaRPr lang="en-US" dirty="0"/>
           </a:p>
         </p:txBody>
       </p:sp>
       <p:pic>
         <p:nvPicPr>
-          <p:cNvPr id="6" name="Picture 5"/>
+          <p:cNvPr id="4" name="Picture 3"/>
           <p:cNvPicPr>
             <a:picLocks noChangeAspect="1"/>
           </p:cNvPicPr>
@@ -40679,8 +39999,8 @@
         </p:blipFill>
         <p:spPr>
           <a:xfrm>
-            <a:off x="956667" y="1482755"/>
-            <a:ext cx="7711611" cy="4158703"/>
+            <a:off x="457200" y="4108044"/>
+            <a:ext cx="7711611" cy="2678494"/>
           </a:xfrm>
           <a:prstGeom prst="rect">
             <a:avLst/>
@@ -40690,7 +40010,7 @@
     </p:spTree>
     <p:extLst>
       <p:ext uri="{BB962C8B-B14F-4D97-AF65-F5344CB8AC3E}">
-        <p14:creationId xmlns:p14="http://schemas.microsoft.com/office/powerpoint/2010/main" val="2076442870"/>
+        <p14:creationId xmlns:p14="http://schemas.microsoft.com/office/powerpoint/2010/main" val="1869886928"/>
       </p:ext>
     </p:extLst>
   </p:cSld>
@@ -41106,7 +40426,6 @@
               <a:rPr lang="en-US" sz="2300" dirty="0"/>
               <a:t>short lead times) </a:t>
             </a:r>
-            <a:endParaRPr lang="en-US" sz="2300" dirty="0"/>
           </a:p>
         </p:txBody>
       </p:sp>
@@ -41244,7 +40563,6 @@
               <a:rPr lang="en-US" sz="3200" dirty="0"/>
               <a:t>without gates </a:t>
             </a:r>
-            <a:endParaRPr lang="en-US" sz="3200" dirty="0"/>
           </a:p>
         </p:txBody>
       </p:sp>

--- a/ALFDevOps.pptx
+++ b/ALFDevOps.pptx
@@ -22248,24 +22248,25 @@
           <a:p>
             <a:r>
               <a:rPr lang="en-US" baseline="0" dirty="0" smtClean="0"/>
-              <a:t>Failure:</a:t>
-            </a:r>
+              <a:t>Failure – can </a:t>
+            </a:r>
+            <a:r>
+              <a:rPr lang="en-US" baseline="0" smtClean="0"/>
+              <a:t>timebox</a:t>
+            </a:r>
+            <a:endParaRPr lang="en-US" baseline="0" dirty="0" smtClean="0"/>
           </a:p>
           <a:p>
             <a:r>
               <a:rPr lang="en-US" dirty="0" smtClean="0"/>
-              <a:t>From The </a:t>
-            </a:r>
-            <a:r>
-              <a:rPr lang="en-US" smtClean="0"/>
-              <a:t>Phoenix</a:t>
-            </a:r>
-            <a:r>
-              <a:rPr lang="en-US" baseline="0" smtClean="0"/>
+              <a:t>From The Phoenix</a:t>
+            </a:r>
+            <a:r>
+              <a:rPr lang="en-US" baseline="0" dirty="0" smtClean="0"/>
               <a:t> Project - </a:t>
             </a:r>
             <a:r>
-              <a:rPr lang="en-US" smtClean="0"/>
+              <a:rPr lang="en-US" dirty="0" smtClean="0"/>
               <a:t> Gene Kim</a:t>
             </a:r>
             <a:endParaRPr lang="en-US" dirty="0"/>
